--- a/documents/2.4.0/S-98 VTC Nov.pptx
+++ b/documents/2.4.0/S-98 VTC Nov.pptx
@@ -10,20 +10,19 @@
     <p:sldId id="343" r:id="rId4"/>
     <p:sldId id="313" r:id="rId5"/>
     <p:sldId id="337" r:id="rId6"/>
-    <p:sldId id="338" r:id="rId7"/>
-    <p:sldId id="339" r:id="rId8"/>
-    <p:sldId id="340" r:id="rId9"/>
-    <p:sldId id="341" r:id="rId10"/>
-    <p:sldId id="326" r:id="rId11"/>
-    <p:sldId id="342" r:id="rId12"/>
-    <p:sldId id="332" r:id="rId13"/>
+    <p:sldId id="332" r:id="rId7"/>
+    <p:sldId id="336" r:id="rId8"/>
+    <p:sldId id="338" r:id="rId9"/>
+    <p:sldId id="339" r:id="rId10"/>
+    <p:sldId id="340" r:id="rId11"/>
+    <p:sldId id="341" r:id="rId12"/>
+    <p:sldId id="326" r:id="rId13"/>
     <p:sldId id="344" r:id="rId14"/>
-    <p:sldId id="333" r:id="rId15"/>
-    <p:sldId id="334" r:id="rId16"/>
-    <p:sldId id="336" r:id="rId17"/>
-    <p:sldId id="335" r:id="rId18"/>
-    <p:sldId id="290" r:id="rId19"/>
-    <p:sldId id="314" r:id="rId20"/>
+    <p:sldId id="334" r:id="rId15"/>
+    <p:sldId id="333" r:id="rId16"/>
+    <p:sldId id="335" r:id="rId17"/>
+    <p:sldId id="290" r:id="rId18"/>
+    <p:sldId id="345" r:id="rId19"/>
   </p:sldIdLst>
   <p:sldSz cx="12192000" cy="6858000"/>
   <p:notesSz cx="6858000" cy="9144000"/>
@@ -3564,6 +3563,2497 @@
         <p:cNvPr id="1" name="">
           <a:extLst>
             <a:ext uri="{FF2B5EF4-FFF2-40B4-BE49-F238E27FC236}">
+              <a16:creationId xmlns:a16="http://schemas.microsoft.com/office/drawing/2014/main" id="{31480B89-96FE-78C6-17E8-6EA31608AD58}"/>
+            </a:ext>
+          </a:extLst>
+        </p:cNvPr>
+        <p:cNvGrpSpPr/>
+        <p:nvPr/>
+      </p:nvGrpSpPr>
+      <p:grpSpPr>
+        <a:xfrm>
+          <a:off x="0" y="0"/>
+          <a:ext cx="0" cy="0"/>
+          <a:chOff x="0" y="0"/>
+          <a:chExt cx="0" cy="0"/>
+        </a:xfrm>
+      </p:grpSpPr>
+      <p:sp>
+        <p:nvSpPr>
+          <p:cNvPr id="3" name="Content Placeholder 2">
+            <a:extLst>
+              <a:ext uri="{FF2B5EF4-FFF2-40B4-BE49-F238E27FC236}">
+                <a16:creationId xmlns:a16="http://schemas.microsoft.com/office/drawing/2014/main" id="{AD093399-CF04-CB78-FE82-889F632EBB3B}"/>
+              </a:ext>
+            </a:extLst>
+          </p:cNvPr>
+          <p:cNvSpPr>
+            <a:spLocks noGrp="1"/>
+          </p:cNvSpPr>
+          <p:nvPr>
+            <p:ph idx="1"/>
+          </p:nvPr>
+        </p:nvSpPr>
+        <p:spPr>
+          <a:xfrm>
+            <a:off x="268857" y="672943"/>
+            <a:ext cx="8958670" cy="5387197"/>
+          </a:xfrm>
+        </p:spPr>
+        <p:txBody>
+          <a:bodyPr>
+            <a:normAutofit fontScale="70000" lnSpcReduction="20000"/>
+          </a:bodyPr>
+          <a:lstStyle/>
+          <a:p>
+            <a:pPr>
+              <a:lnSpc>
+                <a:spcPct val="110000"/>
+              </a:lnSpc>
+            </a:pPr>
+            <a:r>
+              <a:rPr lang="en-US" dirty="0"/>
+              <a:t>We are trying to do 2 different things:</a:t>
+            </a:r>
+          </a:p>
+          <a:p>
+            <a:pPr lvl="1">
+              <a:lnSpc>
+                <a:spcPct val="110000"/>
+              </a:lnSpc>
+            </a:pPr>
+            <a:r>
+              <a:rPr lang="en-US" dirty="0"/>
+              <a:t>Identify features (</a:t>
+            </a:r>
+            <a:r>
+              <a:rPr lang="en-US" dirty="0" err="1"/>
+              <a:t>interoperabilityIdentifer</a:t>
+            </a:r>
+            <a:r>
+              <a:rPr lang="en-US" dirty="0"/>
+              <a:t> does this)</a:t>
+            </a:r>
+          </a:p>
+          <a:p>
+            <a:pPr lvl="1">
+              <a:lnSpc>
+                <a:spcPct val="110000"/>
+              </a:lnSpc>
+            </a:pPr>
+            <a:r>
+              <a:rPr lang="en-US" dirty="0"/>
+              <a:t>Associate between features in different PS, as well as in different datasets (the same PS)</a:t>
+            </a:r>
+          </a:p>
+          <a:p>
+            <a:pPr lvl="1">
+              <a:lnSpc>
+                <a:spcPct val="110000"/>
+              </a:lnSpc>
+            </a:pPr>
+            <a:endParaRPr lang="en-US" dirty="0"/>
+          </a:p>
+          <a:p>
+            <a:pPr>
+              <a:lnSpc>
+                <a:spcPct val="110000"/>
+              </a:lnSpc>
+            </a:pPr>
+            <a:r>
+              <a:rPr lang="en-US" dirty="0"/>
+              <a:t>So, </a:t>
+            </a:r>
+            <a:r>
+              <a:rPr lang="en-US" b="1" i="1" dirty="0" err="1"/>
+              <a:t>interoperablityIdentifier</a:t>
+            </a:r>
+            <a:r>
+              <a:rPr lang="en-US" dirty="0"/>
+              <a:t> identifies “features”</a:t>
+            </a:r>
+          </a:p>
+          <a:p>
+            <a:pPr>
+              <a:lnSpc>
+                <a:spcPct val="110000"/>
+              </a:lnSpc>
+            </a:pPr>
+            <a:r>
+              <a:rPr lang="en-US" b="1" i="1" dirty="0" err="1"/>
+              <a:t>featureReference.interoperabilityIdentifier</a:t>
+            </a:r>
+            <a:r>
+              <a:rPr lang="en-US" b="1" i="1" dirty="0"/>
+              <a:t> </a:t>
+            </a:r>
+            <a:r>
+              <a:rPr lang="en-US" dirty="0"/>
+              <a:t>contains a reference to “other” identifiers in some product specifications (not all)</a:t>
+            </a:r>
+          </a:p>
+          <a:p>
+            <a:pPr>
+              <a:lnSpc>
+                <a:spcPct val="110000"/>
+              </a:lnSpc>
+            </a:pPr>
+            <a:endParaRPr lang="en-US" dirty="0"/>
+          </a:p>
+          <a:p>
+            <a:pPr>
+              <a:lnSpc>
+                <a:spcPct val="110000"/>
+              </a:lnSpc>
+            </a:pPr>
+            <a:r>
+              <a:rPr lang="en-US" dirty="0"/>
+              <a:t>The ECDIS must return (in the pick report)</a:t>
+            </a:r>
+          </a:p>
+          <a:p>
+            <a:pPr lvl="1">
+              <a:lnSpc>
+                <a:spcPct val="110000"/>
+              </a:lnSpc>
+            </a:pPr>
+            <a:r>
+              <a:rPr lang="en-US" b="1" dirty="0">
+                <a:solidFill>
+                  <a:srgbClr val="C00000"/>
+                </a:solidFill>
+              </a:rPr>
+              <a:t>All features with identical </a:t>
+            </a:r>
+            <a:r>
+              <a:rPr lang="en-US" b="1" dirty="0" err="1">
+                <a:solidFill>
+                  <a:srgbClr val="C00000"/>
+                </a:solidFill>
+              </a:rPr>
+              <a:t>interoperabilityIdentifiers</a:t>
+            </a:r>
+            <a:endParaRPr lang="en-US" b="1" dirty="0">
+              <a:solidFill>
+                <a:srgbClr val="C00000"/>
+              </a:solidFill>
+            </a:endParaRPr>
+          </a:p>
+          <a:p>
+            <a:pPr lvl="1">
+              <a:lnSpc>
+                <a:spcPct val="110000"/>
+              </a:lnSpc>
+            </a:pPr>
+            <a:r>
+              <a:rPr lang="en-US" b="1" dirty="0">
+                <a:solidFill>
+                  <a:srgbClr val="C00000"/>
+                </a:solidFill>
+              </a:rPr>
+              <a:t>Any feature which has a feature reference containing the </a:t>
+            </a:r>
+            <a:r>
+              <a:rPr lang="en-US" b="1" dirty="0" err="1">
+                <a:solidFill>
+                  <a:srgbClr val="C00000"/>
+                </a:solidFill>
+              </a:rPr>
+              <a:t>interoperabilityIdentifier</a:t>
+            </a:r>
+            <a:r>
+              <a:rPr lang="en-US" b="1" dirty="0">
+                <a:solidFill>
+                  <a:srgbClr val="C00000"/>
+                </a:solidFill>
+              </a:rPr>
+              <a:t> of the picked feature.</a:t>
+            </a:r>
+          </a:p>
+          <a:p>
+            <a:pPr lvl="1">
+              <a:lnSpc>
+                <a:spcPct val="110000"/>
+              </a:lnSpc>
+            </a:pPr>
+            <a:endParaRPr lang="en-US" dirty="0"/>
+          </a:p>
+          <a:p>
+            <a:pPr>
+              <a:lnSpc>
+                <a:spcPct val="110000"/>
+              </a:lnSpc>
+            </a:pPr>
+            <a:r>
+              <a:rPr lang="en-US" dirty="0"/>
+              <a:t>There can be multiple feature references in S-124</a:t>
+            </a:r>
+          </a:p>
+          <a:p>
+            <a:pPr>
+              <a:lnSpc>
+                <a:spcPct val="110000"/>
+              </a:lnSpc>
+            </a:pPr>
+            <a:r>
+              <a:rPr lang="en-US" dirty="0"/>
+              <a:t>How can you associate between different datasets (same PS) Using common </a:t>
+            </a:r>
+            <a:r>
+              <a:rPr lang="en-US" dirty="0" err="1"/>
+              <a:t>foid</a:t>
+            </a:r>
+            <a:r>
+              <a:rPr lang="en-US" dirty="0"/>
+              <a:t>?</a:t>
+            </a:r>
+          </a:p>
+          <a:p>
+            <a:pPr>
+              <a:lnSpc>
+                <a:spcPct val="110000"/>
+              </a:lnSpc>
+            </a:pPr>
+            <a:endParaRPr lang="en-GB" dirty="0"/>
+          </a:p>
+        </p:txBody>
+      </p:sp>
+      <p:pic>
+        <p:nvPicPr>
+          <p:cNvPr id="4" name="Picture 3">
+            <a:extLst>
+              <a:ext uri="{FF2B5EF4-FFF2-40B4-BE49-F238E27FC236}">
+                <a16:creationId xmlns:a16="http://schemas.microsoft.com/office/drawing/2014/main" id="{B3107FBF-E529-1A89-9B9A-FC64687B3CF3}"/>
+              </a:ext>
+            </a:extLst>
+          </p:cNvPr>
+          <p:cNvPicPr>
+            <a:picLocks noChangeAspect="1"/>
+          </p:cNvPicPr>
+          <p:nvPr/>
+        </p:nvPicPr>
+        <p:blipFill>
+          <a:blip r:embed="rId2"/>
+          <a:stretch>
+            <a:fillRect/>
+          </a:stretch>
+        </p:blipFill>
+        <p:spPr>
+          <a:xfrm>
+            <a:off x="8692564" y="2025618"/>
+            <a:ext cx="2863129" cy="1513867"/>
+          </a:xfrm>
+          <a:prstGeom prst="rect">
+            <a:avLst/>
+          </a:prstGeom>
+        </p:spPr>
+      </p:pic>
+    </p:spTree>
+    <p:extLst>
+      <p:ext uri="{BB962C8B-B14F-4D97-AF65-F5344CB8AC3E}">
+        <p14:creationId xmlns:p14="http://schemas.microsoft.com/office/powerpoint/2010/main" val="1281628059"/>
+      </p:ext>
+    </p:extLst>
+  </p:cSld>
+  <p:clrMapOvr>
+    <a:masterClrMapping/>
+  </p:clrMapOvr>
+</p:sld>
+</file>
+
+<file path=ppt/slides/slide11.xml><?xml version="1.0" encoding="utf-8"?>
+<p:sld xmlns:a="http://schemas.openxmlformats.org/drawingml/2006/main" xmlns:r="http://schemas.openxmlformats.org/officeDocument/2006/relationships" xmlns:p="http://schemas.openxmlformats.org/presentationml/2006/main">
+  <p:cSld>
+    <p:spTree>
+      <p:nvGrpSpPr>
+        <p:cNvPr id="1" name="">
+          <a:extLst>
+            <a:ext uri="{FF2B5EF4-FFF2-40B4-BE49-F238E27FC236}">
+              <a16:creationId xmlns:a16="http://schemas.microsoft.com/office/drawing/2014/main" id="{B951083A-06E6-8148-D37E-75C6090C39EB}"/>
+            </a:ext>
+          </a:extLst>
+        </p:cNvPr>
+        <p:cNvGrpSpPr/>
+        <p:nvPr/>
+      </p:nvGrpSpPr>
+      <p:grpSpPr>
+        <a:xfrm>
+          <a:off x="0" y="0"/>
+          <a:ext cx="0" cy="0"/>
+          <a:chOff x="0" y="0"/>
+          <a:chExt cx="0" cy="0"/>
+        </a:xfrm>
+      </p:grpSpPr>
+      <p:sp>
+        <p:nvSpPr>
+          <p:cNvPr id="5" name="Rectangle 4">
+            <a:extLst>
+              <a:ext uri="{FF2B5EF4-FFF2-40B4-BE49-F238E27FC236}">
+                <a16:creationId xmlns:a16="http://schemas.microsoft.com/office/drawing/2014/main" id="{D0329CD9-400A-F30A-F929-013152D3245D}"/>
+              </a:ext>
+            </a:extLst>
+          </p:cNvPr>
+          <p:cNvSpPr/>
+          <p:nvPr/>
+        </p:nvSpPr>
+        <p:spPr>
+          <a:xfrm>
+            <a:off x="573472" y="1125739"/>
+            <a:ext cx="3438144" cy="3608832"/>
+          </a:xfrm>
+          <a:prstGeom prst="rect">
+            <a:avLst/>
+          </a:prstGeom>
+          <a:solidFill>
+            <a:schemeClr val="accent5">
+              <a:lumMod val="40000"/>
+              <a:lumOff val="60000"/>
+            </a:schemeClr>
+          </a:solidFill>
+        </p:spPr>
+        <p:style>
+          <a:lnRef idx="2">
+            <a:schemeClr val="accent1">
+              <a:shade val="15000"/>
+            </a:schemeClr>
+          </a:lnRef>
+          <a:fillRef idx="1">
+            <a:schemeClr val="accent1"/>
+          </a:fillRef>
+          <a:effectRef idx="0">
+            <a:schemeClr val="accent1"/>
+          </a:effectRef>
+          <a:fontRef idx="minor">
+            <a:schemeClr val="lt1"/>
+          </a:fontRef>
+        </p:style>
+        <p:txBody>
+          <a:bodyPr rtlCol="0" anchor="ctr"/>
+          <a:lstStyle/>
+          <a:p>
+            <a:pPr marL="0" marR="0" lvl="0" indent="0" algn="ctr" defTabSz="914400" rtl="0" eaLnBrk="1" fontAlgn="auto" latinLnBrk="0" hangingPunct="1">
+              <a:lnSpc>
+                <a:spcPct val="100000"/>
+              </a:lnSpc>
+              <a:spcBef>
+                <a:spcPts val="0"/>
+              </a:spcBef>
+              <a:spcAft>
+                <a:spcPts val="0"/>
+              </a:spcAft>
+              <a:buClrTx/>
+              <a:buSzTx/>
+              <a:buFontTx/>
+              <a:buNone/>
+              <a:tabLst/>
+              <a:defRPr/>
+            </a:pPr>
+            <a:endParaRPr kumimoji="0" lang="en-GB" sz="1800" b="0" i="0" u="none" strike="noStrike" kern="1200" cap="none" spc="0" normalizeH="0" baseline="0" noProof="0">
+              <a:ln>
+                <a:noFill/>
+              </a:ln>
+              <a:solidFill>
+                <a:prstClr val="white"/>
+              </a:solidFill>
+              <a:effectLst/>
+              <a:uLnTx/>
+              <a:uFillTx/>
+              <a:latin typeface="Calibri" panose="020F0502020204030204"/>
+              <a:ea typeface="+mn-ea"/>
+              <a:cs typeface="+mn-cs"/>
+            </a:endParaRPr>
+          </a:p>
+        </p:txBody>
+      </p:sp>
+      <p:sp>
+        <p:nvSpPr>
+          <p:cNvPr id="6" name="Rectangle 5">
+            <a:extLst>
+              <a:ext uri="{FF2B5EF4-FFF2-40B4-BE49-F238E27FC236}">
+                <a16:creationId xmlns:a16="http://schemas.microsoft.com/office/drawing/2014/main" id="{B23C6100-5181-6E3E-A0A8-5CB8D680612E}"/>
+              </a:ext>
+            </a:extLst>
+          </p:cNvPr>
+          <p:cNvSpPr/>
+          <p:nvPr/>
+        </p:nvSpPr>
+        <p:spPr>
+          <a:xfrm>
+            <a:off x="4011616" y="1125739"/>
+            <a:ext cx="3438144" cy="3608832"/>
+          </a:xfrm>
+          <a:prstGeom prst="rect">
+            <a:avLst/>
+          </a:prstGeom>
+          <a:solidFill>
+            <a:schemeClr val="accent5">
+              <a:lumMod val="40000"/>
+              <a:lumOff val="60000"/>
+            </a:schemeClr>
+          </a:solidFill>
+        </p:spPr>
+        <p:style>
+          <a:lnRef idx="2">
+            <a:schemeClr val="accent1">
+              <a:shade val="15000"/>
+            </a:schemeClr>
+          </a:lnRef>
+          <a:fillRef idx="1">
+            <a:schemeClr val="accent1"/>
+          </a:fillRef>
+          <a:effectRef idx="0">
+            <a:schemeClr val="accent1"/>
+          </a:effectRef>
+          <a:fontRef idx="minor">
+            <a:schemeClr val="lt1"/>
+          </a:fontRef>
+        </p:style>
+        <p:txBody>
+          <a:bodyPr rtlCol="0" anchor="ctr"/>
+          <a:lstStyle/>
+          <a:p>
+            <a:pPr marL="0" marR="0" lvl="0" indent="0" algn="ctr" defTabSz="914400" rtl="0" eaLnBrk="1" fontAlgn="auto" latinLnBrk="0" hangingPunct="1">
+              <a:lnSpc>
+                <a:spcPct val="100000"/>
+              </a:lnSpc>
+              <a:spcBef>
+                <a:spcPts val="0"/>
+              </a:spcBef>
+              <a:spcAft>
+                <a:spcPts val="0"/>
+              </a:spcAft>
+              <a:buClrTx/>
+              <a:buSzTx/>
+              <a:buFontTx/>
+              <a:buNone/>
+              <a:tabLst/>
+              <a:defRPr/>
+            </a:pPr>
+            <a:endParaRPr kumimoji="0" lang="en-GB" sz="1800" b="0" i="0" u="none" strike="noStrike" kern="1200" cap="none" spc="0" normalizeH="0" baseline="0" noProof="0">
+              <a:ln>
+                <a:noFill/>
+              </a:ln>
+              <a:solidFill>
+                <a:prstClr val="white"/>
+              </a:solidFill>
+              <a:effectLst/>
+              <a:uLnTx/>
+              <a:uFillTx/>
+              <a:latin typeface="Calibri" panose="020F0502020204030204"/>
+              <a:ea typeface="+mn-ea"/>
+              <a:cs typeface="+mn-cs"/>
+            </a:endParaRPr>
+          </a:p>
+        </p:txBody>
+      </p:sp>
+      <p:sp>
+        <p:nvSpPr>
+          <p:cNvPr id="4" name="Rectangle 3">
+            <a:extLst>
+              <a:ext uri="{FF2B5EF4-FFF2-40B4-BE49-F238E27FC236}">
+                <a16:creationId xmlns:a16="http://schemas.microsoft.com/office/drawing/2014/main" id="{79568CC3-FBA2-78D5-F9EF-52EA4FF7A076}"/>
+              </a:ext>
+            </a:extLst>
+          </p:cNvPr>
+          <p:cNvSpPr/>
+          <p:nvPr/>
+        </p:nvSpPr>
+        <p:spPr>
+          <a:xfrm rot="21193878">
+            <a:off x="1991414" y="2486752"/>
+            <a:ext cx="4937760" cy="673445"/>
+          </a:xfrm>
+          <a:prstGeom prst="rect">
+            <a:avLst/>
+          </a:prstGeom>
+          <a:ln>
+            <a:solidFill>
+              <a:srgbClr val="C00000"/>
+            </a:solidFill>
+          </a:ln>
+        </p:spPr>
+        <p:style>
+          <a:lnRef idx="2">
+            <a:schemeClr val="accent1">
+              <a:shade val="15000"/>
+            </a:schemeClr>
+          </a:lnRef>
+          <a:fillRef idx="1">
+            <a:schemeClr val="accent1"/>
+          </a:fillRef>
+          <a:effectRef idx="0">
+            <a:schemeClr val="accent1"/>
+          </a:effectRef>
+          <a:fontRef idx="minor">
+            <a:schemeClr val="lt1"/>
+          </a:fontRef>
+        </p:style>
+        <p:txBody>
+          <a:bodyPr rtlCol="0" anchor="ctr"/>
+          <a:lstStyle/>
+          <a:p>
+            <a:pPr marL="0" marR="0" lvl="0" indent="0" algn="ctr" defTabSz="914400" rtl="0" eaLnBrk="1" fontAlgn="auto" latinLnBrk="0" hangingPunct="1">
+              <a:lnSpc>
+                <a:spcPct val="100000"/>
+              </a:lnSpc>
+              <a:spcBef>
+                <a:spcPts val="0"/>
+              </a:spcBef>
+              <a:spcAft>
+                <a:spcPts val="0"/>
+              </a:spcAft>
+              <a:buClrTx/>
+              <a:buSzTx/>
+              <a:buFontTx/>
+              <a:buNone/>
+              <a:tabLst/>
+              <a:defRPr/>
+            </a:pPr>
+            <a:r>
+              <a:rPr kumimoji="0" lang="en-US" sz="1800" b="0" i="0" u="none" strike="noStrike" kern="1200" cap="none" spc="0" normalizeH="0" baseline="0" noProof="0" dirty="0">
+                <a:ln>
+                  <a:noFill/>
+                </a:ln>
+                <a:solidFill>
+                  <a:prstClr val="white"/>
+                </a:solidFill>
+                <a:effectLst/>
+                <a:uLnTx/>
+                <a:uFillTx/>
+                <a:latin typeface="Calibri" panose="020F0502020204030204"/>
+                <a:ea typeface="+mn-ea"/>
+                <a:cs typeface="+mn-cs"/>
+              </a:rPr>
+              <a:t>Bridge</a:t>
+            </a:r>
+            <a:endParaRPr kumimoji="0" lang="en-GB" sz="1800" b="0" i="0" u="none" strike="noStrike" kern="1200" cap="none" spc="0" normalizeH="0" baseline="0" noProof="0" dirty="0">
+              <a:ln>
+                <a:noFill/>
+              </a:ln>
+              <a:solidFill>
+                <a:prstClr val="white"/>
+              </a:solidFill>
+              <a:effectLst/>
+              <a:uLnTx/>
+              <a:uFillTx/>
+              <a:latin typeface="Calibri" panose="020F0502020204030204"/>
+              <a:ea typeface="+mn-ea"/>
+              <a:cs typeface="+mn-cs"/>
+            </a:endParaRPr>
+          </a:p>
+        </p:txBody>
+      </p:sp>
+      <p:sp>
+        <p:nvSpPr>
+          <p:cNvPr id="7" name="Rectangle 6">
+            <a:extLst>
+              <a:ext uri="{FF2B5EF4-FFF2-40B4-BE49-F238E27FC236}">
+                <a16:creationId xmlns:a16="http://schemas.microsoft.com/office/drawing/2014/main" id="{56B4F7CD-59B3-E0D6-EE0C-617F0532E93E}"/>
+              </a:ext>
+            </a:extLst>
+          </p:cNvPr>
+          <p:cNvSpPr/>
+          <p:nvPr/>
+        </p:nvSpPr>
+        <p:spPr>
+          <a:xfrm>
+            <a:off x="811216" y="2010988"/>
+            <a:ext cx="3939516" cy="2378143"/>
+          </a:xfrm>
+          <a:prstGeom prst="rect">
+            <a:avLst/>
+          </a:prstGeom>
+          <a:noFill/>
+        </p:spPr>
+        <p:style>
+          <a:lnRef idx="2">
+            <a:schemeClr val="accent1">
+              <a:shade val="15000"/>
+            </a:schemeClr>
+          </a:lnRef>
+          <a:fillRef idx="1">
+            <a:schemeClr val="accent1"/>
+          </a:fillRef>
+          <a:effectRef idx="0">
+            <a:schemeClr val="accent1"/>
+          </a:effectRef>
+          <a:fontRef idx="minor">
+            <a:schemeClr val="lt1"/>
+          </a:fontRef>
+        </p:style>
+        <p:txBody>
+          <a:bodyPr rtlCol="0" anchor="ctr"/>
+          <a:lstStyle/>
+          <a:p>
+            <a:pPr marL="0" marR="0" lvl="0" indent="0" algn="ctr" defTabSz="914400" rtl="0" eaLnBrk="1" fontAlgn="auto" latinLnBrk="0" hangingPunct="1">
+              <a:lnSpc>
+                <a:spcPct val="100000"/>
+              </a:lnSpc>
+              <a:spcBef>
+                <a:spcPts val="0"/>
+              </a:spcBef>
+              <a:spcAft>
+                <a:spcPts val="0"/>
+              </a:spcAft>
+              <a:buClrTx/>
+              <a:buSzTx/>
+              <a:buFontTx/>
+              <a:buNone/>
+              <a:tabLst/>
+              <a:defRPr/>
+            </a:pPr>
+            <a:endParaRPr kumimoji="0" lang="en-GB" sz="1800" b="0" i="0" u="none" strike="noStrike" kern="1200" cap="none" spc="0" normalizeH="0" baseline="0" noProof="0">
+              <a:ln>
+                <a:noFill/>
+              </a:ln>
+              <a:solidFill>
+                <a:prstClr val="white"/>
+              </a:solidFill>
+              <a:effectLst/>
+              <a:uLnTx/>
+              <a:uFillTx/>
+              <a:latin typeface="Calibri" panose="020F0502020204030204"/>
+              <a:ea typeface="+mn-ea"/>
+              <a:cs typeface="+mn-cs"/>
+            </a:endParaRPr>
+          </a:p>
+        </p:txBody>
+      </p:sp>
+      <p:sp>
+        <p:nvSpPr>
+          <p:cNvPr id="8" name="TextBox 7">
+            <a:extLst>
+              <a:ext uri="{FF2B5EF4-FFF2-40B4-BE49-F238E27FC236}">
+                <a16:creationId xmlns:a16="http://schemas.microsoft.com/office/drawing/2014/main" id="{4902D3ED-7A01-3F0E-5528-0D258FDC9F01}"/>
+              </a:ext>
+            </a:extLst>
+          </p:cNvPr>
+          <p:cNvSpPr txBox="1"/>
+          <p:nvPr/>
+        </p:nvSpPr>
+        <p:spPr>
+          <a:xfrm>
+            <a:off x="774119" y="2320555"/>
+            <a:ext cx="1049133" cy="369332"/>
+          </a:xfrm>
+          <a:prstGeom prst="rect">
+            <a:avLst/>
+          </a:prstGeom>
+          <a:noFill/>
+        </p:spPr>
+        <p:txBody>
+          <a:bodyPr wrap="none" rtlCol="0">
+            <a:spAutoFit/>
+          </a:bodyPr>
+          <a:lstStyle/>
+          <a:p>
+            <a:pPr marL="0" marR="0" lvl="0" indent="0" algn="l" defTabSz="914400" rtl="0" eaLnBrk="1" fontAlgn="auto" latinLnBrk="0" hangingPunct="1">
+              <a:lnSpc>
+                <a:spcPct val="100000"/>
+              </a:lnSpc>
+              <a:spcBef>
+                <a:spcPts val="0"/>
+              </a:spcBef>
+              <a:spcAft>
+                <a:spcPts val="0"/>
+              </a:spcAft>
+              <a:buClrTx/>
+              <a:buSzTx/>
+              <a:buFontTx/>
+              <a:buNone/>
+              <a:tabLst/>
+              <a:defRPr/>
+            </a:pPr>
+            <a:r>
+              <a:rPr kumimoji="0" lang="en-US" sz="1800" b="0" i="0" u="none" strike="noStrike" kern="1200" cap="none" spc="0" normalizeH="0" baseline="0" noProof="0" dirty="0">
+                <a:ln>
+                  <a:noFill/>
+                </a:ln>
+                <a:solidFill>
+                  <a:prstClr val="black"/>
+                </a:solidFill>
+                <a:effectLst/>
+                <a:uLnTx/>
+                <a:uFillTx/>
+                <a:latin typeface="Calibri" panose="020F0502020204030204"/>
+                <a:ea typeface="+mn-ea"/>
+                <a:cs typeface="+mn-cs"/>
+              </a:rPr>
+              <a:t>Viewport</a:t>
+            </a:r>
+            <a:endParaRPr kumimoji="0" lang="en-GB" sz="1800" b="0" i="0" u="none" strike="noStrike" kern="1200" cap="none" spc="0" normalizeH="0" baseline="0" noProof="0" dirty="0">
+              <a:ln>
+                <a:noFill/>
+              </a:ln>
+              <a:solidFill>
+                <a:prstClr val="black"/>
+              </a:solidFill>
+              <a:effectLst/>
+              <a:uLnTx/>
+              <a:uFillTx/>
+              <a:latin typeface="Calibri" panose="020F0502020204030204"/>
+              <a:ea typeface="+mn-ea"/>
+              <a:cs typeface="+mn-cs"/>
+            </a:endParaRPr>
+          </a:p>
+        </p:txBody>
+      </p:sp>
+      <p:cxnSp>
+        <p:nvCxnSpPr>
+          <p:cNvPr id="10" name="Straight Connector 9">
+            <a:extLst>
+              <a:ext uri="{FF2B5EF4-FFF2-40B4-BE49-F238E27FC236}">
+                <a16:creationId xmlns:a16="http://schemas.microsoft.com/office/drawing/2014/main" id="{63FBFA4F-17FE-DFBA-CAD8-9DA9D8CB163A}"/>
+              </a:ext>
+            </a:extLst>
+          </p:cNvPr>
+          <p:cNvCxnSpPr>
+            <a:cxnSpLocks/>
+          </p:cNvCxnSpPr>
+          <p:nvPr/>
+        </p:nvCxnSpPr>
+        <p:spPr>
+          <a:xfrm>
+            <a:off x="4011616" y="2535947"/>
+            <a:ext cx="0" cy="662432"/>
+          </a:xfrm>
+          <a:prstGeom prst="line">
+            <a:avLst/>
+          </a:prstGeom>
+          <a:ln>
+            <a:solidFill>
+              <a:schemeClr val="tx1">
+                <a:lumMod val="95000"/>
+                <a:lumOff val="5000"/>
+              </a:schemeClr>
+            </a:solidFill>
+            <a:prstDash val="dash"/>
+          </a:ln>
+        </p:spPr>
+        <p:style>
+          <a:lnRef idx="1">
+            <a:schemeClr val="accent1"/>
+          </a:lnRef>
+          <a:fillRef idx="0">
+            <a:schemeClr val="accent1"/>
+          </a:fillRef>
+          <a:effectRef idx="0">
+            <a:schemeClr val="accent1"/>
+          </a:effectRef>
+          <a:fontRef idx="minor">
+            <a:schemeClr val="tx1"/>
+          </a:fontRef>
+        </p:style>
+      </p:cxnSp>
+      <p:sp>
+        <p:nvSpPr>
+          <p:cNvPr id="13" name="TextBox 12">
+            <a:extLst>
+              <a:ext uri="{FF2B5EF4-FFF2-40B4-BE49-F238E27FC236}">
+                <a16:creationId xmlns:a16="http://schemas.microsoft.com/office/drawing/2014/main" id="{15C767BC-008D-9ABF-DAAA-6EE75787245A}"/>
+              </a:ext>
+            </a:extLst>
+          </p:cNvPr>
+          <p:cNvSpPr txBox="1"/>
+          <p:nvPr/>
+        </p:nvSpPr>
+        <p:spPr>
+          <a:xfrm>
+            <a:off x="3449905" y="1107928"/>
+            <a:ext cx="647934" cy="369332"/>
+          </a:xfrm>
+          <a:prstGeom prst="rect">
+            <a:avLst/>
+          </a:prstGeom>
+          <a:noFill/>
+        </p:spPr>
+        <p:txBody>
+          <a:bodyPr wrap="none" rtlCol="0">
+            <a:spAutoFit/>
+          </a:bodyPr>
+          <a:lstStyle/>
+          <a:p>
+            <a:pPr marL="0" marR="0" lvl="0" indent="0" algn="l" defTabSz="914400" rtl="0" eaLnBrk="1" fontAlgn="auto" latinLnBrk="0" hangingPunct="1">
+              <a:lnSpc>
+                <a:spcPct val="100000"/>
+              </a:lnSpc>
+              <a:spcBef>
+                <a:spcPts val="0"/>
+              </a:spcBef>
+              <a:spcAft>
+                <a:spcPts val="0"/>
+              </a:spcAft>
+              <a:buClrTx/>
+              <a:buSzTx/>
+              <a:buFontTx/>
+              <a:buNone/>
+              <a:tabLst/>
+              <a:defRPr/>
+            </a:pPr>
+            <a:r>
+              <a:rPr kumimoji="0" lang="en-US" sz="1800" b="0" i="0" u="none" strike="noStrike" kern="1200" cap="none" spc="0" normalizeH="0" baseline="0" noProof="0" dirty="0">
+                <a:ln>
+                  <a:noFill/>
+                </a:ln>
+                <a:solidFill>
+                  <a:srgbClr val="44546A">
+                    <a:lumMod val="50000"/>
+                  </a:srgbClr>
+                </a:solidFill>
+                <a:effectLst/>
+                <a:uLnTx/>
+                <a:uFillTx/>
+                <a:latin typeface="Calibri" panose="020F0502020204030204"/>
+                <a:ea typeface="+mn-ea"/>
+                <a:cs typeface="+mn-cs"/>
+              </a:rPr>
+              <a:t>ENC</a:t>
+            </a:r>
+            <a:r>
+              <a:rPr kumimoji="0" lang="en-US" sz="1800" b="0" i="0" u="none" strike="noStrike" kern="1200" cap="none" spc="0" normalizeH="0" baseline="-25000" noProof="0" dirty="0">
+                <a:ln>
+                  <a:noFill/>
+                </a:ln>
+                <a:solidFill>
+                  <a:srgbClr val="44546A">
+                    <a:lumMod val="50000"/>
+                  </a:srgbClr>
+                </a:solidFill>
+                <a:effectLst/>
+                <a:uLnTx/>
+                <a:uFillTx/>
+                <a:latin typeface="Calibri" panose="020F0502020204030204"/>
+                <a:ea typeface="+mn-ea"/>
+                <a:cs typeface="+mn-cs"/>
+              </a:rPr>
+              <a:t>1</a:t>
+            </a:r>
+            <a:endParaRPr kumimoji="0" lang="en-GB" sz="1800" b="0" i="0" u="none" strike="noStrike" kern="1200" cap="none" spc="0" normalizeH="0" baseline="0" noProof="0" dirty="0">
+              <a:ln>
+                <a:noFill/>
+              </a:ln>
+              <a:solidFill>
+                <a:srgbClr val="44546A">
+                  <a:lumMod val="50000"/>
+                </a:srgbClr>
+              </a:solidFill>
+              <a:effectLst/>
+              <a:uLnTx/>
+              <a:uFillTx/>
+              <a:latin typeface="Calibri" panose="020F0502020204030204"/>
+              <a:ea typeface="+mn-ea"/>
+              <a:cs typeface="+mn-cs"/>
+            </a:endParaRPr>
+          </a:p>
+        </p:txBody>
+      </p:sp>
+      <p:sp>
+        <p:nvSpPr>
+          <p:cNvPr id="14" name="TextBox 13">
+            <a:extLst>
+              <a:ext uri="{FF2B5EF4-FFF2-40B4-BE49-F238E27FC236}">
+                <a16:creationId xmlns:a16="http://schemas.microsoft.com/office/drawing/2014/main" id="{B260C8AF-F442-9FB6-1A6D-055E884B275A}"/>
+              </a:ext>
+            </a:extLst>
+          </p:cNvPr>
+          <p:cNvSpPr txBox="1"/>
+          <p:nvPr/>
+        </p:nvSpPr>
+        <p:spPr>
+          <a:xfrm>
+            <a:off x="6888049" y="1073152"/>
+            <a:ext cx="647934" cy="369332"/>
+          </a:xfrm>
+          <a:prstGeom prst="rect">
+            <a:avLst/>
+          </a:prstGeom>
+          <a:noFill/>
+        </p:spPr>
+        <p:txBody>
+          <a:bodyPr wrap="none" rtlCol="0">
+            <a:spAutoFit/>
+          </a:bodyPr>
+          <a:lstStyle/>
+          <a:p>
+            <a:pPr marL="0" marR="0" lvl="0" indent="0" algn="l" defTabSz="914400" rtl="0" eaLnBrk="1" fontAlgn="auto" latinLnBrk="0" hangingPunct="1">
+              <a:lnSpc>
+                <a:spcPct val="100000"/>
+              </a:lnSpc>
+              <a:spcBef>
+                <a:spcPts val="0"/>
+              </a:spcBef>
+              <a:spcAft>
+                <a:spcPts val="0"/>
+              </a:spcAft>
+              <a:buClrTx/>
+              <a:buSzTx/>
+              <a:buFontTx/>
+              <a:buNone/>
+              <a:tabLst/>
+              <a:defRPr/>
+            </a:pPr>
+            <a:r>
+              <a:rPr kumimoji="0" lang="en-US" sz="1800" b="0" i="0" u="none" strike="noStrike" kern="1200" cap="none" spc="0" normalizeH="0" baseline="0" noProof="0" dirty="0">
+                <a:ln>
+                  <a:noFill/>
+                </a:ln>
+                <a:solidFill>
+                  <a:srgbClr val="44546A">
+                    <a:lumMod val="50000"/>
+                  </a:srgbClr>
+                </a:solidFill>
+                <a:effectLst/>
+                <a:uLnTx/>
+                <a:uFillTx/>
+                <a:latin typeface="Calibri" panose="020F0502020204030204"/>
+                <a:ea typeface="+mn-ea"/>
+                <a:cs typeface="+mn-cs"/>
+              </a:rPr>
+              <a:t>ENC</a:t>
+            </a:r>
+            <a:r>
+              <a:rPr kumimoji="0" lang="en-US" sz="1800" b="0" i="0" u="none" strike="noStrike" kern="1200" cap="none" spc="0" normalizeH="0" baseline="-25000" noProof="0" dirty="0">
+                <a:ln>
+                  <a:noFill/>
+                </a:ln>
+                <a:solidFill>
+                  <a:srgbClr val="44546A">
+                    <a:lumMod val="50000"/>
+                  </a:srgbClr>
+                </a:solidFill>
+                <a:effectLst/>
+                <a:uLnTx/>
+                <a:uFillTx/>
+                <a:latin typeface="Calibri" panose="020F0502020204030204"/>
+                <a:ea typeface="+mn-ea"/>
+                <a:cs typeface="+mn-cs"/>
+              </a:rPr>
+              <a:t>2</a:t>
+            </a:r>
+            <a:endParaRPr kumimoji="0" lang="en-GB" sz="1800" b="0" i="0" u="none" strike="noStrike" kern="1200" cap="none" spc="0" normalizeH="0" baseline="0" noProof="0" dirty="0">
+              <a:ln>
+                <a:noFill/>
+              </a:ln>
+              <a:solidFill>
+                <a:srgbClr val="44546A">
+                  <a:lumMod val="50000"/>
+                </a:srgbClr>
+              </a:solidFill>
+              <a:effectLst/>
+              <a:uLnTx/>
+              <a:uFillTx/>
+              <a:latin typeface="Calibri" panose="020F0502020204030204"/>
+              <a:ea typeface="+mn-ea"/>
+              <a:cs typeface="+mn-cs"/>
+            </a:endParaRPr>
+          </a:p>
+        </p:txBody>
+      </p:sp>
+      <p:sp>
+        <p:nvSpPr>
+          <p:cNvPr id="16" name="Oval 15">
+            <a:extLst>
+              <a:ext uri="{FF2B5EF4-FFF2-40B4-BE49-F238E27FC236}">
+                <a16:creationId xmlns:a16="http://schemas.microsoft.com/office/drawing/2014/main" id="{8A65CFE6-7B4E-5800-7BA4-05B10889452A}"/>
+              </a:ext>
+            </a:extLst>
+          </p:cNvPr>
+          <p:cNvSpPr/>
+          <p:nvPr/>
+        </p:nvSpPr>
+        <p:spPr>
+          <a:xfrm>
+            <a:off x="5255090" y="2211175"/>
+            <a:ext cx="89408" cy="85344"/>
+          </a:xfrm>
+          <a:prstGeom prst="ellipse">
+            <a:avLst/>
+          </a:prstGeom>
+          <a:solidFill>
+            <a:srgbClr val="FF0000"/>
+          </a:solidFill>
+        </p:spPr>
+        <p:style>
+          <a:lnRef idx="2">
+            <a:schemeClr val="accent1">
+              <a:shade val="15000"/>
+            </a:schemeClr>
+          </a:lnRef>
+          <a:fillRef idx="1">
+            <a:schemeClr val="accent1"/>
+          </a:fillRef>
+          <a:effectRef idx="0">
+            <a:schemeClr val="accent1"/>
+          </a:effectRef>
+          <a:fontRef idx="minor">
+            <a:schemeClr val="lt1"/>
+          </a:fontRef>
+        </p:style>
+        <p:txBody>
+          <a:bodyPr rtlCol="0" anchor="ctr"/>
+          <a:lstStyle/>
+          <a:p>
+            <a:pPr marL="0" marR="0" lvl="0" indent="0" algn="ctr" defTabSz="914400" rtl="0" eaLnBrk="1" fontAlgn="auto" latinLnBrk="0" hangingPunct="1">
+              <a:lnSpc>
+                <a:spcPct val="100000"/>
+              </a:lnSpc>
+              <a:spcBef>
+                <a:spcPts val="0"/>
+              </a:spcBef>
+              <a:spcAft>
+                <a:spcPts val="0"/>
+              </a:spcAft>
+              <a:buClrTx/>
+              <a:buSzTx/>
+              <a:buFontTx/>
+              <a:buNone/>
+              <a:tabLst/>
+              <a:defRPr/>
+            </a:pPr>
+            <a:endParaRPr kumimoji="0" lang="en-GB" sz="1800" b="0" i="0" u="none" strike="noStrike" kern="1200" cap="none" spc="0" normalizeH="0" baseline="0" noProof="0">
+              <a:ln>
+                <a:noFill/>
+              </a:ln>
+              <a:solidFill>
+                <a:prstClr val="white"/>
+              </a:solidFill>
+              <a:effectLst/>
+              <a:uLnTx/>
+              <a:uFillTx/>
+              <a:latin typeface="Calibri" panose="020F0502020204030204"/>
+              <a:ea typeface="+mn-ea"/>
+              <a:cs typeface="+mn-cs"/>
+            </a:endParaRPr>
+          </a:p>
+        </p:txBody>
+      </p:sp>
+      <p:sp>
+        <p:nvSpPr>
+          <p:cNvPr id="17" name="Oval 16">
+            <a:extLst>
+              <a:ext uri="{FF2B5EF4-FFF2-40B4-BE49-F238E27FC236}">
+                <a16:creationId xmlns:a16="http://schemas.microsoft.com/office/drawing/2014/main" id="{5BAEA201-FAB1-5FE1-19BF-15BCAA266962}"/>
+              </a:ext>
+            </a:extLst>
+          </p:cNvPr>
+          <p:cNvSpPr/>
+          <p:nvPr/>
+        </p:nvSpPr>
+        <p:spPr>
+          <a:xfrm>
+            <a:off x="5232675" y="3129772"/>
+            <a:ext cx="89408" cy="85344"/>
+          </a:xfrm>
+          <a:prstGeom prst="ellipse">
+            <a:avLst/>
+          </a:prstGeom>
+          <a:solidFill>
+            <a:schemeClr val="accent6">
+              <a:lumMod val="60000"/>
+              <a:lumOff val="40000"/>
+            </a:schemeClr>
+          </a:solidFill>
+        </p:spPr>
+        <p:style>
+          <a:lnRef idx="2">
+            <a:schemeClr val="accent1">
+              <a:shade val="15000"/>
+            </a:schemeClr>
+          </a:lnRef>
+          <a:fillRef idx="1">
+            <a:schemeClr val="accent1"/>
+          </a:fillRef>
+          <a:effectRef idx="0">
+            <a:schemeClr val="accent1"/>
+          </a:effectRef>
+          <a:fontRef idx="minor">
+            <a:schemeClr val="lt1"/>
+          </a:fontRef>
+        </p:style>
+        <p:txBody>
+          <a:bodyPr rtlCol="0" anchor="ctr"/>
+          <a:lstStyle/>
+          <a:p>
+            <a:pPr marL="0" marR="0" lvl="0" indent="0" algn="ctr" defTabSz="914400" rtl="0" eaLnBrk="1" fontAlgn="auto" latinLnBrk="0" hangingPunct="1">
+              <a:lnSpc>
+                <a:spcPct val="100000"/>
+              </a:lnSpc>
+              <a:spcBef>
+                <a:spcPts val="0"/>
+              </a:spcBef>
+              <a:spcAft>
+                <a:spcPts val="0"/>
+              </a:spcAft>
+              <a:buClrTx/>
+              <a:buSzTx/>
+              <a:buFontTx/>
+              <a:buNone/>
+              <a:tabLst/>
+              <a:defRPr/>
+            </a:pPr>
+            <a:endParaRPr kumimoji="0" lang="en-GB" sz="1800" b="0" i="0" u="none" strike="noStrike" kern="1200" cap="none" spc="0" normalizeH="0" baseline="0" noProof="0">
+              <a:ln>
+                <a:noFill/>
+              </a:ln>
+              <a:solidFill>
+                <a:prstClr val="white"/>
+              </a:solidFill>
+              <a:effectLst/>
+              <a:uLnTx/>
+              <a:uFillTx/>
+              <a:latin typeface="Calibri" panose="020F0502020204030204"/>
+              <a:ea typeface="+mn-ea"/>
+              <a:cs typeface="+mn-cs"/>
+            </a:endParaRPr>
+          </a:p>
+        </p:txBody>
+      </p:sp>
+      <p:cxnSp>
+        <p:nvCxnSpPr>
+          <p:cNvPr id="19" name="Straight Arrow Connector 18">
+            <a:extLst>
+              <a:ext uri="{FF2B5EF4-FFF2-40B4-BE49-F238E27FC236}">
+                <a16:creationId xmlns:a16="http://schemas.microsoft.com/office/drawing/2014/main" id="{ED2D1FD2-2F10-3483-BE71-8C4CC14B0AE1}"/>
+              </a:ext>
+            </a:extLst>
+          </p:cNvPr>
+          <p:cNvCxnSpPr/>
+          <p:nvPr/>
+        </p:nvCxnSpPr>
+        <p:spPr>
+          <a:xfrm>
+            <a:off x="1823252" y="2961330"/>
+            <a:ext cx="268705" cy="168442"/>
+          </a:xfrm>
+          <a:prstGeom prst="straightConnector1">
+            <a:avLst/>
+          </a:prstGeom>
+          <a:ln>
+            <a:solidFill>
+              <a:schemeClr val="tx1"/>
+            </a:solidFill>
+            <a:tailEnd type="triangle"/>
+          </a:ln>
+        </p:spPr>
+        <p:style>
+          <a:lnRef idx="1">
+            <a:schemeClr val="accent1"/>
+          </a:lnRef>
+          <a:fillRef idx="0">
+            <a:schemeClr val="accent1"/>
+          </a:fillRef>
+          <a:effectRef idx="0">
+            <a:schemeClr val="accent1"/>
+          </a:effectRef>
+          <a:fontRef idx="minor">
+            <a:schemeClr val="tx1"/>
+          </a:fontRef>
+        </p:style>
+      </p:cxnSp>
+      <p:sp>
+        <p:nvSpPr>
+          <p:cNvPr id="25" name="TextBox 24">
+            <a:extLst>
+              <a:ext uri="{FF2B5EF4-FFF2-40B4-BE49-F238E27FC236}">
+                <a16:creationId xmlns:a16="http://schemas.microsoft.com/office/drawing/2014/main" id="{ADF4CA20-7286-EA4C-ED07-80D0829594FE}"/>
+              </a:ext>
+            </a:extLst>
+          </p:cNvPr>
+          <p:cNvSpPr txBox="1"/>
+          <p:nvPr/>
+        </p:nvSpPr>
+        <p:spPr>
+          <a:xfrm>
+            <a:off x="1348308" y="2760440"/>
+            <a:ext cx="570990" cy="369332"/>
+          </a:xfrm>
+          <a:prstGeom prst="rect">
+            <a:avLst/>
+          </a:prstGeom>
+          <a:noFill/>
+        </p:spPr>
+        <p:txBody>
+          <a:bodyPr wrap="none" rtlCol="0">
+            <a:spAutoFit/>
+          </a:bodyPr>
+          <a:lstStyle/>
+          <a:p>
+            <a:pPr marL="0" marR="0" lvl="0" indent="0" algn="l" defTabSz="914400" rtl="0" eaLnBrk="1" fontAlgn="auto" latinLnBrk="0" hangingPunct="1">
+              <a:lnSpc>
+                <a:spcPct val="100000"/>
+              </a:lnSpc>
+              <a:spcBef>
+                <a:spcPts val="0"/>
+              </a:spcBef>
+              <a:spcAft>
+                <a:spcPts val="0"/>
+              </a:spcAft>
+              <a:buClrTx/>
+              <a:buSzTx/>
+              <a:buFontTx/>
+              <a:buNone/>
+              <a:tabLst/>
+              <a:defRPr/>
+            </a:pPr>
+            <a:r>
+              <a:rPr kumimoji="0" lang="en-US" sz="1800" b="1" i="0" u="none" strike="noStrike" kern="1200" cap="none" spc="0" normalizeH="0" baseline="0" noProof="0" dirty="0">
+                <a:ln>
+                  <a:noFill/>
+                </a:ln>
+                <a:solidFill>
+                  <a:srgbClr val="7030A0"/>
+                </a:solidFill>
+                <a:effectLst/>
+                <a:uLnTx/>
+                <a:uFillTx/>
+                <a:latin typeface="Calibri" panose="020F0502020204030204"/>
+                <a:ea typeface="+mn-ea"/>
+                <a:cs typeface="+mn-cs"/>
+              </a:rPr>
+              <a:t>pick</a:t>
+            </a:r>
+            <a:endParaRPr kumimoji="0" lang="en-GB" sz="1800" b="1" i="0" u="none" strike="noStrike" kern="1200" cap="none" spc="0" normalizeH="0" baseline="0" noProof="0" dirty="0">
+              <a:ln>
+                <a:noFill/>
+              </a:ln>
+              <a:solidFill>
+                <a:srgbClr val="7030A0"/>
+              </a:solidFill>
+              <a:effectLst/>
+              <a:uLnTx/>
+              <a:uFillTx/>
+              <a:latin typeface="Calibri" panose="020F0502020204030204"/>
+              <a:ea typeface="+mn-ea"/>
+              <a:cs typeface="+mn-cs"/>
+            </a:endParaRPr>
+          </a:p>
+        </p:txBody>
+      </p:sp>
+      <p:sp>
+        <p:nvSpPr>
+          <p:cNvPr id="26" name="TextBox 25">
+            <a:extLst>
+              <a:ext uri="{FF2B5EF4-FFF2-40B4-BE49-F238E27FC236}">
+                <a16:creationId xmlns:a16="http://schemas.microsoft.com/office/drawing/2014/main" id="{20D8D174-B2BC-289A-47B4-BB329550C24B}"/>
+              </a:ext>
+            </a:extLst>
+          </p:cNvPr>
+          <p:cNvSpPr txBox="1"/>
+          <p:nvPr/>
+        </p:nvSpPr>
+        <p:spPr>
+          <a:xfrm>
+            <a:off x="2382267" y="2884755"/>
+            <a:ext cx="251992" cy="261610"/>
+          </a:xfrm>
+          <a:prstGeom prst="rect">
+            <a:avLst/>
+          </a:prstGeom>
+          <a:noFill/>
+        </p:spPr>
+        <p:txBody>
+          <a:bodyPr wrap="none" rtlCol="0">
+            <a:spAutoFit/>
+          </a:bodyPr>
+          <a:lstStyle/>
+          <a:p>
+            <a:pPr marL="0" marR="0" lvl="0" indent="0" algn="l" defTabSz="914400" rtl="0" eaLnBrk="1" fontAlgn="auto" latinLnBrk="0" hangingPunct="1">
+              <a:lnSpc>
+                <a:spcPct val="100000"/>
+              </a:lnSpc>
+              <a:spcBef>
+                <a:spcPts val="0"/>
+              </a:spcBef>
+              <a:spcAft>
+                <a:spcPts val="0"/>
+              </a:spcAft>
+              <a:buClrTx/>
+              <a:buSzTx/>
+              <a:buFontTx/>
+              <a:buNone/>
+              <a:tabLst/>
+              <a:defRPr/>
+            </a:pPr>
+            <a:r>
+              <a:rPr kumimoji="0" lang="en-US" sz="1100" b="1" i="0" u="none" strike="noStrike" kern="1200" cap="none" spc="0" normalizeH="0" baseline="0" noProof="0" dirty="0">
+                <a:ln>
+                  <a:noFill/>
+                </a:ln>
+                <a:solidFill>
+                  <a:srgbClr val="C00000"/>
+                </a:solidFill>
+                <a:effectLst/>
+                <a:uLnTx/>
+                <a:uFillTx/>
+                <a:latin typeface="Calibri" panose="020F0502020204030204"/>
+                <a:ea typeface="+mn-ea"/>
+                <a:cs typeface="+mn-cs"/>
+              </a:rPr>
+              <a:t>a</a:t>
+            </a:r>
+            <a:endParaRPr kumimoji="0" lang="en-GB" sz="1100" b="1" i="0" u="none" strike="noStrike" kern="1200" cap="none" spc="0" normalizeH="0" baseline="0" noProof="0" dirty="0">
+              <a:ln>
+                <a:noFill/>
+              </a:ln>
+              <a:solidFill>
+                <a:srgbClr val="C00000"/>
+              </a:solidFill>
+              <a:effectLst/>
+              <a:uLnTx/>
+              <a:uFillTx/>
+              <a:latin typeface="Calibri" panose="020F0502020204030204"/>
+              <a:ea typeface="+mn-ea"/>
+              <a:cs typeface="+mn-cs"/>
+            </a:endParaRPr>
+          </a:p>
+        </p:txBody>
+      </p:sp>
+      <p:sp>
+        <p:nvSpPr>
+          <p:cNvPr id="27" name="TextBox 26">
+            <a:extLst>
+              <a:ext uri="{FF2B5EF4-FFF2-40B4-BE49-F238E27FC236}">
+                <a16:creationId xmlns:a16="http://schemas.microsoft.com/office/drawing/2014/main" id="{C63AE18D-B29F-C092-5882-060EE908B1AF}"/>
+              </a:ext>
+            </a:extLst>
+          </p:cNvPr>
+          <p:cNvSpPr txBox="1"/>
+          <p:nvPr/>
+        </p:nvSpPr>
+        <p:spPr>
+          <a:xfrm>
+            <a:off x="6434417" y="2476446"/>
+            <a:ext cx="258404" cy="261610"/>
+          </a:xfrm>
+          <a:prstGeom prst="rect">
+            <a:avLst/>
+          </a:prstGeom>
+          <a:noFill/>
+        </p:spPr>
+        <p:txBody>
+          <a:bodyPr wrap="none" rtlCol="0">
+            <a:spAutoFit/>
+          </a:bodyPr>
+          <a:lstStyle/>
+          <a:p>
+            <a:pPr marL="0" marR="0" lvl="0" indent="0" algn="l" defTabSz="914400" rtl="0" eaLnBrk="1" fontAlgn="auto" latinLnBrk="0" hangingPunct="1">
+              <a:lnSpc>
+                <a:spcPct val="100000"/>
+              </a:lnSpc>
+              <a:spcBef>
+                <a:spcPts val="0"/>
+              </a:spcBef>
+              <a:spcAft>
+                <a:spcPts val="0"/>
+              </a:spcAft>
+              <a:buClrTx/>
+              <a:buSzTx/>
+              <a:buFontTx/>
+              <a:buNone/>
+              <a:tabLst/>
+              <a:defRPr/>
+            </a:pPr>
+            <a:r>
+              <a:rPr kumimoji="0" lang="en-US" sz="1100" b="1" i="0" u="none" strike="noStrike" kern="1200" cap="none" spc="0" normalizeH="0" baseline="0" noProof="0" dirty="0">
+                <a:ln>
+                  <a:noFill/>
+                </a:ln>
+                <a:solidFill>
+                  <a:srgbClr val="C00000"/>
+                </a:solidFill>
+                <a:effectLst/>
+                <a:uLnTx/>
+                <a:uFillTx/>
+                <a:latin typeface="Calibri" panose="020F0502020204030204"/>
+                <a:ea typeface="+mn-ea"/>
+                <a:cs typeface="+mn-cs"/>
+              </a:rPr>
+              <a:t>b</a:t>
+            </a:r>
+            <a:endParaRPr kumimoji="0" lang="en-GB" sz="1100" b="1" i="0" u="none" strike="noStrike" kern="1200" cap="none" spc="0" normalizeH="0" baseline="0" noProof="0" dirty="0">
+              <a:ln>
+                <a:noFill/>
+              </a:ln>
+              <a:solidFill>
+                <a:srgbClr val="C00000"/>
+              </a:solidFill>
+              <a:effectLst/>
+              <a:uLnTx/>
+              <a:uFillTx/>
+              <a:latin typeface="Calibri" panose="020F0502020204030204"/>
+              <a:ea typeface="+mn-ea"/>
+              <a:cs typeface="+mn-cs"/>
+            </a:endParaRPr>
+          </a:p>
+        </p:txBody>
+      </p:sp>
+      <p:sp>
+        <p:nvSpPr>
+          <p:cNvPr id="28" name="TextBox 27">
+            <a:extLst>
+              <a:ext uri="{FF2B5EF4-FFF2-40B4-BE49-F238E27FC236}">
+                <a16:creationId xmlns:a16="http://schemas.microsoft.com/office/drawing/2014/main" id="{30DBC9BE-FF17-F0E0-650B-375BF303F4F3}"/>
+              </a:ext>
+            </a:extLst>
+          </p:cNvPr>
+          <p:cNvSpPr txBox="1"/>
+          <p:nvPr/>
+        </p:nvSpPr>
+        <p:spPr>
+          <a:xfrm>
+            <a:off x="5274483" y="2171595"/>
+            <a:ext cx="243978" cy="261610"/>
+          </a:xfrm>
+          <a:prstGeom prst="rect">
+            <a:avLst/>
+          </a:prstGeom>
+          <a:noFill/>
+        </p:spPr>
+        <p:txBody>
+          <a:bodyPr wrap="none" rtlCol="0">
+            <a:spAutoFit/>
+          </a:bodyPr>
+          <a:lstStyle/>
+          <a:p>
+            <a:pPr marL="0" marR="0" lvl="0" indent="0" algn="l" defTabSz="914400" rtl="0" eaLnBrk="1" fontAlgn="auto" latinLnBrk="0" hangingPunct="1">
+              <a:lnSpc>
+                <a:spcPct val="100000"/>
+              </a:lnSpc>
+              <a:spcBef>
+                <a:spcPts val="0"/>
+              </a:spcBef>
+              <a:spcAft>
+                <a:spcPts val="0"/>
+              </a:spcAft>
+              <a:buClrTx/>
+              <a:buSzTx/>
+              <a:buFontTx/>
+              <a:buNone/>
+              <a:tabLst/>
+              <a:defRPr/>
+            </a:pPr>
+            <a:r>
+              <a:rPr kumimoji="0" lang="en-US" sz="1100" b="1" i="0" u="none" strike="noStrike" kern="1200" cap="none" spc="0" normalizeH="0" baseline="0" noProof="0" dirty="0">
+                <a:ln>
+                  <a:noFill/>
+                </a:ln>
+                <a:solidFill>
+                  <a:srgbClr val="C00000"/>
+                </a:solidFill>
+                <a:effectLst/>
+                <a:uLnTx/>
+                <a:uFillTx/>
+                <a:latin typeface="Calibri" panose="020F0502020204030204"/>
+                <a:ea typeface="+mn-ea"/>
+                <a:cs typeface="+mn-cs"/>
+              </a:rPr>
+              <a:t>c</a:t>
+            </a:r>
+            <a:endParaRPr kumimoji="0" lang="en-GB" sz="1100" b="1" i="0" u="none" strike="noStrike" kern="1200" cap="none" spc="0" normalizeH="0" baseline="0" noProof="0" dirty="0">
+              <a:ln>
+                <a:noFill/>
+              </a:ln>
+              <a:solidFill>
+                <a:srgbClr val="C00000"/>
+              </a:solidFill>
+              <a:effectLst/>
+              <a:uLnTx/>
+              <a:uFillTx/>
+              <a:latin typeface="Calibri" panose="020F0502020204030204"/>
+              <a:ea typeface="+mn-ea"/>
+              <a:cs typeface="+mn-cs"/>
+            </a:endParaRPr>
+          </a:p>
+        </p:txBody>
+      </p:sp>
+      <p:sp>
+        <p:nvSpPr>
+          <p:cNvPr id="29" name="TextBox 28">
+            <a:extLst>
+              <a:ext uri="{FF2B5EF4-FFF2-40B4-BE49-F238E27FC236}">
+                <a16:creationId xmlns:a16="http://schemas.microsoft.com/office/drawing/2014/main" id="{89185FB4-CD63-F444-4009-E4C52F90A41A}"/>
+              </a:ext>
+            </a:extLst>
+          </p:cNvPr>
+          <p:cNvSpPr txBox="1"/>
+          <p:nvPr/>
+        </p:nvSpPr>
+        <p:spPr>
+          <a:xfrm>
+            <a:off x="5260057" y="3174473"/>
+            <a:ext cx="258404" cy="261610"/>
+          </a:xfrm>
+          <a:prstGeom prst="rect">
+            <a:avLst/>
+          </a:prstGeom>
+          <a:noFill/>
+        </p:spPr>
+        <p:txBody>
+          <a:bodyPr wrap="none" rtlCol="0">
+            <a:spAutoFit/>
+          </a:bodyPr>
+          <a:lstStyle/>
+          <a:p>
+            <a:pPr marL="0" marR="0" lvl="0" indent="0" algn="l" defTabSz="914400" rtl="0" eaLnBrk="1" fontAlgn="auto" latinLnBrk="0" hangingPunct="1">
+              <a:lnSpc>
+                <a:spcPct val="100000"/>
+              </a:lnSpc>
+              <a:spcBef>
+                <a:spcPts val="0"/>
+              </a:spcBef>
+              <a:spcAft>
+                <a:spcPts val="0"/>
+              </a:spcAft>
+              <a:buClrTx/>
+              <a:buSzTx/>
+              <a:buFontTx/>
+              <a:buNone/>
+              <a:tabLst/>
+              <a:defRPr/>
+            </a:pPr>
+            <a:r>
+              <a:rPr kumimoji="0" lang="en-US" sz="1100" b="1" i="0" u="none" strike="noStrike" kern="1200" cap="none" spc="0" normalizeH="0" baseline="0" noProof="0" dirty="0">
+                <a:ln>
+                  <a:noFill/>
+                </a:ln>
+                <a:solidFill>
+                  <a:srgbClr val="C00000"/>
+                </a:solidFill>
+                <a:effectLst/>
+                <a:uLnTx/>
+                <a:uFillTx/>
+                <a:latin typeface="Calibri" panose="020F0502020204030204"/>
+                <a:ea typeface="+mn-ea"/>
+                <a:cs typeface="+mn-cs"/>
+              </a:rPr>
+              <a:t>d</a:t>
+            </a:r>
+            <a:endParaRPr kumimoji="0" lang="en-GB" sz="1100" b="1" i="0" u="none" strike="noStrike" kern="1200" cap="none" spc="0" normalizeH="0" baseline="0" noProof="0" dirty="0">
+              <a:ln>
+                <a:noFill/>
+              </a:ln>
+              <a:solidFill>
+                <a:srgbClr val="C00000"/>
+              </a:solidFill>
+              <a:effectLst/>
+              <a:uLnTx/>
+              <a:uFillTx/>
+              <a:latin typeface="Calibri" panose="020F0502020204030204"/>
+              <a:ea typeface="+mn-ea"/>
+              <a:cs typeface="+mn-cs"/>
+            </a:endParaRPr>
+          </a:p>
+        </p:txBody>
+      </p:sp>
+      <p:sp>
+        <p:nvSpPr>
+          <p:cNvPr id="31" name="TextBox 30">
+            <a:extLst>
+              <a:ext uri="{FF2B5EF4-FFF2-40B4-BE49-F238E27FC236}">
+                <a16:creationId xmlns:a16="http://schemas.microsoft.com/office/drawing/2014/main" id="{A3AEBCEA-8BF4-EFC5-CC42-584B7DDF1FE3}"/>
+              </a:ext>
+            </a:extLst>
+          </p:cNvPr>
+          <p:cNvSpPr txBox="1"/>
+          <p:nvPr/>
+        </p:nvSpPr>
+        <p:spPr>
+          <a:xfrm>
+            <a:off x="542329" y="1107928"/>
+            <a:ext cx="569643" cy="246221"/>
+          </a:xfrm>
+          <a:prstGeom prst="rect">
+            <a:avLst/>
+          </a:prstGeom>
+          <a:noFill/>
+        </p:spPr>
+        <p:txBody>
+          <a:bodyPr wrap="square" rtlCol="0">
+            <a:spAutoFit/>
+          </a:bodyPr>
+          <a:lstStyle/>
+          <a:p>
+            <a:pPr marL="0" marR="0" lvl="0" indent="0" algn="l" defTabSz="914400" rtl="0" eaLnBrk="1" fontAlgn="auto" latinLnBrk="0" hangingPunct="1">
+              <a:lnSpc>
+                <a:spcPct val="100000"/>
+              </a:lnSpc>
+              <a:spcBef>
+                <a:spcPts val="0"/>
+              </a:spcBef>
+              <a:spcAft>
+                <a:spcPts val="0"/>
+              </a:spcAft>
+              <a:buClrTx/>
+              <a:buSzTx/>
+              <a:buFontTx/>
+              <a:buNone/>
+              <a:tabLst/>
+              <a:defRPr/>
+            </a:pPr>
+            <a:r>
+              <a:rPr kumimoji="0" lang="en-US" sz="1000" b="1" i="0" u="none" strike="noStrike" kern="1200" cap="none" spc="0" normalizeH="0" baseline="0" noProof="0" dirty="0">
+                <a:ln>
+                  <a:noFill/>
+                </a:ln>
+                <a:solidFill>
+                  <a:prstClr val="black"/>
+                </a:solidFill>
+                <a:effectLst/>
+                <a:uLnTx/>
+                <a:uFillTx/>
+                <a:latin typeface="Consolas" panose="020B0609020204030204" pitchFamily="49" charset="0"/>
+                <a:ea typeface="+mn-ea"/>
+                <a:cs typeface="+mn-cs"/>
+              </a:rPr>
+              <a:t>S-101</a:t>
+            </a:r>
+            <a:endParaRPr kumimoji="0" lang="en-GB" sz="1000" b="1" i="0" u="none" strike="noStrike" kern="1200" cap="none" spc="0" normalizeH="0" baseline="0" noProof="0" dirty="0">
+              <a:ln>
+                <a:noFill/>
+              </a:ln>
+              <a:solidFill>
+                <a:prstClr val="black"/>
+              </a:solidFill>
+              <a:effectLst/>
+              <a:uLnTx/>
+              <a:uFillTx/>
+              <a:latin typeface="Consolas" panose="020B0609020204030204" pitchFamily="49" charset="0"/>
+              <a:ea typeface="+mn-ea"/>
+              <a:cs typeface="+mn-cs"/>
+            </a:endParaRPr>
+          </a:p>
+        </p:txBody>
+      </p:sp>
+      <p:sp>
+        <p:nvSpPr>
+          <p:cNvPr id="33" name="TextBox 32">
+            <a:extLst>
+              <a:ext uri="{FF2B5EF4-FFF2-40B4-BE49-F238E27FC236}">
+                <a16:creationId xmlns:a16="http://schemas.microsoft.com/office/drawing/2014/main" id="{C388E41E-F4F7-FC4E-1A86-BB201A6148A3}"/>
+              </a:ext>
+            </a:extLst>
+          </p:cNvPr>
+          <p:cNvSpPr txBox="1"/>
+          <p:nvPr/>
+        </p:nvSpPr>
+        <p:spPr>
+          <a:xfrm>
+            <a:off x="3954795" y="1107927"/>
+            <a:ext cx="569643" cy="246221"/>
+          </a:xfrm>
+          <a:prstGeom prst="rect">
+            <a:avLst/>
+          </a:prstGeom>
+          <a:noFill/>
+        </p:spPr>
+        <p:txBody>
+          <a:bodyPr wrap="square" rtlCol="0">
+            <a:spAutoFit/>
+          </a:bodyPr>
+          <a:lstStyle/>
+          <a:p>
+            <a:pPr marL="0" marR="0" lvl="0" indent="0" algn="l" defTabSz="914400" rtl="0" eaLnBrk="1" fontAlgn="auto" latinLnBrk="0" hangingPunct="1">
+              <a:lnSpc>
+                <a:spcPct val="100000"/>
+              </a:lnSpc>
+              <a:spcBef>
+                <a:spcPts val="0"/>
+              </a:spcBef>
+              <a:spcAft>
+                <a:spcPts val="0"/>
+              </a:spcAft>
+              <a:buClrTx/>
+              <a:buSzTx/>
+              <a:buFontTx/>
+              <a:buNone/>
+              <a:tabLst/>
+              <a:defRPr/>
+            </a:pPr>
+            <a:r>
+              <a:rPr kumimoji="0" lang="en-US" sz="1000" b="1" i="0" u="none" strike="noStrike" kern="1200" cap="none" spc="0" normalizeH="0" baseline="0" noProof="0" dirty="0">
+                <a:ln>
+                  <a:noFill/>
+                </a:ln>
+                <a:solidFill>
+                  <a:prstClr val="black"/>
+                </a:solidFill>
+                <a:effectLst/>
+                <a:uLnTx/>
+                <a:uFillTx/>
+                <a:latin typeface="Consolas" panose="020B0609020204030204" pitchFamily="49" charset="0"/>
+                <a:ea typeface="+mn-ea"/>
+                <a:cs typeface="+mn-cs"/>
+              </a:rPr>
+              <a:t>S-101</a:t>
+            </a:r>
+            <a:endParaRPr kumimoji="0" lang="en-GB" sz="1000" b="1" i="0" u="none" strike="noStrike" kern="1200" cap="none" spc="0" normalizeH="0" baseline="0" noProof="0" dirty="0">
+              <a:ln>
+                <a:noFill/>
+              </a:ln>
+              <a:solidFill>
+                <a:prstClr val="black"/>
+              </a:solidFill>
+              <a:effectLst/>
+              <a:uLnTx/>
+              <a:uFillTx/>
+              <a:latin typeface="Consolas" panose="020B0609020204030204" pitchFamily="49" charset="0"/>
+              <a:ea typeface="+mn-ea"/>
+              <a:cs typeface="+mn-cs"/>
+            </a:endParaRPr>
+          </a:p>
+        </p:txBody>
+      </p:sp>
+      <p:sp>
+        <p:nvSpPr>
+          <p:cNvPr id="9" name="TextBox 8">
+            <a:extLst>
+              <a:ext uri="{FF2B5EF4-FFF2-40B4-BE49-F238E27FC236}">
+                <a16:creationId xmlns:a16="http://schemas.microsoft.com/office/drawing/2014/main" id="{72580E56-1095-1F1F-8FC3-2ECE2A1284DD}"/>
+              </a:ext>
+            </a:extLst>
+          </p:cNvPr>
+          <p:cNvSpPr txBox="1"/>
+          <p:nvPr/>
+        </p:nvSpPr>
+        <p:spPr>
+          <a:xfrm>
+            <a:off x="1111972" y="5027657"/>
+            <a:ext cx="4528997" cy="1477328"/>
+          </a:xfrm>
+          <a:prstGeom prst="rect">
+            <a:avLst/>
+          </a:prstGeom>
+          <a:noFill/>
+        </p:spPr>
+        <p:txBody>
+          <a:bodyPr wrap="none" rtlCol="0">
+            <a:spAutoFit/>
+          </a:bodyPr>
+          <a:lstStyle/>
+          <a:p>
+            <a:r>
+              <a:rPr lang="en-US" dirty="0"/>
+              <a:t>What happens when you do a pick report (a)? </a:t>
+            </a:r>
+          </a:p>
+          <a:p>
+            <a:pPr marL="342900" indent="-342900">
+              <a:buAutoNum type="alphaLcParenBoth"/>
+            </a:pPr>
+            <a:r>
+              <a:rPr lang="en-US" dirty="0"/>
+              <a:t>Feature picked</a:t>
+            </a:r>
+          </a:p>
+          <a:p>
+            <a:pPr marL="342900" indent="-342900">
+              <a:buAutoNum type="alphaLcParenBoth"/>
+            </a:pPr>
+            <a:r>
+              <a:rPr lang="en-US" dirty="0"/>
+              <a:t>Common </a:t>
+            </a:r>
+            <a:r>
+              <a:rPr lang="en-US" dirty="0" err="1"/>
+              <a:t>foid</a:t>
+            </a:r>
+            <a:endParaRPr lang="en-US" dirty="0"/>
+          </a:p>
+          <a:p>
+            <a:pPr marL="342900" indent="-342900">
+              <a:buAutoNum type="alphaLcParenBoth"/>
+            </a:pPr>
+            <a:r>
+              <a:rPr lang="en-US" dirty="0"/>
+              <a:t>Associated with (b)</a:t>
+            </a:r>
+          </a:p>
+          <a:p>
+            <a:pPr marL="342900" indent="-342900">
+              <a:buAutoNum type="alphaLcParenBoth"/>
+            </a:pPr>
+            <a:r>
+              <a:rPr lang="en-US" dirty="0"/>
+              <a:t>Associated with (b)</a:t>
+            </a:r>
+          </a:p>
+        </p:txBody>
+      </p:sp>
+      <p:sp>
+        <p:nvSpPr>
+          <p:cNvPr id="39" name="TextBox 38">
+            <a:extLst>
+              <a:ext uri="{FF2B5EF4-FFF2-40B4-BE49-F238E27FC236}">
+                <a16:creationId xmlns:a16="http://schemas.microsoft.com/office/drawing/2014/main" id="{93700FB7-8217-E87D-3EAD-16FE2E94EE41}"/>
+              </a:ext>
+            </a:extLst>
+          </p:cNvPr>
+          <p:cNvSpPr txBox="1"/>
+          <p:nvPr/>
+        </p:nvSpPr>
+        <p:spPr>
+          <a:xfrm>
+            <a:off x="161412" y="303944"/>
+            <a:ext cx="10413359" cy="402546"/>
+          </a:xfrm>
+          <a:prstGeom prst="rect">
+            <a:avLst/>
+          </a:prstGeom>
+          <a:noFill/>
+        </p:spPr>
+        <p:txBody>
+          <a:bodyPr wrap="square">
+            <a:spAutoFit/>
+          </a:bodyPr>
+          <a:lstStyle/>
+          <a:p>
+            <a:pPr>
+              <a:lnSpc>
+                <a:spcPct val="120000"/>
+              </a:lnSpc>
+            </a:pPr>
+            <a:r>
+              <a:rPr lang="en-US" dirty="0"/>
+              <a:t>So: </a:t>
+            </a:r>
+            <a:r>
+              <a:rPr lang="en-US" b="1" dirty="0">
+                <a:solidFill>
+                  <a:srgbClr val="C00000"/>
+                </a:solidFill>
+              </a:rPr>
+              <a:t>Features with common </a:t>
+            </a:r>
+            <a:r>
+              <a:rPr lang="en-US" b="1" dirty="0" err="1">
+                <a:solidFill>
+                  <a:srgbClr val="C00000"/>
+                </a:solidFill>
+              </a:rPr>
+              <a:t>foids</a:t>
+            </a:r>
+            <a:r>
+              <a:rPr lang="en-US" b="1" dirty="0">
+                <a:solidFill>
+                  <a:srgbClr val="C00000"/>
+                </a:solidFill>
+              </a:rPr>
+              <a:t> in the viewport should be merged together for the pick report</a:t>
+            </a:r>
+            <a:r>
+              <a:rPr lang="en-US" dirty="0"/>
+              <a:t>?</a:t>
+            </a:r>
+          </a:p>
+        </p:txBody>
+      </p:sp>
+      <p:sp>
+        <p:nvSpPr>
+          <p:cNvPr id="2" name="TextBox 1">
+            <a:extLst>
+              <a:ext uri="{FF2B5EF4-FFF2-40B4-BE49-F238E27FC236}">
+                <a16:creationId xmlns:a16="http://schemas.microsoft.com/office/drawing/2014/main" id="{C43B634A-9ADF-03FC-773C-273A1ABB531F}"/>
+              </a:ext>
+            </a:extLst>
+          </p:cNvPr>
+          <p:cNvSpPr txBox="1"/>
+          <p:nvPr/>
+        </p:nvSpPr>
+        <p:spPr>
+          <a:xfrm rot="21175780">
+            <a:off x="1982882" y="3187077"/>
+            <a:ext cx="1180131" cy="230832"/>
+          </a:xfrm>
+          <a:prstGeom prst="rect">
+            <a:avLst/>
+          </a:prstGeom>
+          <a:noFill/>
+        </p:spPr>
+        <p:txBody>
+          <a:bodyPr wrap="none" rtlCol="0">
+            <a:spAutoFit/>
+          </a:bodyPr>
+          <a:lstStyle/>
+          <a:p>
+            <a:pPr marL="0" marR="0" lvl="0" indent="0" algn="l" defTabSz="914400" rtl="0" eaLnBrk="1" fontAlgn="auto" latinLnBrk="0" hangingPunct="1">
+              <a:lnSpc>
+                <a:spcPct val="100000"/>
+              </a:lnSpc>
+              <a:spcBef>
+                <a:spcPts val="0"/>
+              </a:spcBef>
+              <a:spcAft>
+                <a:spcPts val="0"/>
+              </a:spcAft>
+              <a:buClrTx/>
+              <a:buSzTx/>
+              <a:buFontTx/>
+              <a:buNone/>
+              <a:tabLst/>
+              <a:defRPr/>
+            </a:pPr>
+            <a:r>
+              <a:rPr kumimoji="0" lang="en-US" sz="900" b="0" i="0" u="none" strike="noStrike" kern="1200" cap="none" spc="0" normalizeH="0" baseline="0" noProof="0" dirty="0" err="1">
+                <a:ln>
+                  <a:noFill/>
+                </a:ln>
+                <a:solidFill>
+                  <a:prstClr val="black"/>
+                </a:solidFill>
+                <a:effectLst/>
+                <a:uLnTx/>
+                <a:uFillTx/>
+                <a:latin typeface="Calibri" panose="020F0502020204030204"/>
+                <a:ea typeface="+mn-ea"/>
+                <a:cs typeface="+mn-cs"/>
+              </a:rPr>
+              <a:t>foid</a:t>
+            </a:r>
+            <a:r>
+              <a:rPr kumimoji="0" lang="en-US" sz="900" b="0" i="0" u="none" strike="noStrike" kern="1200" cap="none" spc="0" normalizeH="0" baseline="0" noProof="0" dirty="0">
+                <a:ln>
+                  <a:noFill/>
+                </a:ln>
+                <a:solidFill>
+                  <a:prstClr val="black"/>
+                </a:solidFill>
+                <a:effectLst/>
+                <a:uLnTx/>
+                <a:uFillTx/>
+                <a:latin typeface="Calibri" panose="020F0502020204030204"/>
+                <a:ea typeface="+mn-ea"/>
+                <a:cs typeface="+mn-cs"/>
+              </a:rPr>
+              <a:t>=1810:238972:42</a:t>
+            </a:r>
+            <a:endParaRPr kumimoji="0" lang="en-GB" sz="900" b="0" i="0" u="none" strike="noStrike" kern="1200" cap="none" spc="0" normalizeH="0" baseline="0" noProof="0" dirty="0">
+              <a:ln>
+                <a:noFill/>
+              </a:ln>
+              <a:solidFill>
+                <a:prstClr val="black"/>
+              </a:solidFill>
+              <a:effectLst/>
+              <a:uLnTx/>
+              <a:uFillTx/>
+              <a:latin typeface="Calibri" panose="020F0502020204030204"/>
+              <a:ea typeface="+mn-ea"/>
+              <a:cs typeface="+mn-cs"/>
+            </a:endParaRPr>
+          </a:p>
+        </p:txBody>
+      </p:sp>
+      <p:sp>
+        <p:nvSpPr>
+          <p:cNvPr id="3" name="TextBox 2">
+            <a:extLst>
+              <a:ext uri="{FF2B5EF4-FFF2-40B4-BE49-F238E27FC236}">
+                <a16:creationId xmlns:a16="http://schemas.microsoft.com/office/drawing/2014/main" id="{A7B70A66-3A89-5BA2-EE8F-D9B5D5ED3AB7}"/>
+              </a:ext>
+            </a:extLst>
+          </p:cNvPr>
+          <p:cNvSpPr txBox="1"/>
+          <p:nvPr/>
+        </p:nvSpPr>
+        <p:spPr>
+          <a:xfrm rot="21175780">
+            <a:off x="3941845" y="2956508"/>
+            <a:ext cx="1180131" cy="230832"/>
+          </a:xfrm>
+          <a:prstGeom prst="rect">
+            <a:avLst/>
+          </a:prstGeom>
+          <a:noFill/>
+        </p:spPr>
+        <p:txBody>
+          <a:bodyPr wrap="none" rtlCol="0">
+            <a:spAutoFit/>
+          </a:bodyPr>
+          <a:lstStyle/>
+          <a:p>
+            <a:pPr marL="0" marR="0" lvl="0" indent="0" algn="l" defTabSz="914400" rtl="0" eaLnBrk="1" fontAlgn="auto" latinLnBrk="0" hangingPunct="1">
+              <a:lnSpc>
+                <a:spcPct val="100000"/>
+              </a:lnSpc>
+              <a:spcBef>
+                <a:spcPts val="0"/>
+              </a:spcBef>
+              <a:spcAft>
+                <a:spcPts val="0"/>
+              </a:spcAft>
+              <a:buClrTx/>
+              <a:buSzTx/>
+              <a:buFontTx/>
+              <a:buNone/>
+              <a:tabLst/>
+              <a:defRPr/>
+            </a:pPr>
+            <a:r>
+              <a:rPr kumimoji="0" lang="en-US" sz="900" b="0" i="0" u="none" strike="noStrike" kern="1200" cap="none" spc="0" normalizeH="0" baseline="0" noProof="0" dirty="0" err="1">
+                <a:ln>
+                  <a:noFill/>
+                </a:ln>
+                <a:solidFill>
+                  <a:prstClr val="black"/>
+                </a:solidFill>
+                <a:effectLst/>
+                <a:uLnTx/>
+                <a:uFillTx/>
+                <a:latin typeface="Calibri" panose="020F0502020204030204"/>
+                <a:ea typeface="+mn-ea"/>
+                <a:cs typeface="+mn-cs"/>
+              </a:rPr>
+              <a:t>foid</a:t>
+            </a:r>
+            <a:r>
+              <a:rPr kumimoji="0" lang="en-US" sz="900" b="0" i="0" u="none" strike="noStrike" kern="1200" cap="none" spc="0" normalizeH="0" baseline="0" noProof="0" dirty="0">
+                <a:ln>
+                  <a:noFill/>
+                </a:ln>
+                <a:solidFill>
+                  <a:prstClr val="black"/>
+                </a:solidFill>
+                <a:effectLst/>
+                <a:uLnTx/>
+                <a:uFillTx/>
+                <a:latin typeface="Calibri" panose="020F0502020204030204"/>
+                <a:ea typeface="+mn-ea"/>
+                <a:cs typeface="+mn-cs"/>
+              </a:rPr>
+              <a:t>=1810:238972:42</a:t>
+            </a:r>
+            <a:endParaRPr kumimoji="0" lang="en-GB" sz="900" b="0" i="0" u="none" strike="noStrike" kern="1200" cap="none" spc="0" normalizeH="0" baseline="0" noProof="0" dirty="0">
+              <a:ln>
+                <a:noFill/>
+              </a:ln>
+              <a:solidFill>
+                <a:prstClr val="black"/>
+              </a:solidFill>
+              <a:effectLst/>
+              <a:uLnTx/>
+              <a:uFillTx/>
+              <a:latin typeface="Calibri" panose="020F0502020204030204"/>
+              <a:ea typeface="+mn-ea"/>
+              <a:cs typeface="+mn-cs"/>
+            </a:endParaRPr>
+          </a:p>
+        </p:txBody>
+      </p:sp>
+      <p:sp>
+        <p:nvSpPr>
+          <p:cNvPr id="11" name="Freeform: Shape 10">
+            <a:extLst>
+              <a:ext uri="{FF2B5EF4-FFF2-40B4-BE49-F238E27FC236}">
+                <a16:creationId xmlns:a16="http://schemas.microsoft.com/office/drawing/2014/main" id="{A72C5E6C-DD3E-6CF3-B2CD-DF353FD8DF07}"/>
+              </a:ext>
+            </a:extLst>
+          </p:cNvPr>
+          <p:cNvSpPr/>
+          <p:nvPr/>
+        </p:nvSpPr>
+        <p:spPr>
+          <a:xfrm>
+            <a:off x="5368092" y="2187028"/>
+            <a:ext cx="349144" cy="348919"/>
+          </a:xfrm>
+          <a:custGeom>
+            <a:avLst/>
+            <a:gdLst>
+              <a:gd name="connsiteX0" fmla="*/ 0 w 349144"/>
+              <a:gd name="connsiteY0" fmla="*/ 57566 h 348919"/>
+              <a:gd name="connsiteX1" fmla="*/ 300317 w 349144"/>
+              <a:gd name="connsiteY1" fmla="*/ 21707 h 348919"/>
+              <a:gd name="connsiteX2" fmla="*/ 345141 w 349144"/>
+              <a:gd name="connsiteY2" fmla="*/ 348919 h 348919"/>
+            </a:gdLst>
+            <a:ahLst/>
+            <a:cxnLst>
+              <a:cxn ang="0">
+                <a:pos x="connsiteX0" y="connsiteY0"/>
+              </a:cxn>
+              <a:cxn ang="0">
+                <a:pos x="connsiteX1" y="connsiteY1"/>
+              </a:cxn>
+              <a:cxn ang="0">
+                <a:pos x="connsiteX2" y="connsiteY2"/>
+              </a:cxn>
+            </a:cxnLst>
+            <a:rect l="l" t="t" r="r" b="b"/>
+            <a:pathLst>
+              <a:path w="349144" h="348919">
+                <a:moveTo>
+                  <a:pt x="0" y="57566"/>
+                </a:moveTo>
+                <a:cubicBezTo>
+                  <a:pt x="121397" y="15357"/>
+                  <a:pt x="242794" y="-26852"/>
+                  <a:pt x="300317" y="21707"/>
+                </a:cubicBezTo>
+                <a:cubicBezTo>
+                  <a:pt x="357840" y="70266"/>
+                  <a:pt x="351490" y="209592"/>
+                  <a:pt x="345141" y="348919"/>
+                </a:cubicBezTo>
+              </a:path>
+            </a:pathLst>
+          </a:custGeom>
+          <a:noFill/>
+          <a:ln>
+            <a:headEnd type="triangle"/>
+            <a:tailEnd type="triangle"/>
+          </a:ln>
+        </p:spPr>
+        <p:style>
+          <a:lnRef idx="2">
+            <a:schemeClr val="accent1">
+              <a:shade val="15000"/>
+            </a:schemeClr>
+          </a:lnRef>
+          <a:fillRef idx="1">
+            <a:schemeClr val="accent1"/>
+          </a:fillRef>
+          <a:effectRef idx="0">
+            <a:schemeClr val="accent1"/>
+          </a:effectRef>
+          <a:fontRef idx="minor">
+            <a:schemeClr val="lt1"/>
+          </a:fontRef>
+        </p:style>
+        <p:txBody>
+          <a:bodyPr rtlCol="0" anchor="ctr"/>
+          <a:lstStyle/>
+          <a:p>
+            <a:pPr marL="0" marR="0" lvl="0" indent="0" algn="ctr" defTabSz="914400" rtl="0" eaLnBrk="1" fontAlgn="auto" latinLnBrk="0" hangingPunct="1">
+              <a:lnSpc>
+                <a:spcPct val="100000"/>
+              </a:lnSpc>
+              <a:spcBef>
+                <a:spcPts val="0"/>
+              </a:spcBef>
+              <a:spcAft>
+                <a:spcPts val="0"/>
+              </a:spcAft>
+              <a:buClrTx/>
+              <a:buSzTx/>
+              <a:buFontTx/>
+              <a:buNone/>
+              <a:tabLst/>
+              <a:defRPr/>
+            </a:pPr>
+            <a:endParaRPr kumimoji="0" lang="en-GB" sz="1800" b="0" i="0" u="none" strike="noStrike" kern="1200" cap="none" spc="0" normalizeH="0" baseline="0" noProof="0">
+              <a:ln>
+                <a:noFill/>
+              </a:ln>
+              <a:solidFill>
+                <a:prstClr val="white"/>
+              </a:solidFill>
+              <a:effectLst/>
+              <a:uLnTx/>
+              <a:uFillTx/>
+              <a:latin typeface="Calibri" panose="020F0502020204030204"/>
+              <a:ea typeface="+mn-ea"/>
+              <a:cs typeface="+mn-cs"/>
+            </a:endParaRPr>
+          </a:p>
+        </p:txBody>
+      </p:sp>
+      <p:sp>
+        <p:nvSpPr>
+          <p:cNvPr id="12" name="TextBox 11">
+            <a:extLst>
+              <a:ext uri="{FF2B5EF4-FFF2-40B4-BE49-F238E27FC236}">
+                <a16:creationId xmlns:a16="http://schemas.microsoft.com/office/drawing/2014/main" id="{C513D881-0220-76B0-816B-8195BE703C0D}"/>
+              </a:ext>
+            </a:extLst>
+          </p:cNvPr>
+          <p:cNvSpPr txBox="1"/>
+          <p:nvPr/>
+        </p:nvSpPr>
+        <p:spPr>
+          <a:xfrm>
+            <a:off x="5490181" y="2010988"/>
+            <a:ext cx="652743" cy="215444"/>
+          </a:xfrm>
+          <a:prstGeom prst="rect">
+            <a:avLst/>
+          </a:prstGeom>
+          <a:noFill/>
+        </p:spPr>
+        <p:txBody>
+          <a:bodyPr wrap="none" rtlCol="0">
+            <a:spAutoFit/>
+          </a:bodyPr>
+          <a:lstStyle/>
+          <a:p>
+            <a:pPr marL="0" marR="0" lvl="0" indent="0" algn="l" defTabSz="914400" rtl="0" eaLnBrk="1" fontAlgn="auto" latinLnBrk="0" hangingPunct="1">
+              <a:lnSpc>
+                <a:spcPct val="100000"/>
+              </a:lnSpc>
+              <a:spcBef>
+                <a:spcPts val="0"/>
+              </a:spcBef>
+              <a:spcAft>
+                <a:spcPts val="0"/>
+              </a:spcAft>
+              <a:buClrTx/>
+              <a:buSzTx/>
+              <a:buFontTx/>
+              <a:buNone/>
+              <a:tabLst/>
+              <a:defRPr/>
+            </a:pPr>
+            <a:r>
+              <a:rPr kumimoji="0" lang="en-US" sz="800" b="0" i="0" u="none" strike="noStrike" kern="1200" cap="none" spc="0" normalizeH="0" baseline="0" noProof="0" dirty="0">
+                <a:ln>
+                  <a:noFill/>
+                </a:ln>
+                <a:solidFill>
+                  <a:prstClr val="black"/>
+                </a:solidFill>
+                <a:effectLst/>
+                <a:uLnTx/>
+                <a:uFillTx/>
+                <a:latin typeface="Calibri" panose="020F0502020204030204"/>
+                <a:ea typeface="+mn-ea"/>
+                <a:cs typeface="+mn-cs"/>
+              </a:rPr>
+              <a:t>association</a:t>
+            </a:r>
+            <a:endParaRPr kumimoji="0" lang="en-GB" sz="800" b="0" i="0" u="none" strike="noStrike" kern="1200" cap="none" spc="0" normalizeH="0" baseline="0" noProof="0" dirty="0">
+              <a:ln>
+                <a:noFill/>
+              </a:ln>
+              <a:solidFill>
+                <a:prstClr val="black"/>
+              </a:solidFill>
+              <a:effectLst/>
+              <a:uLnTx/>
+              <a:uFillTx/>
+              <a:latin typeface="Calibri" panose="020F0502020204030204"/>
+              <a:ea typeface="+mn-ea"/>
+              <a:cs typeface="+mn-cs"/>
+            </a:endParaRPr>
+          </a:p>
+        </p:txBody>
+      </p:sp>
+      <p:sp>
+        <p:nvSpPr>
+          <p:cNvPr id="18" name="Freeform: Shape 17">
+            <a:extLst>
+              <a:ext uri="{FF2B5EF4-FFF2-40B4-BE49-F238E27FC236}">
+                <a16:creationId xmlns:a16="http://schemas.microsoft.com/office/drawing/2014/main" id="{1904DF43-5EC4-5228-7163-692F60FEDAB0}"/>
+              </a:ext>
+            </a:extLst>
+          </p:cNvPr>
+          <p:cNvSpPr/>
+          <p:nvPr/>
+        </p:nvSpPr>
+        <p:spPr>
+          <a:xfrm>
+            <a:off x="5048485" y="2955196"/>
+            <a:ext cx="354991" cy="227783"/>
+          </a:xfrm>
+          <a:custGeom>
+            <a:avLst/>
+            <a:gdLst>
+              <a:gd name="connsiteX0" fmla="*/ 354991 w 354991"/>
+              <a:gd name="connsiteY0" fmla="*/ 0 h 227783"/>
+              <a:gd name="connsiteX1" fmla="*/ 5368 w 354991"/>
+              <a:gd name="connsiteY1" fmla="*/ 197224 h 227783"/>
+              <a:gd name="connsiteX2" fmla="*/ 175697 w 354991"/>
+              <a:gd name="connsiteY2" fmla="*/ 224118 h 227783"/>
+            </a:gdLst>
+            <a:ahLst/>
+            <a:cxnLst>
+              <a:cxn ang="0">
+                <a:pos x="connsiteX0" y="connsiteY0"/>
+              </a:cxn>
+              <a:cxn ang="0">
+                <a:pos x="connsiteX1" y="connsiteY1"/>
+              </a:cxn>
+              <a:cxn ang="0">
+                <a:pos x="connsiteX2" y="connsiteY2"/>
+              </a:cxn>
+            </a:cxnLst>
+            <a:rect l="l" t="t" r="r" b="b"/>
+            <a:pathLst>
+              <a:path w="354991" h="227783">
+                <a:moveTo>
+                  <a:pt x="354991" y="0"/>
+                </a:moveTo>
+                <a:cubicBezTo>
+                  <a:pt x="195120" y="79935"/>
+                  <a:pt x="35250" y="159871"/>
+                  <a:pt x="5368" y="197224"/>
+                </a:cubicBezTo>
+                <a:cubicBezTo>
+                  <a:pt x="-24514" y="234577"/>
+                  <a:pt x="75591" y="229347"/>
+                  <a:pt x="175697" y="224118"/>
+                </a:cubicBezTo>
+              </a:path>
+            </a:pathLst>
+          </a:custGeom>
+          <a:noFill/>
+          <a:ln>
+            <a:headEnd type="triangle"/>
+            <a:tailEnd type="triangle"/>
+          </a:ln>
+        </p:spPr>
+        <p:style>
+          <a:lnRef idx="2">
+            <a:schemeClr val="accent1">
+              <a:shade val="15000"/>
+            </a:schemeClr>
+          </a:lnRef>
+          <a:fillRef idx="1">
+            <a:schemeClr val="accent1"/>
+          </a:fillRef>
+          <a:effectRef idx="0">
+            <a:schemeClr val="accent1"/>
+          </a:effectRef>
+          <a:fontRef idx="minor">
+            <a:schemeClr val="lt1"/>
+          </a:fontRef>
+        </p:style>
+        <p:txBody>
+          <a:bodyPr rtlCol="0" anchor="ctr"/>
+          <a:lstStyle/>
+          <a:p>
+            <a:pPr marL="0" marR="0" lvl="0" indent="0" algn="ctr" defTabSz="914400" rtl="0" eaLnBrk="1" fontAlgn="auto" latinLnBrk="0" hangingPunct="1">
+              <a:lnSpc>
+                <a:spcPct val="100000"/>
+              </a:lnSpc>
+              <a:spcBef>
+                <a:spcPts val="0"/>
+              </a:spcBef>
+              <a:spcAft>
+                <a:spcPts val="0"/>
+              </a:spcAft>
+              <a:buClrTx/>
+              <a:buSzTx/>
+              <a:buFontTx/>
+              <a:buNone/>
+              <a:tabLst/>
+              <a:defRPr/>
+            </a:pPr>
+            <a:endParaRPr kumimoji="0" lang="en-GB" sz="1800" b="0" i="0" u="none" strike="noStrike" kern="1200" cap="none" spc="0" normalizeH="0" baseline="0" noProof="0">
+              <a:ln>
+                <a:noFill/>
+              </a:ln>
+              <a:solidFill>
+                <a:prstClr val="white"/>
+              </a:solidFill>
+              <a:effectLst/>
+              <a:uLnTx/>
+              <a:uFillTx/>
+              <a:latin typeface="Calibri" panose="020F0502020204030204"/>
+              <a:ea typeface="+mn-ea"/>
+              <a:cs typeface="+mn-cs"/>
+            </a:endParaRPr>
+          </a:p>
+        </p:txBody>
+      </p:sp>
+      <p:sp>
+        <p:nvSpPr>
+          <p:cNvPr id="20" name="TextBox 19">
+            <a:extLst>
+              <a:ext uri="{FF2B5EF4-FFF2-40B4-BE49-F238E27FC236}">
+                <a16:creationId xmlns:a16="http://schemas.microsoft.com/office/drawing/2014/main" id="{32E89090-35C2-D0F6-4EE6-494B6BA40F07}"/>
+              </a:ext>
+            </a:extLst>
+          </p:cNvPr>
+          <p:cNvSpPr txBox="1"/>
+          <p:nvPr/>
+        </p:nvSpPr>
+        <p:spPr>
+          <a:xfrm>
+            <a:off x="4750733" y="3190902"/>
+            <a:ext cx="652743" cy="215444"/>
+          </a:xfrm>
+          <a:prstGeom prst="rect">
+            <a:avLst/>
+          </a:prstGeom>
+          <a:noFill/>
+        </p:spPr>
+        <p:txBody>
+          <a:bodyPr wrap="none" rtlCol="0">
+            <a:spAutoFit/>
+          </a:bodyPr>
+          <a:lstStyle/>
+          <a:p>
+            <a:pPr marL="0" marR="0" lvl="0" indent="0" algn="l" defTabSz="914400" rtl="0" eaLnBrk="1" fontAlgn="auto" latinLnBrk="0" hangingPunct="1">
+              <a:lnSpc>
+                <a:spcPct val="100000"/>
+              </a:lnSpc>
+              <a:spcBef>
+                <a:spcPts val="0"/>
+              </a:spcBef>
+              <a:spcAft>
+                <a:spcPts val="0"/>
+              </a:spcAft>
+              <a:buClrTx/>
+              <a:buSzTx/>
+              <a:buFontTx/>
+              <a:buNone/>
+              <a:tabLst/>
+              <a:defRPr/>
+            </a:pPr>
+            <a:r>
+              <a:rPr kumimoji="0" lang="en-US" sz="800" b="0" i="0" u="none" strike="noStrike" kern="1200" cap="none" spc="0" normalizeH="0" baseline="0" noProof="0" dirty="0">
+                <a:ln>
+                  <a:noFill/>
+                </a:ln>
+                <a:solidFill>
+                  <a:prstClr val="black"/>
+                </a:solidFill>
+                <a:effectLst/>
+                <a:uLnTx/>
+                <a:uFillTx/>
+                <a:latin typeface="Calibri" panose="020F0502020204030204"/>
+                <a:ea typeface="+mn-ea"/>
+                <a:cs typeface="+mn-cs"/>
+              </a:rPr>
+              <a:t>association</a:t>
+            </a:r>
+            <a:endParaRPr kumimoji="0" lang="en-GB" sz="800" b="0" i="0" u="none" strike="noStrike" kern="1200" cap="none" spc="0" normalizeH="0" baseline="0" noProof="0" dirty="0">
+              <a:ln>
+                <a:noFill/>
+              </a:ln>
+              <a:solidFill>
+                <a:prstClr val="black"/>
+              </a:solidFill>
+              <a:effectLst/>
+              <a:uLnTx/>
+              <a:uFillTx/>
+              <a:latin typeface="Calibri" panose="020F0502020204030204"/>
+              <a:ea typeface="+mn-ea"/>
+              <a:cs typeface="+mn-cs"/>
+            </a:endParaRPr>
+          </a:p>
+        </p:txBody>
+      </p:sp>
+    </p:spTree>
+    <p:extLst>
+      <p:ext uri="{BB962C8B-B14F-4D97-AF65-F5344CB8AC3E}">
+        <p14:creationId xmlns:p14="http://schemas.microsoft.com/office/powerpoint/2010/main" val="2109836617"/>
+      </p:ext>
+    </p:extLst>
+  </p:cSld>
+  <p:clrMapOvr>
+    <a:masterClrMapping/>
+  </p:clrMapOvr>
+</p:sld>
+</file>
+
+<file path=ppt/slides/slide12.xml><?xml version="1.0" encoding="utf-8"?>
+<p:sld xmlns:a="http://schemas.openxmlformats.org/drawingml/2006/main" xmlns:r="http://schemas.openxmlformats.org/officeDocument/2006/relationships" xmlns:p="http://schemas.openxmlformats.org/presentationml/2006/main">
+  <p:cSld>
+    <p:spTree>
+      <p:nvGrpSpPr>
+        <p:cNvPr id="1" name="">
+          <a:extLst>
+            <a:ext uri="{FF2B5EF4-FFF2-40B4-BE49-F238E27FC236}">
               <a16:creationId xmlns:a16="http://schemas.microsoft.com/office/drawing/2014/main" id="{D25276A7-1574-DDA2-C537-2C17642052BE}"/>
             </a:ext>
           </a:extLst>
@@ -7585,210 +10075,6 @@
 </p:sld>
 </file>
 
-<file path=ppt/slides/slide11.xml><?xml version="1.0" encoding="utf-8"?>
-<p:sld xmlns:a="http://schemas.openxmlformats.org/drawingml/2006/main" xmlns:r="http://schemas.openxmlformats.org/officeDocument/2006/relationships" xmlns:p="http://schemas.openxmlformats.org/presentationml/2006/main">
-  <p:cSld>
-    <p:spTree>
-      <p:nvGrpSpPr>
-        <p:cNvPr id="1" name=""/>
-        <p:cNvGrpSpPr/>
-        <p:nvPr/>
-      </p:nvGrpSpPr>
-      <p:grpSpPr>
-        <a:xfrm>
-          <a:off x="0" y="0"/>
-          <a:ext cx="0" cy="0"/>
-          <a:chOff x="0" y="0"/>
-          <a:chExt cx="0" cy="0"/>
-        </a:xfrm>
-      </p:grpSpPr>
-      <p:sp>
-        <p:nvSpPr>
-          <p:cNvPr id="2" name="Title 1">
-            <a:extLst>
-              <a:ext uri="{FF2B5EF4-FFF2-40B4-BE49-F238E27FC236}">
-                <a16:creationId xmlns:a16="http://schemas.microsoft.com/office/drawing/2014/main" id="{865B8EEE-54AB-1516-8757-3729AB1930B2}"/>
-              </a:ext>
-            </a:extLst>
-          </p:cNvPr>
-          <p:cNvSpPr>
-            <a:spLocks noGrp="1"/>
-          </p:cNvSpPr>
-          <p:nvPr>
-            <p:ph type="title"/>
-          </p:nvPr>
-        </p:nvSpPr>
-        <p:spPr/>
-        <p:txBody>
-          <a:bodyPr/>
-          <a:lstStyle/>
-          <a:p>
-            <a:endParaRPr lang="en-GB"/>
-          </a:p>
-        </p:txBody>
-      </p:sp>
-      <p:sp>
-        <p:nvSpPr>
-          <p:cNvPr id="3" name="Content Placeholder 2">
-            <a:extLst>
-              <a:ext uri="{FF2B5EF4-FFF2-40B4-BE49-F238E27FC236}">
-                <a16:creationId xmlns:a16="http://schemas.microsoft.com/office/drawing/2014/main" id="{5B3A606D-877E-BC75-E6E9-9390C7AF83A4}"/>
-              </a:ext>
-            </a:extLst>
-          </p:cNvPr>
-          <p:cNvSpPr>
-            <a:spLocks noGrp="1"/>
-          </p:cNvSpPr>
-          <p:nvPr>
-            <p:ph idx="1"/>
-          </p:nvPr>
-        </p:nvSpPr>
-        <p:spPr/>
-        <p:txBody>
-          <a:bodyPr/>
-          <a:lstStyle/>
-          <a:p>
-            <a:endParaRPr lang="en-GB"/>
-          </a:p>
-        </p:txBody>
-      </p:sp>
-    </p:spTree>
-    <p:extLst>
-      <p:ext uri="{BB962C8B-B14F-4D97-AF65-F5344CB8AC3E}">
-        <p14:creationId xmlns:p14="http://schemas.microsoft.com/office/powerpoint/2010/main" val="3530440798"/>
-      </p:ext>
-    </p:extLst>
-  </p:cSld>
-  <p:clrMapOvr>
-    <a:masterClrMapping/>
-  </p:clrMapOvr>
-</p:sld>
-</file>
-
-<file path=ppt/slides/slide12.xml><?xml version="1.0" encoding="utf-8"?>
-<p:sld xmlns:a="http://schemas.openxmlformats.org/drawingml/2006/main" xmlns:r="http://schemas.openxmlformats.org/officeDocument/2006/relationships" xmlns:p="http://schemas.openxmlformats.org/presentationml/2006/main">
-  <p:cSld>
-    <p:spTree>
-      <p:nvGrpSpPr>
-        <p:cNvPr id="1" name=""/>
-        <p:cNvGrpSpPr/>
-        <p:nvPr/>
-      </p:nvGrpSpPr>
-      <p:grpSpPr>
-        <a:xfrm>
-          <a:off x="0" y="0"/>
-          <a:ext cx="0" cy="0"/>
-          <a:chOff x="0" y="0"/>
-          <a:chExt cx="0" cy="0"/>
-        </a:xfrm>
-      </p:grpSpPr>
-      <p:sp>
-        <p:nvSpPr>
-          <p:cNvPr id="2" name="Title 1">
-            <a:extLst>
-              <a:ext uri="{FF2B5EF4-FFF2-40B4-BE49-F238E27FC236}">
-                <a16:creationId xmlns:a16="http://schemas.microsoft.com/office/drawing/2014/main" id="{E234DED2-A1A2-CF1F-339C-390A730FF2C7}"/>
-              </a:ext>
-            </a:extLst>
-          </p:cNvPr>
-          <p:cNvSpPr>
-            <a:spLocks noGrp="1"/>
-          </p:cNvSpPr>
-          <p:nvPr>
-            <p:ph type="title"/>
-          </p:nvPr>
-        </p:nvSpPr>
-        <p:spPr/>
-        <p:txBody>
-          <a:bodyPr/>
-          <a:lstStyle/>
-          <a:p>
-            <a:r>
-              <a:rPr lang="en-GB" dirty="0"/>
-              <a:t>S-98 Inputs</a:t>
-            </a:r>
-          </a:p>
-        </p:txBody>
-      </p:sp>
-      <p:sp>
-        <p:nvSpPr>
-          <p:cNvPr id="3" name="Content Placeholder 2">
-            <a:extLst>
-              <a:ext uri="{FF2B5EF4-FFF2-40B4-BE49-F238E27FC236}">
-                <a16:creationId xmlns:a16="http://schemas.microsoft.com/office/drawing/2014/main" id="{829E7E81-CFA1-46FE-7C7C-3EB4CE0E35D3}"/>
-              </a:ext>
-            </a:extLst>
-          </p:cNvPr>
-          <p:cNvSpPr>
-            <a:spLocks noGrp="1"/>
-          </p:cNvSpPr>
-          <p:nvPr>
-            <p:ph idx="1"/>
-          </p:nvPr>
-        </p:nvSpPr>
-        <p:spPr>
-          <a:xfrm>
-            <a:off x="1052700" y="1530425"/>
-            <a:ext cx="10086600" cy="4351338"/>
-          </a:xfrm>
-        </p:spPr>
-        <p:txBody>
-          <a:bodyPr>
-            <a:normAutofit/>
-          </a:bodyPr>
-          <a:lstStyle/>
-          <a:p>
-            <a:r>
-              <a:rPr lang="en-GB" sz="4000" dirty="0"/>
-              <a:t>Comment Sheets</a:t>
-            </a:r>
-          </a:p>
-          <a:p>
-            <a:endParaRPr lang="en-GB" sz="4000" dirty="0"/>
-          </a:p>
-          <a:p>
-            <a:pPr lvl="1"/>
-            <a:r>
-              <a:rPr lang="en-GB" sz="3600" dirty="0"/>
-              <a:t>OSI</a:t>
-            </a:r>
-          </a:p>
-          <a:p>
-            <a:pPr lvl="2"/>
-            <a:r>
-              <a:rPr lang="en-GB" sz="3200" dirty="0"/>
-              <a:t>Also, 12.5.3 – is it necessary</a:t>
-            </a:r>
-          </a:p>
-          <a:p>
-            <a:pPr lvl="1"/>
-            <a:r>
-              <a:rPr lang="en-GB" sz="3600" dirty="0"/>
-              <a:t>Sperry Marine</a:t>
-            </a:r>
-          </a:p>
-          <a:p>
-            <a:pPr lvl="1"/>
-            <a:r>
-              <a:rPr lang="en-GB" sz="3600" dirty="0"/>
-              <a:t>ESRI [marked up v2.4.0]</a:t>
-            </a:r>
-          </a:p>
-        </p:txBody>
-      </p:sp>
-    </p:spTree>
-    <p:extLst>
-      <p:ext uri="{BB962C8B-B14F-4D97-AF65-F5344CB8AC3E}">
-        <p14:creationId xmlns:p14="http://schemas.microsoft.com/office/powerpoint/2010/main" val="1037202326"/>
-      </p:ext>
-    </p:extLst>
-  </p:cSld>
-  <p:clrMapOvr>
-    <a:masterClrMapping/>
-  </p:clrMapOvr>
-</p:sld>
-</file>
-
 <file path=ppt/slides/slide13.xml><?xml version="1.0" encoding="utf-8"?>
 <p:sld xmlns:a="http://schemas.openxmlformats.org/drawingml/2006/main" xmlns:r="http://schemas.openxmlformats.org/officeDocument/2006/relationships" xmlns:p="http://schemas.openxmlformats.org/presentationml/2006/main">
   <p:cSld>
@@ -7937,6 +10223,358 @@
               <a:t>Landmarks are defined in FC versions</a:t>
             </a:r>
             <a:endParaRPr lang="en-GB" dirty="0"/>
+          </a:p>
+        </p:txBody>
+      </p:sp>
+      <p:sp>
+        <p:nvSpPr>
+          <p:cNvPr id="7" name="Rectangle 6">
+            <a:extLst>
+              <a:ext uri="{FF2B5EF4-FFF2-40B4-BE49-F238E27FC236}">
+                <a16:creationId xmlns:a16="http://schemas.microsoft.com/office/drawing/2014/main" id="{CCBFAF5C-EB26-CC2A-CE69-D745D32F6BBF}"/>
+              </a:ext>
+            </a:extLst>
+          </p:cNvPr>
+          <p:cNvSpPr/>
+          <p:nvPr/>
+        </p:nvSpPr>
+        <p:spPr>
+          <a:xfrm>
+            <a:off x="6555232" y="1849120"/>
+            <a:ext cx="2755392" cy="2409952"/>
+          </a:xfrm>
+          <a:prstGeom prst="rect">
+            <a:avLst/>
+          </a:prstGeom>
+          <a:noFill/>
+          <a:ln>
+            <a:solidFill>
+              <a:schemeClr val="tx1"/>
+            </a:solidFill>
+          </a:ln>
+        </p:spPr>
+        <p:style>
+          <a:lnRef idx="2">
+            <a:schemeClr val="accent1">
+              <a:shade val="15000"/>
+            </a:schemeClr>
+          </a:lnRef>
+          <a:fillRef idx="1">
+            <a:schemeClr val="accent1"/>
+          </a:fillRef>
+          <a:effectRef idx="0">
+            <a:schemeClr val="accent1"/>
+          </a:effectRef>
+          <a:fontRef idx="minor">
+            <a:schemeClr val="lt1"/>
+          </a:fontRef>
+        </p:style>
+        <p:txBody>
+          <a:bodyPr rtlCol="0" anchor="ctr"/>
+          <a:lstStyle/>
+          <a:p>
+            <a:pPr algn="ctr"/>
+            <a:endParaRPr lang="en-GB"/>
+          </a:p>
+        </p:txBody>
+      </p:sp>
+      <p:sp>
+        <p:nvSpPr>
+          <p:cNvPr id="8" name="Rectangle 7">
+            <a:extLst>
+              <a:ext uri="{FF2B5EF4-FFF2-40B4-BE49-F238E27FC236}">
+                <a16:creationId xmlns:a16="http://schemas.microsoft.com/office/drawing/2014/main" id="{757B0201-6108-C2D1-551E-23588640A327}"/>
+              </a:ext>
+            </a:extLst>
+          </p:cNvPr>
+          <p:cNvSpPr/>
+          <p:nvPr/>
+        </p:nvSpPr>
+        <p:spPr>
+          <a:xfrm>
+            <a:off x="6555232" y="4257040"/>
+            <a:ext cx="2755392" cy="2409952"/>
+          </a:xfrm>
+          <a:prstGeom prst="rect">
+            <a:avLst/>
+          </a:prstGeom>
+          <a:noFill/>
+          <a:ln>
+            <a:solidFill>
+              <a:schemeClr val="tx1"/>
+            </a:solidFill>
+          </a:ln>
+        </p:spPr>
+        <p:style>
+          <a:lnRef idx="2">
+            <a:schemeClr val="accent1">
+              <a:shade val="15000"/>
+            </a:schemeClr>
+          </a:lnRef>
+          <a:fillRef idx="1">
+            <a:schemeClr val="accent1"/>
+          </a:fillRef>
+          <a:effectRef idx="0">
+            <a:schemeClr val="accent1"/>
+          </a:effectRef>
+          <a:fontRef idx="minor">
+            <a:schemeClr val="lt1"/>
+          </a:fontRef>
+        </p:style>
+        <p:txBody>
+          <a:bodyPr rtlCol="0" anchor="ctr"/>
+          <a:lstStyle/>
+          <a:p>
+            <a:pPr algn="ctr"/>
+            <a:endParaRPr lang="en-GB"/>
+          </a:p>
+        </p:txBody>
+      </p:sp>
+      <p:sp>
+        <p:nvSpPr>
+          <p:cNvPr id="9" name="Rectangle 8">
+            <a:extLst>
+              <a:ext uri="{FF2B5EF4-FFF2-40B4-BE49-F238E27FC236}">
+                <a16:creationId xmlns:a16="http://schemas.microsoft.com/office/drawing/2014/main" id="{F191EE10-6072-EECC-D61A-ABC3D35B3504}"/>
+              </a:ext>
+            </a:extLst>
+          </p:cNvPr>
+          <p:cNvSpPr/>
+          <p:nvPr/>
+        </p:nvSpPr>
+        <p:spPr>
+          <a:xfrm>
+            <a:off x="9308592" y="1849967"/>
+            <a:ext cx="2755392" cy="2409952"/>
+          </a:xfrm>
+          <a:prstGeom prst="rect">
+            <a:avLst/>
+          </a:prstGeom>
+          <a:noFill/>
+          <a:ln>
+            <a:solidFill>
+              <a:schemeClr val="tx1"/>
+            </a:solidFill>
+          </a:ln>
+        </p:spPr>
+        <p:style>
+          <a:lnRef idx="2">
+            <a:schemeClr val="accent1">
+              <a:shade val="15000"/>
+            </a:schemeClr>
+          </a:lnRef>
+          <a:fillRef idx="1">
+            <a:schemeClr val="accent1"/>
+          </a:fillRef>
+          <a:effectRef idx="0">
+            <a:schemeClr val="accent1"/>
+          </a:effectRef>
+          <a:fontRef idx="minor">
+            <a:schemeClr val="lt1"/>
+          </a:fontRef>
+        </p:style>
+        <p:txBody>
+          <a:bodyPr rtlCol="0" anchor="ctr"/>
+          <a:lstStyle/>
+          <a:p>
+            <a:pPr algn="ctr"/>
+            <a:endParaRPr lang="en-GB"/>
+          </a:p>
+        </p:txBody>
+      </p:sp>
+      <p:sp>
+        <p:nvSpPr>
+          <p:cNvPr id="10" name="Rectangle 9">
+            <a:extLst>
+              <a:ext uri="{FF2B5EF4-FFF2-40B4-BE49-F238E27FC236}">
+                <a16:creationId xmlns:a16="http://schemas.microsoft.com/office/drawing/2014/main" id="{E344B10B-C623-FFDD-7D83-6D4735443958}"/>
+              </a:ext>
+            </a:extLst>
+          </p:cNvPr>
+          <p:cNvSpPr/>
+          <p:nvPr/>
+        </p:nvSpPr>
+        <p:spPr>
+          <a:xfrm>
+            <a:off x="9308592" y="4257887"/>
+            <a:ext cx="2755392" cy="2409952"/>
+          </a:xfrm>
+          <a:prstGeom prst="rect">
+            <a:avLst/>
+          </a:prstGeom>
+          <a:noFill/>
+          <a:ln>
+            <a:solidFill>
+              <a:schemeClr val="tx1"/>
+            </a:solidFill>
+          </a:ln>
+        </p:spPr>
+        <p:style>
+          <a:lnRef idx="2">
+            <a:schemeClr val="accent1">
+              <a:shade val="15000"/>
+            </a:schemeClr>
+          </a:lnRef>
+          <a:fillRef idx="1">
+            <a:schemeClr val="accent1"/>
+          </a:fillRef>
+          <a:effectRef idx="0">
+            <a:schemeClr val="accent1"/>
+          </a:effectRef>
+          <a:fontRef idx="minor">
+            <a:schemeClr val="lt1"/>
+          </a:fontRef>
+        </p:style>
+        <p:txBody>
+          <a:bodyPr rtlCol="0" anchor="ctr"/>
+          <a:lstStyle/>
+          <a:p>
+            <a:pPr algn="ctr"/>
+            <a:endParaRPr lang="en-GB"/>
+          </a:p>
+        </p:txBody>
+      </p:sp>
+      <p:sp>
+        <p:nvSpPr>
+          <p:cNvPr id="11" name="TextBox 10">
+            <a:extLst>
+              <a:ext uri="{FF2B5EF4-FFF2-40B4-BE49-F238E27FC236}">
+                <a16:creationId xmlns:a16="http://schemas.microsoft.com/office/drawing/2014/main" id="{45550C0A-DF04-D0A6-F5AD-8A5A6DFABE5B}"/>
+              </a:ext>
+            </a:extLst>
+          </p:cNvPr>
+          <p:cNvSpPr txBox="1"/>
+          <p:nvPr/>
+        </p:nvSpPr>
+        <p:spPr>
+          <a:xfrm>
+            <a:off x="6545072" y="1867059"/>
+            <a:ext cx="425116" cy="246221"/>
+          </a:xfrm>
+          <a:prstGeom prst="rect">
+            <a:avLst/>
+          </a:prstGeom>
+          <a:noFill/>
+        </p:spPr>
+        <p:txBody>
+          <a:bodyPr wrap="none" rtlCol="0">
+            <a:spAutoFit/>
+          </a:bodyPr>
+          <a:lstStyle/>
+          <a:p>
+            <a:r>
+              <a:rPr lang="en-US" sz="1000" b="1" dirty="0"/>
+              <a:t>V2.5</a:t>
+            </a:r>
+            <a:endParaRPr lang="en-GB" sz="1000" b="1" dirty="0"/>
+          </a:p>
+        </p:txBody>
+      </p:sp>
+      <p:sp>
+        <p:nvSpPr>
+          <p:cNvPr id="12" name="TextBox 11">
+            <a:extLst>
+              <a:ext uri="{FF2B5EF4-FFF2-40B4-BE49-F238E27FC236}">
+                <a16:creationId xmlns:a16="http://schemas.microsoft.com/office/drawing/2014/main" id="{CF7E7947-1368-CDF0-FA3F-8DA3C1CEDC90}"/>
+              </a:ext>
+            </a:extLst>
+          </p:cNvPr>
+          <p:cNvSpPr txBox="1"/>
+          <p:nvPr/>
+        </p:nvSpPr>
+        <p:spPr>
+          <a:xfrm>
+            <a:off x="9290304" y="1855073"/>
+            <a:ext cx="425116" cy="246221"/>
+          </a:xfrm>
+          <a:prstGeom prst="rect">
+            <a:avLst/>
+          </a:prstGeom>
+          <a:noFill/>
+        </p:spPr>
+        <p:txBody>
+          <a:bodyPr wrap="none" rtlCol="0">
+            <a:spAutoFit/>
+          </a:bodyPr>
+          <a:lstStyle/>
+          <a:p>
+            <a:r>
+              <a:rPr lang="en-US" sz="1000" b="1" dirty="0"/>
+              <a:t>V2.6</a:t>
+            </a:r>
+            <a:endParaRPr lang="en-GB" sz="1000" b="1" dirty="0"/>
+          </a:p>
+        </p:txBody>
+      </p:sp>
+      <p:sp>
+        <p:nvSpPr>
+          <p:cNvPr id="13" name="TextBox 12">
+            <a:extLst>
+              <a:ext uri="{FF2B5EF4-FFF2-40B4-BE49-F238E27FC236}">
+                <a16:creationId xmlns:a16="http://schemas.microsoft.com/office/drawing/2014/main" id="{768D5565-7C95-69BF-BDEA-C51F9D6C7DC7}"/>
+              </a:ext>
+            </a:extLst>
+          </p:cNvPr>
+          <p:cNvSpPr txBox="1"/>
+          <p:nvPr/>
+        </p:nvSpPr>
+        <p:spPr>
+          <a:xfrm>
+            <a:off x="6536944" y="4291514"/>
+            <a:ext cx="425116" cy="246221"/>
+          </a:xfrm>
+          <a:prstGeom prst="rect">
+            <a:avLst/>
+          </a:prstGeom>
+          <a:noFill/>
+        </p:spPr>
+        <p:txBody>
+          <a:bodyPr wrap="none" rtlCol="0">
+            <a:spAutoFit/>
+          </a:bodyPr>
+          <a:lstStyle/>
+          <a:p>
+            <a:r>
+              <a:rPr lang="en-US" sz="1000" b="1" dirty="0"/>
+              <a:t>V2.7</a:t>
+            </a:r>
+            <a:endParaRPr lang="en-GB" sz="1000" b="1" dirty="0"/>
+          </a:p>
+        </p:txBody>
+      </p:sp>
+      <p:sp>
+        <p:nvSpPr>
+          <p:cNvPr id="14" name="TextBox 13">
+            <a:extLst>
+              <a:ext uri="{FF2B5EF4-FFF2-40B4-BE49-F238E27FC236}">
+                <a16:creationId xmlns:a16="http://schemas.microsoft.com/office/drawing/2014/main" id="{B21CD769-7D26-4683-BD48-D51D4B3DF437}"/>
+              </a:ext>
+            </a:extLst>
+          </p:cNvPr>
+          <p:cNvSpPr txBox="1"/>
+          <p:nvPr/>
+        </p:nvSpPr>
+        <p:spPr>
+          <a:xfrm>
+            <a:off x="9282176" y="4265872"/>
+            <a:ext cx="425116" cy="246221"/>
+          </a:xfrm>
+          <a:prstGeom prst="rect">
+            <a:avLst/>
+          </a:prstGeom>
+          <a:noFill/>
+        </p:spPr>
+        <p:txBody>
+          <a:bodyPr wrap="none" rtlCol="0">
+            <a:spAutoFit/>
+          </a:bodyPr>
+          <a:lstStyle/>
+          <a:p>
+            <a:r>
+              <a:rPr lang="en-US" sz="1000" b="1" dirty="0"/>
+              <a:t>V2.8</a:t>
+            </a:r>
+            <a:endParaRPr lang="en-GB" sz="1000" b="1" dirty="0"/>
           </a:p>
         </p:txBody>
       </p:sp>
@@ -7975,7 +10613,7 @@
           <p:cNvPr id="2" name="Title 1">
             <a:extLst>
               <a:ext uri="{FF2B5EF4-FFF2-40B4-BE49-F238E27FC236}">
-                <a16:creationId xmlns:a16="http://schemas.microsoft.com/office/drawing/2014/main" id="{62866868-325F-CF9E-43A5-9921CAB6FDD8}"/>
+                <a16:creationId xmlns:a16="http://schemas.microsoft.com/office/drawing/2014/main" id="{C15713A5-83F1-2466-12AE-70B5C7AD61A1}"/>
               </a:ext>
             </a:extLst>
           </p:cNvPr>
@@ -7986,56 +10624,776 @@
             <p:ph type="title"/>
           </p:nvPr>
         </p:nvSpPr>
-        <p:spPr/>
+        <p:spPr>
+          <a:xfrm>
+            <a:off x="182880" y="346223"/>
+            <a:ext cx="10515600" cy="1325563"/>
+          </a:xfrm>
+        </p:spPr>
         <p:txBody>
           <a:bodyPr/>
           <a:lstStyle/>
           <a:p>
             <a:r>
               <a:rPr lang="en-GB" dirty="0"/>
-              <a:t>Other Inputs</a:t>
-            </a:r>
-          </a:p>
-        </p:txBody>
-      </p:sp>
-      <p:sp>
-        <p:nvSpPr>
-          <p:cNvPr id="3" name="Content Placeholder 2">
-            <a:extLst>
-              <a:ext uri="{FF2B5EF4-FFF2-40B4-BE49-F238E27FC236}">
-                <a16:creationId xmlns:a16="http://schemas.microsoft.com/office/drawing/2014/main" id="{0B9EE054-F54B-BEC7-CD7A-488ADB6FF42F}"/>
+              <a:t>BS E-Nav inputs</a:t>
+            </a:r>
+          </a:p>
+        </p:txBody>
+      </p:sp>
+      <p:sp>
+        <p:nvSpPr>
+          <p:cNvPr id="4" name="Rectangle 1">
+            <a:extLst>
+              <a:ext uri="{FF2B5EF4-FFF2-40B4-BE49-F238E27FC236}">
+                <a16:creationId xmlns:a16="http://schemas.microsoft.com/office/drawing/2014/main" id="{2D38BA50-56B4-9ED8-821F-5657FCC71293}"/>
               </a:ext>
             </a:extLst>
           </p:cNvPr>
           <p:cNvSpPr>
-            <a:spLocks noGrp="1"/>
+            <a:spLocks noChangeArrowheads="1"/>
           </p:cNvSpPr>
-          <p:nvPr>
-            <p:ph idx="1"/>
-          </p:nvPr>
-        </p:nvSpPr>
-        <p:spPr/>
-        <p:txBody>
-          <a:bodyPr/>
-          <a:lstStyle/>
-          <a:p>
-            <a:r>
-              <a:rPr lang="en-GB" dirty="0"/>
-              <a:t>BS E-Nav Inputs</a:t>
-            </a:r>
-          </a:p>
-          <a:p>
-            <a:r>
-              <a:rPr lang="en-GB" dirty="0"/>
-              <a:t>UKHO Paper, S-104 naming</a:t>
-            </a:r>
+          <p:nvPr/>
+        </p:nvSpPr>
+        <p:spPr bwMode="auto">
+          <a:xfrm>
+            <a:off x="588180" y="1513379"/>
+            <a:ext cx="9705000" cy="4585871"/>
+          </a:xfrm>
+          <a:prstGeom prst="rect">
+            <a:avLst/>
+          </a:prstGeom>
+          <a:solidFill>
+            <a:srgbClr val="FFFFFF"/>
+          </a:solidFill>
+          <a:ln>
+            <a:noFill/>
+          </a:ln>
+          <a:effectLst/>
+          <a:extLst>
+            <a:ext uri="{91240B29-F687-4F45-9708-019B960494DF}">
+              <a14:hiddenLine xmlns:a14="http://schemas.microsoft.com/office/drawing/2010/main" w="9525">
+                <a:solidFill>
+                  <a:schemeClr val="tx1"/>
+                </a:solidFill>
+                <a:miter lim="800000"/>
+                <a:headEnd/>
+                <a:tailEnd/>
+              </a14:hiddenLine>
+            </a:ext>
+            <a:ext uri="{AF507438-7753-43E0-B8FC-AC1667EBCBE1}">
+              <a14:hiddenEffects xmlns:a14="http://schemas.microsoft.com/office/drawing/2010/main">
+                <a:effectLst>
+                  <a:outerShdw dist="35921" dir="2700000" algn="ctr" rotWithShape="0">
+                    <a:schemeClr val="bg2"/>
+                  </a:outerShdw>
+                </a:effectLst>
+              </a14:hiddenEffects>
+            </a:ext>
+          </a:extLst>
+        </p:spPr>
+        <p:txBody>
+          <a:bodyPr vert="horz" wrap="square" lIns="91440" tIns="45720" rIns="91440" bIns="45720" numCol="1" anchor="ctr" anchorCtr="0" compatLnSpc="1">
+            <a:prstTxWarp prst="textNoShape">
+              <a:avLst/>
+            </a:prstTxWarp>
+            <a:spAutoFit/>
+          </a:bodyPr>
+          <a:lstStyle>
+            <a:lvl1pPr eaLnBrk="0" fontAlgn="base" hangingPunct="0">
+              <a:spcBef>
+                <a:spcPct val="0"/>
+              </a:spcBef>
+              <a:spcAft>
+                <a:spcPct val="0"/>
+              </a:spcAft>
+              <a:defRPr>
+                <a:solidFill>
+                  <a:schemeClr val="tx1"/>
+                </a:solidFill>
+                <a:latin typeface="Arial" panose="020B0604020202020204" pitchFamily="34" charset="0"/>
+              </a:defRPr>
+            </a:lvl1pPr>
+            <a:lvl2pPr eaLnBrk="0" fontAlgn="base" hangingPunct="0">
+              <a:spcBef>
+                <a:spcPct val="0"/>
+              </a:spcBef>
+              <a:spcAft>
+                <a:spcPct val="0"/>
+              </a:spcAft>
+              <a:defRPr>
+                <a:solidFill>
+                  <a:schemeClr val="tx1"/>
+                </a:solidFill>
+                <a:latin typeface="Arial" panose="020B0604020202020204" pitchFamily="34" charset="0"/>
+              </a:defRPr>
+            </a:lvl2pPr>
+            <a:lvl3pPr eaLnBrk="0" fontAlgn="base" hangingPunct="0">
+              <a:spcBef>
+                <a:spcPct val="0"/>
+              </a:spcBef>
+              <a:spcAft>
+                <a:spcPct val="0"/>
+              </a:spcAft>
+              <a:defRPr>
+                <a:solidFill>
+                  <a:schemeClr val="tx1"/>
+                </a:solidFill>
+                <a:latin typeface="Arial" panose="020B0604020202020204" pitchFamily="34" charset="0"/>
+              </a:defRPr>
+            </a:lvl3pPr>
+            <a:lvl4pPr eaLnBrk="0" fontAlgn="base" hangingPunct="0">
+              <a:spcBef>
+                <a:spcPct val="0"/>
+              </a:spcBef>
+              <a:spcAft>
+                <a:spcPct val="0"/>
+              </a:spcAft>
+              <a:defRPr>
+                <a:solidFill>
+                  <a:schemeClr val="tx1"/>
+                </a:solidFill>
+                <a:latin typeface="Arial" panose="020B0604020202020204" pitchFamily="34" charset="0"/>
+              </a:defRPr>
+            </a:lvl4pPr>
+            <a:lvl5pPr eaLnBrk="0" fontAlgn="base" hangingPunct="0">
+              <a:spcBef>
+                <a:spcPct val="0"/>
+              </a:spcBef>
+              <a:spcAft>
+                <a:spcPct val="0"/>
+              </a:spcAft>
+              <a:defRPr>
+                <a:solidFill>
+                  <a:schemeClr val="tx1"/>
+                </a:solidFill>
+                <a:latin typeface="Arial" panose="020B0604020202020204" pitchFamily="34" charset="0"/>
+              </a:defRPr>
+            </a:lvl5pPr>
+            <a:lvl6pPr eaLnBrk="0" fontAlgn="base" hangingPunct="0">
+              <a:spcBef>
+                <a:spcPct val="0"/>
+              </a:spcBef>
+              <a:spcAft>
+                <a:spcPct val="0"/>
+              </a:spcAft>
+              <a:defRPr>
+                <a:solidFill>
+                  <a:schemeClr val="tx1"/>
+                </a:solidFill>
+                <a:latin typeface="Arial" panose="020B0604020202020204" pitchFamily="34" charset="0"/>
+              </a:defRPr>
+            </a:lvl6pPr>
+            <a:lvl7pPr eaLnBrk="0" fontAlgn="base" hangingPunct="0">
+              <a:spcBef>
+                <a:spcPct val="0"/>
+              </a:spcBef>
+              <a:spcAft>
+                <a:spcPct val="0"/>
+              </a:spcAft>
+              <a:defRPr>
+                <a:solidFill>
+                  <a:schemeClr val="tx1"/>
+                </a:solidFill>
+                <a:latin typeface="Arial" panose="020B0604020202020204" pitchFamily="34" charset="0"/>
+              </a:defRPr>
+            </a:lvl7pPr>
+            <a:lvl8pPr eaLnBrk="0" fontAlgn="base" hangingPunct="0">
+              <a:spcBef>
+                <a:spcPct val="0"/>
+              </a:spcBef>
+              <a:spcAft>
+                <a:spcPct val="0"/>
+              </a:spcAft>
+              <a:defRPr>
+                <a:solidFill>
+                  <a:schemeClr val="tx1"/>
+                </a:solidFill>
+                <a:latin typeface="Arial" panose="020B0604020202020204" pitchFamily="34" charset="0"/>
+              </a:defRPr>
+            </a:lvl8pPr>
+            <a:lvl9pPr eaLnBrk="0" fontAlgn="base" hangingPunct="0">
+              <a:spcBef>
+                <a:spcPct val="0"/>
+              </a:spcBef>
+              <a:spcAft>
+                <a:spcPct val="0"/>
+              </a:spcAft>
+              <a:defRPr>
+                <a:solidFill>
+                  <a:schemeClr val="tx1"/>
+                </a:solidFill>
+                <a:latin typeface="Arial" panose="020B0604020202020204" pitchFamily="34" charset="0"/>
+              </a:defRPr>
+            </a:lvl9pPr>
+          </a:lstStyle>
+          <a:p>
+            <a:pPr marL="0" marR="0" lvl="0" indent="0" algn="l" defTabSz="914400" rtl="0" eaLnBrk="0" fontAlgn="base" latinLnBrk="0" hangingPunct="0">
+              <a:lnSpc>
+                <a:spcPct val="100000"/>
+              </a:lnSpc>
+              <a:spcBef>
+                <a:spcPct val="0"/>
+              </a:spcBef>
+              <a:spcAft>
+                <a:spcPct val="0"/>
+              </a:spcAft>
+              <a:buClrTx/>
+              <a:buSzTx/>
+              <a:buFontTx/>
+              <a:buNone/>
+              <a:tabLst/>
+            </a:pPr>
+            <a:r>
+              <a:rPr kumimoji="0" lang="en-US" altLang="en-US" sz="1200" b="0" i="0" u="none" strike="noStrike" cap="none" normalizeH="0" baseline="0" dirty="0">
+                <a:ln>
+                  <a:noFill/>
+                </a:ln>
+                <a:solidFill>
+                  <a:srgbClr val="242424"/>
+                </a:solidFill>
+                <a:effectLst/>
+                <a:latin typeface="Calibri" panose="020F0502020204030204" pitchFamily="34" charset="0"/>
+                <a:cs typeface="Calibri" panose="020F0502020204030204" pitchFamily="34" charset="0"/>
+              </a:rPr>
+              <a:t> </a:t>
+            </a:r>
+            <a:endParaRPr kumimoji="0" lang="en-US" altLang="en-US" sz="500" b="0" i="0" u="none" strike="noStrike" cap="none" normalizeH="0" baseline="0" dirty="0">
+              <a:ln>
+                <a:noFill/>
+              </a:ln>
+              <a:solidFill>
+                <a:schemeClr val="tx1"/>
+              </a:solidFill>
+              <a:effectLst/>
+            </a:endParaRPr>
+          </a:p>
+          <a:p>
+            <a:pPr marL="0" marR="0" lvl="0" indent="0" algn="l" defTabSz="914400" rtl="0" eaLnBrk="0" fontAlgn="base" latinLnBrk="0" hangingPunct="0">
+              <a:lnSpc>
+                <a:spcPct val="100000"/>
+              </a:lnSpc>
+              <a:spcBef>
+                <a:spcPct val="0"/>
+              </a:spcBef>
+              <a:spcAft>
+                <a:spcPct val="0"/>
+              </a:spcAft>
+              <a:buClrTx/>
+              <a:buSzTx/>
+              <a:buFontTx/>
+              <a:buAutoNum type="arabicPeriod"/>
+              <a:tabLst/>
+            </a:pPr>
+            <a:r>
+              <a:rPr kumimoji="0" lang="en-US" altLang="en-US" sz="1400" b="0" i="0" u="none" strike="noStrike" cap="none" normalizeH="0" baseline="0" dirty="0">
+                <a:ln>
+                  <a:noFill/>
+                </a:ln>
+                <a:solidFill>
+                  <a:srgbClr val="242424"/>
+                </a:solidFill>
+                <a:effectLst/>
+                <a:latin typeface="Calibri" panose="020F0502020204030204" pitchFamily="34" charset="0"/>
+                <a:cs typeface="Calibri" panose="020F0502020204030204" pitchFamily="34" charset="0"/>
+              </a:rPr>
+              <a:t>Why is horizontal datum is not included in S-98 </a:t>
+            </a:r>
+            <a:r>
+              <a:rPr kumimoji="0" lang="en-US" altLang="en-US" sz="1400" b="1" i="0" u="none" strike="noStrike" cap="none" normalizeH="0" baseline="0" dirty="0">
+                <a:ln>
+                  <a:noFill/>
+                </a:ln>
+                <a:solidFill>
+                  <a:srgbClr val="242424"/>
+                </a:solidFill>
+                <a:effectLst/>
+                <a:latin typeface="Calibri" panose="020F0502020204030204" pitchFamily="34" charset="0"/>
+                <a:cs typeface="Calibri" panose="020F0502020204030204" pitchFamily="34" charset="0"/>
+              </a:rPr>
+              <a:t>D-1.2 Constraints on input data</a:t>
+            </a:r>
+            <a:r>
+              <a:rPr kumimoji="0" lang="en-US" altLang="en-US" sz="1400" b="0" i="0" u="none" strike="noStrike" cap="none" normalizeH="0" baseline="0" dirty="0">
+                <a:ln>
+                  <a:noFill/>
+                </a:ln>
+                <a:solidFill>
+                  <a:srgbClr val="242424"/>
+                </a:solidFill>
+                <a:effectLst/>
+                <a:latin typeface="Calibri" panose="020F0502020204030204" pitchFamily="34" charset="0"/>
+                <a:cs typeface="Calibri" panose="020F0502020204030204" pitchFamily="34" charset="0"/>
+              </a:rPr>
+              <a:t> and whether it should be:</a:t>
+            </a:r>
+            <a:endParaRPr kumimoji="0" lang="en-US" altLang="en-US" sz="1400" b="0" i="0" u="none" strike="noStrike" cap="none" normalizeH="0" baseline="0" dirty="0">
+              <a:ln>
+                <a:noFill/>
+              </a:ln>
+              <a:solidFill>
+                <a:srgbClr val="242424"/>
+              </a:solidFill>
+              <a:effectLst/>
+              <a:latin typeface="Segoe UI" panose="020B0502040204020203" pitchFamily="34" charset="0"/>
+              <a:cs typeface="Segoe UI" panose="020B0502040204020203" pitchFamily="34" charset="0"/>
+            </a:endParaRPr>
+          </a:p>
+          <a:p>
+            <a:pPr marL="0" marR="0" lvl="0" indent="0" algn="l" defTabSz="914400" rtl="0" eaLnBrk="0" fontAlgn="base" latinLnBrk="0" hangingPunct="0">
+              <a:lnSpc>
+                <a:spcPct val="100000"/>
+              </a:lnSpc>
+              <a:spcBef>
+                <a:spcPct val="0"/>
+              </a:spcBef>
+              <a:spcAft>
+                <a:spcPct val="0"/>
+              </a:spcAft>
+              <a:buClrTx/>
+              <a:buSzTx/>
+              <a:buFontTx/>
+              <a:buNone/>
+              <a:tabLst/>
+            </a:pPr>
+            <a:r>
+              <a:rPr kumimoji="0" lang="en-US" altLang="en-US" sz="1400" b="0" i="0" u="none" strike="noStrike" cap="none" normalizeH="0" baseline="0" dirty="0">
+                <a:ln>
+                  <a:noFill/>
+                </a:ln>
+                <a:solidFill>
+                  <a:srgbClr val="242424"/>
+                </a:solidFill>
+                <a:effectLst/>
+                <a:latin typeface="Calibri" panose="020F0502020204030204" pitchFamily="34" charset="0"/>
+                <a:cs typeface="Calibri" panose="020F0502020204030204" pitchFamily="34" charset="0"/>
+              </a:rPr>
+              <a:t> </a:t>
+            </a:r>
+            <a:endParaRPr kumimoji="0" lang="en-US" altLang="en-US" sz="1400" b="0" i="0" u="none" strike="noStrike" cap="none" normalizeH="0" baseline="0" dirty="0">
+              <a:ln>
+                <a:noFill/>
+              </a:ln>
+              <a:solidFill>
+                <a:schemeClr val="tx1"/>
+              </a:solidFill>
+              <a:effectLst/>
+            </a:endParaRPr>
+          </a:p>
+          <a:p>
+            <a:pPr marL="0" marR="0" lvl="0" indent="0" algn="l" defTabSz="914400" rtl="0" eaLnBrk="0" fontAlgn="base" latinLnBrk="0" hangingPunct="0">
+              <a:lnSpc>
+                <a:spcPct val="100000"/>
+              </a:lnSpc>
+              <a:spcBef>
+                <a:spcPct val="0"/>
+              </a:spcBef>
+              <a:spcAft>
+                <a:spcPct val="0"/>
+              </a:spcAft>
+              <a:buClrTx/>
+              <a:buSzTx/>
+              <a:buFontTx/>
+              <a:buNone/>
+              <a:tabLst/>
+            </a:pPr>
+            <a:r>
+              <a:rPr kumimoji="0" lang="en-US" altLang="en-US" sz="1400" b="0" i="0" u="none" strike="noStrike" cap="none" normalizeH="0" baseline="0" dirty="0">
+                <a:ln>
+                  <a:noFill/>
+                </a:ln>
+                <a:solidFill>
+                  <a:srgbClr val="00B050"/>
+                </a:solidFill>
+                <a:effectLst/>
+                <a:latin typeface="Calibri" panose="020F0502020204030204" pitchFamily="34" charset="0"/>
+                <a:cs typeface="Calibri" panose="020F0502020204030204" pitchFamily="34" charset="0"/>
+              </a:rPr>
+              <a:t>“WLA must not be applied unless the S-102 and S-104 features are on the same vertical </a:t>
+            </a:r>
+            <a:r>
+              <a:rPr kumimoji="0" lang="en-US" altLang="en-US" sz="1400" b="0" i="0" u="none" strike="noStrike" cap="none" normalizeH="0" baseline="0" dirty="0">
+                <a:ln>
+                  <a:noFill/>
+                </a:ln>
+                <a:solidFill>
+                  <a:srgbClr val="FF0000"/>
+                </a:solidFill>
+                <a:effectLst/>
+                <a:latin typeface="Calibri" panose="020F0502020204030204" pitchFamily="34" charset="0"/>
+                <a:cs typeface="Calibri" panose="020F0502020204030204" pitchFamily="34" charset="0"/>
+              </a:rPr>
+              <a:t>or </a:t>
+            </a:r>
+            <a:r>
+              <a:rPr kumimoji="0" lang="en-US" altLang="en-US" sz="1400" b="1" i="0" u="none" strike="noStrike" cap="none" normalizeH="0" baseline="0" dirty="0">
+                <a:ln>
+                  <a:noFill/>
+                </a:ln>
+                <a:solidFill>
+                  <a:srgbClr val="FF0000"/>
+                </a:solidFill>
+                <a:effectLst/>
+                <a:latin typeface="Calibri" panose="020F0502020204030204" pitchFamily="34" charset="0"/>
+                <a:cs typeface="Calibri" panose="020F0502020204030204" pitchFamily="34" charset="0"/>
+              </a:rPr>
+              <a:t>[and?] </a:t>
+            </a:r>
+            <a:r>
+              <a:rPr kumimoji="0" lang="en-US" altLang="en-US" sz="1400" b="0" i="0" u="none" strike="noStrike" cap="none" normalizeH="0" baseline="0" dirty="0">
+                <a:ln>
+                  <a:noFill/>
+                </a:ln>
+                <a:solidFill>
+                  <a:srgbClr val="FF0000"/>
+                </a:solidFill>
+                <a:effectLst/>
+                <a:latin typeface="Calibri" panose="020F0502020204030204" pitchFamily="34" charset="0"/>
+                <a:cs typeface="Calibri" panose="020F0502020204030204" pitchFamily="34" charset="0"/>
+              </a:rPr>
+              <a:t>horizontal</a:t>
+            </a:r>
+            <a:r>
+              <a:rPr kumimoji="0" lang="en-US" altLang="en-US" sz="1400" b="0" i="0" u="none" strike="noStrike" cap="none" normalizeH="0" baseline="0" dirty="0">
+                <a:ln>
+                  <a:noFill/>
+                </a:ln>
+                <a:solidFill>
+                  <a:srgbClr val="00B050"/>
+                </a:solidFill>
+                <a:effectLst/>
+                <a:latin typeface="Calibri" panose="020F0502020204030204" pitchFamily="34" charset="0"/>
+                <a:cs typeface="Calibri" panose="020F0502020204030204" pitchFamily="34" charset="0"/>
+              </a:rPr>
+              <a:t> datum. If the S-102 and S-104 features are not on the same vertical datum then an indication “Incompatible vertical datums” must be given to the user.”</a:t>
+            </a:r>
+            <a:endParaRPr kumimoji="0" lang="en-US" altLang="en-US" sz="1400" b="0" i="0" u="none" strike="noStrike" cap="none" normalizeH="0" baseline="0" dirty="0">
+              <a:ln>
+                <a:noFill/>
+              </a:ln>
+              <a:solidFill>
+                <a:schemeClr val="tx1"/>
+              </a:solidFill>
+              <a:effectLst/>
+            </a:endParaRPr>
+          </a:p>
+          <a:p>
+            <a:pPr marL="171450" marR="0" lvl="0" indent="-171450" algn="l" defTabSz="914400" rtl="0" eaLnBrk="0" fontAlgn="base" latinLnBrk="0" hangingPunct="0">
+              <a:lnSpc>
+                <a:spcPct val="100000"/>
+              </a:lnSpc>
+              <a:spcBef>
+                <a:spcPct val="0"/>
+              </a:spcBef>
+              <a:spcAft>
+                <a:spcPct val="0"/>
+              </a:spcAft>
+              <a:buClrTx/>
+              <a:buSzTx/>
+              <a:buFont typeface="Arial" panose="020B0604020202020204" pitchFamily="34" charset="0"/>
+              <a:buChar char="•"/>
+              <a:tabLst/>
+            </a:pPr>
+            <a:r>
+              <a:rPr kumimoji="0" lang="en-US" altLang="en-US" sz="1400" b="0" i="0" u="none" strike="noStrike" cap="none" normalizeH="0" baseline="0" dirty="0">
+                <a:ln>
+                  <a:noFill/>
+                </a:ln>
+                <a:solidFill>
+                  <a:srgbClr val="242424"/>
+                </a:solidFill>
+                <a:effectLst/>
+                <a:latin typeface="Calibri" panose="020F0502020204030204" pitchFamily="34" charset="0"/>
+                <a:cs typeface="Calibri" panose="020F0502020204030204" pitchFamily="34" charset="0"/>
+              </a:rPr>
+              <a:t>This was raised as different horizonal CRS’s are allowed in S-104 and S-102, which has been causing issues when viewed on the ECDIS (Furuno). </a:t>
+            </a:r>
+            <a:endParaRPr kumimoji="0" lang="en-US" altLang="en-US" sz="1400" b="0" i="0" u="none" strike="noStrike" cap="none" normalizeH="0" baseline="0" dirty="0">
+              <a:ln>
+                <a:noFill/>
+              </a:ln>
+              <a:solidFill>
+                <a:schemeClr val="tx1"/>
+              </a:solidFill>
+              <a:effectLst/>
+            </a:endParaRPr>
+          </a:p>
+          <a:p>
+            <a:pPr marL="171450" marR="0" lvl="0" indent="-171450" algn="l" defTabSz="914400" rtl="0" eaLnBrk="0" fontAlgn="base" latinLnBrk="0" hangingPunct="0">
+              <a:lnSpc>
+                <a:spcPct val="100000"/>
+              </a:lnSpc>
+              <a:spcBef>
+                <a:spcPct val="0"/>
+              </a:spcBef>
+              <a:spcAft>
+                <a:spcPct val="0"/>
+              </a:spcAft>
+              <a:buClrTx/>
+              <a:buSzTx/>
+              <a:buFont typeface="Arial" panose="020B0604020202020204" pitchFamily="34" charset="0"/>
+              <a:buChar char="•"/>
+              <a:tabLst/>
+            </a:pPr>
+            <a:r>
+              <a:rPr kumimoji="0" lang="en-US" altLang="en-US" sz="1400" b="0" i="0" u="none" strike="noStrike" cap="none" normalizeH="0" baseline="0" dirty="0">
+                <a:ln>
+                  <a:noFill/>
+                </a:ln>
+                <a:solidFill>
+                  <a:srgbClr val="242424"/>
+                </a:solidFill>
+                <a:effectLst/>
+                <a:latin typeface="Calibri" panose="020F0502020204030204" pitchFamily="34" charset="0"/>
+                <a:cs typeface="Calibri" panose="020F0502020204030204" pitchFamily="34" charset="0"/>
+              </a:rPr>
+              <a:t>I am pretty sure that you are going to say that this was requested by S-102 and S-104, so I presume that it needs to go back to those PTs as feedback.  I have attached the slides from Furuno, they are having issues with the S-102 and S-104 not agreeing (see slides)</a:t>
+            </a:r>
+            <a:endParaRPr lang="en-US" altLang="en-US" sz="1400" dirty="0"/>
+          </a:p>
+          <a:p>
+            <a:pPr marL="171450" marR="0" lvl="0" indent="-171450" algn="l" defTabSz="914400" rtl="0" eaLnBrk="0" fontAlgn="base" latinLnBrk="0" hangingPunct="0">
+              <a:lnSpc>
+                <a:spcPct val="100000"/>
+              </a:lnSpc>
+              <a:spcBef>
+                <a:spcPct val="0"/>
+              </a:spcBef>
+              <a:spcAft>
+                <a:spcPct val="0"/>
+              </a:spcAft>
+              <a:buClrTx/>
+              <a:buSzTx/>
+              <a:buFont typeface="Arial" panose="020B0604020202020204" pitchFamily="34" charset="0"/>
+              <a:buChar char="•"/>
+              <a:tabLst/>
+            </a:pPr>
+            <a:r>
+              <a:rPr kumimoji="0" lang="en-US" altLang="en-US" sz="1400" b="0" i="0" u="none" strike="noStrike" cap="none" normalizeH="0" baseline="0" dirty="0">
+                <a:ln>
+                  <a:noFill/>
+                </a:ln>
+                <a:solidFill>
+                  <a:srgbClr val="242424"/>
+                </a:solidFill>
+                <a:effectLst/>
+                <a:latin typeface="Calibri" panose="020F0502020204030204" pitchFamily="34" charset="0"/>
+                <a:cs typeface="Calibri" panose="020F0502020204030204" pitchFamily="34" charset="0"/>
+              </a:rPr>
+              <a:t>If this cannot be stopped perhaps there can be a statement in the Data Constraints section or C-165 saying don’t use different horizontal CRS’s for S-102 and S-104.</a:t>
+            </a:r>
+            <a:endParaRPr kumimoji="0" lang="en-US" altLang="en-US" sz="1400" b="0" i="0" u="none" strike="noStrike" cap="none" normalizeH="0" baseline="0" dirty="0">
+              <a:ln>
+                <a:noFill/>
+              </a:ln>
+              <a:solidFill>
+                <a:schemeClr val="tx1"/>
+              </a:solidFill>
+              <a:effectLst/>
+            </a:endParaRPr>
+          </a:p>
+          <a:p>
+            <a:pPr marL="0" marR="0" lvl="0" indent="0" algn="l" defTabSz="914400" rtl="0" eaLnBrk="0" fontAlgn="base" latinLnBrk="0" hangingPunct="0">
+              <a:lnSpc>
+                <a:spcPct val="100000"/>
+              </a:lnSpc>
+              <a:spcBef>
+                <a:spcPct val="0"/>
+              </a:spcBef>
+              <a:spcAft>
+                <a:spcPct val="0"/>
+              </a:spcAft>
+              <a:buClrTx/>
+              <a:buSzTx/>
+              <a:buFontTx/>
+              <a:buNone/>
+              <a:tabLst/>
+            </a:pPr>
+            <a:r>
+              <a:rPr kumimoji="0" lang="en-US" altLang="en-US" sz="1400" b="0" i="0" u="none" strike="noStrike" cap="none" normalizeH="0" baseline="0" dirty="0">
+                <a:ln>
+                  <a:noFill/>
+                </a:ln>
+                <a:solidFill>
+                  <a:srgbClr val="242424"/>
+                </a:solidFill>
+                <a:effectLst/>
+                <a:latin typeface="Calibri" panose="020F0502020204030204" pitchFamily="34" charset="0"/>
+                <a:cs typeface="Calibri" panose="020F0502020204030204" pitchFamily="34" charset="0"/>
+              </a:rPr>
+              <a:t> </a:t>
+            </a:r>
+            <a:endParaRPr kumimoji="0" lang="en-US" altLang="en-US" sz="1400" b="0" i="0" u="none" strike="noStrike" cap="none" normalizeH="0" baseline="0" dirty="0">
+              <a:ln>
+                <a:noFill/>
+              </a:ln>
+              <a:solidFill>
+                <a:schemeClr val="tx1"/>
+              </a:solidFill>
+              <a:effectLst/>
+            </a:endParaRPr>
+          </a:p>
+          <a:p>
+            <a:pPr marL="0" marR="0" lvl="0" indent="0" algn="l" defTabSz="914400" rtl="0" eaLnBrk="0" fontAlgn="base" latinLnBrk="0" hangingPunct="0">
+              <a:lnSpc>
+                <a:spcPct val="100000"/>
+              </a:lnSpc>
+              <a:spcBef>
+                <a:spcPct val="0"/>
+              </a:spcBef>
+              <a:spcAft>
+                <a:spcPct val="0"/>
+              </a:spcAft>
+              <a:buClrTx/>
+              <a:buSzTx/>
+              <a:buFontTx/>
+              <a:buAutoNum type="arabicPeriod" startAt="2"/>
+              <a:tabLst/>
+            </a:pPr>
+            <a:r>
+              <a:rPr kumimoji="0" lang="en-US" altLang="en-US" sz="1400" b="0" i="0" u="none" strike="noStrike" cap="none" normalizeH="0" baseline="0" dirty="0">
+                <a:ln>
+                  <a:noFill/>
+                </a:ln>
+                <a:solidFill>
+                  <a:srgbClr val="242424"/>
+                </a:solidFill>
+                <a:effectLst/>
+                <a:latin typeface="Calibri" panose="020F0502020204030204" pitchFamily="34" charset="0"/>
+                <a:cs typeface="Calibri" panose="020F0502020204030204" pitchFamily="34" charset="0"/>
+              </a:rPr>
+              <a:t>Question over why </a:t>
+            </a:r>
+            <a:r>
+              <a:rPr kumimoji="0" lang="en-US" altLang="en-US" sz="1400" b="1" i="0" u="none" strike="noStrike" cap="none" normalizeH="0" baseline="0" dirty="0">
+                <a:ln>
+                  <a:noFill/>
+                </a:ln>
+                <a:solidFill>
+                  <a:srgbClr val="242424"/>
+                </a:solidFill>
+                <a:effectLst/>
+                <a:latin typeface="Calibri" panose="020F0502020204030204" pitchFamily="34" charset="0"/>
+                <a:cs typeface="Calibri" panose="020F0502020204030204" pitchFamily="34" charset="0"/>
+              </a:rPr>
+              <a:t>load</a:t>
+            </a:r>
+            <a:r>
+              <a:rPr kumimoji="0" lang="en-US" altLang="en-US" sz="1400" b="0" i="0" u="none" strike="noStrike" cap="none" normalizeH="0" baseline="0" dirty="0">
+                <a:ln>
+                  <a:noFill/>
+                </a:ln>
+                <a:solidFill>
+                  <a:srgbClr val="242424"/>
+                </a:solidFill>
+                <a:effectLst/>
+                <a:latin typeface="Calibri" panose="020F0502020204030204" pitchFamily="34" charset="0"/>
+                <a:cs typeface="Calibri" panose="020F0502020204030204" pitchFamily="34" charset="0"/>
+              </a:rPr>
+              <a:t> S-104 dataset into the ECDIS if the vertical datum doesn’t match the S-102 dataset.  If it cannot be viewed in the ECDIS and is only used for WLA, is there any need for it?  It was asked if S-128 could check when loading and stop the dataset loading.  I checked with Jens and he says it is an attribute of S-128 so the dataset doesn’t need to be unpacked. Would this be possible or is it a step too far?</a:t>
+            </a:r>
+            <a:endParaRPr kumimoji="0" lang="en-US" altLang="en-US" sz="1400" b="0" i="0" u="none" strike="noStrike" cap="none" normalizeH="0" baseline="0" dirty="0">
+              <a:ln>
+                <a:noFill/>
+              </a:ln>
+              <a:solidFill>
+                <a:srgbClr val="242424"/>
+              </a:solidFill>
+              <a:effectLst/>
+              <a:latin typeface="Segoe UI" panose="020B0502040204020203" pitchFamily="34" charset="0"/>
+              <a:cs typeface="Segoe UI" panose="020B0502040204020203" pitchFamily="34" charset="0"/>
+            </a:endParaRPr>
+          </a:p>
+          <a:p>
+            <a:pPr marL="0" marR="0" lvl="0" indent="0" algn="l" defTabSz="914400" rtl="0" eaLnBrk="0" fontAlgn="base" latinLnBrk="0" hangingPunct="0">
+              <a:lnSpc>
+                <a:spcPct val="100000"/>
+              </a:lnSpc>
+              <a:spcBef>
+                <a:spcPct val="0"/>
+              </a:spcBef>
+              <a:spcAft>
+                <a:spcPct val="0"/>
+              </a:spcAft>
+              <a:buClrTx/>
+              <a:buSzTx/>
+              <a:buFontTx/>
+              <a:buNone/>
+              <a:tabLst/>
+            </a:pPr>
+            <a:r>
+              <a:rPr kumimoji="0" lang="en-US" altLang="en-US" sz="1400" b="0" i="0" u="none" strike="noStrike" cap="none" normalizeH="0" baseline="0" dirty="0">
+                <a:ln>
+                  <a:noFill/>
+                </a:ln>
+                <a:solidFill>
+                  <a:srgbClr val="242424"/>
+                </a:solidFill>
+                <a:effectLst/>
+                <a:latin typeface="Calibri" panose="020F0502020204030204" pitchFamily="34" charset="0"/>
+                <a:cs typeface="Calibri" panose="020F0502020204030204" pitchFamily="34" charset="0"/>
+              </a:rPr>
+              <a:t> </a:t>
+            </a:r>
+            <a:endParaRPr kumimoji="0" lang="en-US" altLang="en-US" sz="1400" b="0" i="0" u="none" strike="noStrike" cap="none" normalizeH="0" baseline="0" dirty="0">
+              <a:ln>
+                <a:noFill/>
+              </a:ln>
+              <a:solidFill>
+                <a:schemeClr val="tx1"/>
+              </a:solidFill>
+              <a:effectLst/>
+            </a:endParaRPr>
+          </a:p>
+          <a:p>
+            <a:pPr marL="0" marR="0" lvl="0" indent="0" algn="l" defTabSz="914400" rtl="0" eaLnBrk="0" fontAlgn="base" latinLnBrk="0" hangingPunct="0">
+              <a:lnSpc>
+                <a:spcPct val="100000"/>
+              </a:lnSpc>
+              <a:spcBef>
+                <a:spcPct val="0"/>
+              </a:spcBef>
+              <a:spcAft>
+                <a:spcPct val="0"/>
+              </a:spcAft>
+              <a:buClrTx/>
+              <a:buSzTx/>
+              <a:buFontTx/>
+              <a:buAutoNum type="arabicPeriod" startAt="3"/>
+              <a:tabLst/>
+            </a:pPr>
+            <a:r>
+              <a:rPr kumimoji="0" lang="en-US" altLang="en-US" sz="1400" b="0" i="0" u="none" strike="noStrike" cap="none" normalizeH="0" baseline="0" dirty="0">
+                <a:ln>
+                  <a:noFill/>
+                </a:ln>
+                <a:solidFill>
+                  <a:srgbClr val="242424"/>
+                </a:solidFill>
+                <a:effectLst/>
+                <a:latin typeface="Calibri" panose="020F0502020204030204" pitchFamily="34" charset="0"/>
+                <a:cs typeface="Calibri" panose="020F0502020204030204" pitchFamily="34" charset="0"/>
+              </a:rPr>
+              <a:t>Something I noticed on the ECDIS, S-102 pick report was listing Adjusted Depth to 2 decimal places but the ECDIS (Furuno) displayed only one and the Sounding is listed as one.  I don’t know if this is an oversight or intended.  I asked Giuseppe and he doesn’t remember them ever discussing the number of decimal places in S-102 PT.</a:t>
+            </a:r>
+            <a:endParaRPr kumimoji="0" lang="en-US" altLang="en-US" sz="1400" b="0" i="0" u="none" strike="noStrike" cap="none" normalizeH="0" baseline="0" dirty="0">
+              <a:ln>
+                <a:noFill/>
+              </a:ln>
+              <a:solidFill>
+                <a:srgbClr val="242424"/>
+              </a:solidFill>
+              <a:effectLst/>
+              <a:latin typeface="Segoe UI" panose="020B0502040204020203" pitchFamily="34" charset="0"/>
+              <a:cs typeface="Segoe UI" panose="020B0502040204020203" pitchFamily="34" charset="0"/>
+            </a:endParaRPr>
           </a:p>
         </p:txBody>
       </p:sp>
     </p:spTree>
     <p:extLst>
       <p:ext uri="{BB962C8B-B14F-4D97-AF65-F5344CB8AC3E}">
-        <p14:creationId xmlns:p14="http://schemas.microsoft.com/office/powerpoint/2010/main" val="2911821798"/>
+        <p14:creationId xmlns:p14="http://schemas.microsoft.com/office/powerpoint/2010/main" val="3410219308"/>
       </p:ext>
     </p:extLst>
   </p:cSld>
@@ -8067,7 +11425,7 @@
           <p:cNvPr id="2" name="Title 1">
             <a:extLst>
               <a:ext uri="{FF2B5EF4-FFF2-40B4-BE49-F238E27FC236}">
-                <a16:creationId xmlns:a16="http://schemas.microsoft.com/office/drawing/2014/main" id="{C15713A5-83F1-2466-12AE-70B5C7AD61A1}"/>
+                <a16:creationId xmlns:a16="http://schemas.microsoft.com/office/drawing/2014/main" id="{62866868-325F-CF9E-43A5-9921CAB6FDD8}"/>
               </a:ext>
             </a:extLst>
           </p:cNvPr>
@@ -8078,776 +11436,56 @@
             <p:ph type="title"/>
           </p:nvPr>
         </p:nvSpPr>
-        <p:spPr>
-          <a:xfrm>
-            <a:off x="182880" y="346223"/>
-            <a:ext cx="10515600" cy="1325563"/>
-          </a:xfrm>
-        </p:spPr>
+        <p:spPr/>
         <p:txBody>
           <a:bodyPr/>
           <a:lstStyle/>
           <a:p>
             <a:r>
               <a:rPr lang="en-GB" dirty="0"/>
-              <a:t>BS E-Nav inputs</a:t>
-            </a:r>
-          </a:p>
-        </p:txBody>
-      </p:sp>
-      <p:sp>
-        <p:nvSpPr>
-          <p:cNvPr id="4" name="Rectangle 1">
-            <a:extLst>
-              <a:ext uri="{FF2B5EF4-FFF2-40B4-BE49-F238E27FC236}">
-                <a16:creationId xmlns:a16="http://schemas.microsoft.com/office/drawing/2014/main" id="{2D38BA50-56B4-9ED8-821F-5657FCC71293}"/>
+              <a:t>Other Inputs</a:t>
+            </a:r>
+          </a:p>
+        </p:txBody>
+      </p:sp>
+      <p:sp>
+        <p:nvSpPr>
+          <p:cNvPr id="3" name="Content Placeholder 2">
+            <a:extLst>
+              <a:ext uri="{FF2B5EF4-FFF2-40B4-BE49-F238E27FC236}">
+                <a16:creationId xmlns:a16="http://schemas.microsoft.com/office/drawing/2014/main" id="{0B9EE054-F54B-BEC7-CD7A-488ADB6FF42F}"/>
               </a:ext>
             </a:extLst>
           </p:cNvPr>
           <p:cNvSpPr>
-            <a:spLocks noChangeArrowheads="1"/>
+            <a:spLocks noGrp="1"/>
           </p:cNvSpPr>
-          <p:nvPr/>
-        </p:nvSpPr>
-        <p:spPr bwMode="auto">
-          <a:xfrm>
-            <a:off x="588180" y="1513379"/>
-            <a:ext cx="9705000" cy="4585871"/>
-          </a:xfrm>
-          <a:prstGeom prst="rect">
-            <a:avLst/>
-          </a:prstGeom>
-          <a:solidFill>
-            <a:srgbClr val="FFFFFF"/>
-          </a:solidFill>
-          <a:ln>
-            <a:noFill/>
-          </a:ln>
-          <a:effectLst/>
-          <a:extLst>
-            <a:ext uri="{91240B29-F687-4F45-9708-019B960494DF}">
-              <a14:hiddenLine xmlns:a14="http://schemas.microsoft.com/office/drawing/2010/main" w="9525">
-                <a:solidFill>
-                  <a:schemeClr val="tx1"/>
-                </a:solidFill>
-                <a:miter lim="800000"/>
-                <a:headEnd/>
-                <a:tailEnd/>
-              </a14:hiddenLine>
-            </a:ext>
-            <a:ext uri="{AF507438-7753-43E0-B8FC-AC1667EBCBE1}">
-              <a14:hiddenEffects xmlns:a14="http://schemas.microsoft.com/office/drawing/2010/main">
-                <a:effectLst>
-                  <a:outerShdw dist="35921" dir="2700000" algn="ctr" rotWithShape="0">
-                    <a:schemeClr val="bg2"/>
-                  </a:outerShdw>
-                </a:effectLst>
-              </a14:hiddenEffects>
-            </a:ext>
-          </a:extLst>
-        </p:spPr>
-        <p:txBody>
-          <a:bodyPr vert="horz" wrap="square" lIns="91440" tIns="45720" rIns="91440" bIns="45720" numCol="1" anchor="ctr" anchorCtr="0" compatLnSpc="1">
-            <a:prstTxWarp prst="textNoShape">
-              <a:avLst/>
-            </a:prstTxWarp>
-            <a:spAutoFit/>
-          </a:bodyPr>
-          <a:lstStyle>
-            <a:lvl1pPr eaLnBrk="0" fontAlgn="base" hangingPunct="0">
-              <a:spcBef>
-                <a:spcPct val="0"/>
-              </a:spcBef>
-              <a:spcAft>
-                <a:spcPct val="0"/>
-              </a:spcAft>
-              <a:defRPr>
-                <a:solidFill>
-                  <a:schemeClr val="tx1"/>
-                </a:solidFill>
-                <a:latin typeface="Arial" panose="020B0604020202020204" pitchFamily="34" charset="0"/>
-              </a:defRPr>
-            </a:lvl1pPr>
-            <a:lvl2pPr eaLnBrk="0" fontAlgn="base" hangingPunct="0">
-              <a:spcBef>
-                <a:spcPct val="0"/>
-              </a:spcBef>
-              <a:spcAft>
-                <a:spcPct val="0"/>
-              </a:spcAft>
-              <a:defRPr>
-                <a:solidFill>
-                  <a:schemeClr val="tx1"/>
-                </a:solidFill>
-                <a:latin typeface="Arial" panose="020B0604020202020204" pitchFamily="34" charset="0"/>
-              </a:defRPr>
-            </a:lvl2pPr>
-            <a:lvl3pPr eaLnBrk="0" fontAlgn="base" hangingPunct="0">
-              <a:spcBef>
-                <a:spcPct val="0"/>
-              </a:spcBef>
-              <a:spcAft>
-                <a:spcPct val="0"/>
-              </a:spcAft>
-              <a:defRPr>
-                <a:solidFill>
-                  <a:schemeClr val="tx1"/>
-                </a:solidFill>
-                <a:latin typeface="Arial" panose="020B0604020202020204" pitchFamily="34" charset="0"/>
-              </a:defRPr>
-            </a:lvl3pPr>
-            <a:lvl4pPr eaLnBrk="0" fontAlgn="base" hangingPunct="0">
-              <a:spcBef>
-                <a:spcPct val="0"/>
-              </a:spcBef>
-              <a:spcAft>
-                <a:spcPct val="0"/>
-              </a:spcAft>
-              <a:defRPr>
-                <a:solidFill>
-                  <a:schemeClr val="tx1"/>
-                </a:solidFill>
-                <a:latin typeface="Arial" panose="020B0604020202020204" pitchFamily="34" charset="0"/>
-              </a:defRPr>
-            </a:lvl4pPr>
-            <a:lvl5pPr eaLnBrk="0" fontAlgn="base" hangingPunct="0">
-              <a:spcBef>
-                <a:spcPct val="0"/>
-              </a:spcBef>
-              <a:spcAft>
-                <a:spcPct val="0"/>
-              </a:spcAft>
-              <a:defRPr>
-                <a:solidFill>
-                  <a:schemeClr val="tx1"/>
-                </a:solidFill>
-                <a:latin typeface="Arial" panose="020B0604020202020204" pitchFamily="34" charset="0"/>
-              </a:defRPr>
-            </a:lvl5pPr>
-            <a:lvl6pPr eaLnBrk="0" fontAlgn="base" hangingPunct="0">
-              <a:spcBef>
-                <a:spcPct val="0"/>
-              </a:spcBef>
-              <a:spcAft>
-                <a:spcPct val="0"/>
-              </a:spcAft>
-              <a:defRPr>
-                <a:solidFill>
-                  <a:schemeClr val="tx1"/>
-                </a:solidFill>
-                <a:latin typeface="Arial" panose="020B0604020202020204" pitchFamily="34" charset="0"/>
-              </a:defRPr>
-            </a:lvl6pPr>
-            <a:lvl7pPr eaLnBrk="0" fontAlgn="base" hangingPunct="0">
-              <a:spcBef>
-                <a:spcPct val="0"/>
-              </a:spcBef>
-              <a:spcAft>
-                <a:spcPct val="0"/>
-              </a:spcAft>
-              <a:defRPr>
-                <a:solidFill>
-                  <a:schemeClr val="tx1"/>
-                </a:solidFill>
-                <a:latin typeface="Arial" panose="020B0604020202020204" pitchFamily="34" charset="0"/>
-              </a:defRPr>
-            </a:lvl7pPr>
-            <a:lvl8pPr eaLnBrk="0" fontAlgn="base" hangingPunct="0">
-              <a:spcBef>
-                <a:spcPct val="0"/>
-              </a:spcBef>
-              <a:spcAft>
-                <a:spcPct val="0"/>
-              </a:spcAft>
-              <a:defRPr>
-                <a:solidFill>
-                  <a:schemeClr val="tx1"/>
-                </a:solidFill>
-                <a:latin typeface="Arial" panose="020B0604020202020204" pitchFamily="34" charset="0"/>
-              </a:defRPr>
-            </a:lvl8pPr>
-            <a:lvl9pPr eaLnBrk="0" fontAlgn="base" hangingPunct="0">
-              <a:spcBef>
-                <a:spcPct val="0"/>
-              </a:spcBef>
-              <a:spcAft>
-                <a:spcPct val="0"/>
-              </a:spcAft>
-              <a:defRPr>
-                <a:solidFill>
-                  <a:schemeClr val="tx1"/>
-                </a:solidFill>
-                <a:latin typeface="Arial" panose="020B0604020202020204" pitchFamily="34" charset="0"/>
-              </a:defRPr>
-            </a:lvl9pPr>
-          </a:lstStyle>
-          <a:p>
-            <a:pPr marL="0" marR="0" lvl="0" indent="0" algn="l" defTabSz="914400" rtl="0" eaLnBrk="0" fontAlgn="base" latinLnBrk="0" hangingPunct="0">
-              <a:lnSpc>
-                <a:spcPct val="100000"/>
-              </a:lnSpc>
-              <a:spcBef>
-                <a:spcPct val="0"/>
-              </a:spcBef>
-              <a:spcAft>
-                <a:spcPct val="0"/>
-              </a:spcAft>
-              <a:buClrTx/>
-              <a:buSzTx/>
-              <a:buFontTx/>
-              <a:buNone/>
-              <a:tabLst/>
-            </a:pPr>
-            <a:r>
-              <a:rPr kumimoji="0" lang="en-US" altLang="en-US" sz="1200" b="0" i="0" u="none" strike="noStrike" cap="none" normalizeH="0" baseline="0" dirty="0">
-                <a:ln>
-                  <a:noFill/>
-                </a:ln>
-                <a:solidFill>
-                  <a:srgbClr val="242424"/>
-                </a:solidFill>
-                <a:effectLst/>
-                <a:latin typeface="Calibri" panose="020F0502020204030204" pitchFamily="34" charset="0"/>
-                <a:cs typeface="Calibri" panose="020F0502020204030204" pitchFamily="34" charset="0"/>
-              </a:rPr>
-              <a:t> </a:t>
-            </a:r>
-            <a:endParaRPr kumimoji="0" lang="en-US" altLang="en-US" sz="500" b="0" i="0" u="none" strike="noStrike" cap="none" normalizeH="0" baseline="0" dirty="0">
-              <a:ln>
-                <a:noFill/>
-              </a:ln>
-              <a:solidFill>
-                <a:schemeClr val="tx1"/>
-              </a:solidFill>
-              <a:effectLst/>
-            </a:endParaRPr>
-          </a:p>
-          <a:p>
-            <a:pPr marL="0" marR="0" lvl="0" indent="0" algn="l" defTabSz="914400" rtl="0" eaLnBrk="0" fontAlgn="base" latinLnBrk="0" hangingPunct="0">
-              <a:lnSpc>
-                <a:spcPct val="100000"/>
-              </a:lnSpc>
-              <a:spcBef>
-                <a:spcPct val="0"/>
-              </a:spcBef>
-              <a:spcAft>
-                <a:spcPct val="0"/>
-              </a:spcAft>
-              <a:buClrTx/>
-              <a:buSzTx/>
-              <a:buFontTx/>
-              <a:buAutoNum type="arabicPeriod"/>
-              <a:tabLst/>
-            </a:pPr>
-            <a:r>
-              <a:rPr kumimoji="0" lang="en-US" altLang="en-US" sz="1400" b="0" i="0" u="none" strike="noStrike" cap="none" normalizeH="0" baseline="0" dirty="0">
-                <a:ln>
-                  <a:noFill/>
-                </a:ln>
-                <a:solidFill>
-                  <a:srgbClr val="242424"/>
-                </a:solidFill>
-                <a:effectLst/>
-                <a:latin typeface="Calibri" panose="020F0502020204030204" pitchFamily="34" charset="0"/>
-                <a:cs typeface="Calibri" panose="020F0502020204030204" pitchFamily="34" charset="0"/>
-              </a:rPr>
-              <a:t>Why is horizontal datum is not included in S-98 </a:t>
-            </a:r>
-            <a:r>
-              <a:rPr kumimoji="0" lang="en-US" altLang="en-US" sz="1400" b="1" i="0" u="none" strike="noStrike" cap="none" normalizeH="0" baseline="0" dirty="0">
-                <a:ln>
-                  <a:noFill/>
-                </a:ln>
-                <a:solidFill>
-                  <a:srgbClr val="242424"/>
-                </a:solidFill>
-                <a:effectLst/>
-                <a:latin typeface="Calibri" panose="020F0502020204030204" pitchFamily="34" charset="0"/>
-                <a:cs typeface="Calibri" panose="020F0502020204030204" pitchFamily="34" charset="0"/>
-              </a:rPr>
-              <a:t>D-1.2 Constraints on input data</a:t>
-            </a:r>
-            <a:r>
-              <a:rPr kumimoji="0" lang="en-US" altLang="en-US" sz="1400" b="0" i="0" u="none" strike="noStrike" cap="none" normalizeH="0" baseline="0" dirty="0">
-                <a:ln>
-                  <a:noFill/>
-                </a:ln>
-                <a:solidFill>
-                  <a:srgbClr val="242424"/>
-                </a:solidFill>
-                <a:effectLst/>
-                <a:latin typeface="Calibri" panose="020F0502020204030204" pitchFamily="34" charset="0"/>
-                <a:cs typeface="Calibri" panose="020F0502020204030204" pitchFamily="34" charset="0"/>
-              </a:rPr>
-              <a:t> and whether it should be:</a:t>
-            </a:r>
-            <a:endParaRPr kumimoji="0" lang="en-US" altLang="en-US" sz="1400" b="0" i="0" u="none" strike="noStrike" cap="none" normalizeH="0" baseline="0" dirty="0">
-              <a:ln>
-                <a:noFill/>
-              </a:ln>
-              <a:solidFill>
-                <a:srgbClr val="242424"/>
-              </a:solidFill>
-              <a:effectLst/>
-              <a:latin typeface="Segoe UI" panose="020B0502040204020203" pitchFamily="34" charset="0"/>
-              <a:cs typeface="Segoe UI" panose="020B0502040204020203" pitchFamily="34" charset="0"/>
-            </a:endParaRPr>
-          </a:p>
-          <a:p>
-            <a:pPr marL="0" marR="0" lvl="0" indent="0" algn="l" defTabSz="914400" rtl="0" eaLnBrk="0" fontAlgn="base" latinLnBrk="0" hangingPunct="0">
-              <a:lnSpc>
-                <a:spcPct val="100000"/>
-              </a:lnSpc>
-              <a:spcBef>
-                <a:spcPct val="0"/>
-              </a:spcBef>
-              <a:spcAft>
-                <a:spcPct val="0"/>
-              </a:spcAft>
-              <a:buClrTx/>
-              <a:buSzTx/>
-              <a:buFontTx/>
-              <a:buNone/>
-              <a:tabLst/>
-            </a:pPr>
-            <a:r>
-              <a:rPr kumimoji="0" lang="en-US" altLang="en-US" sz="1400" b="0" i="0" u="none" strike="noStrike" cap="none" normalizeH="0" baseline="0" dirty="0">
-                <a:ln>
-                  <a:noFill/>
-                </a:ln>
-                <a:solidFill>
-                  <a:srgbClr val="242424"/>
-                </a:solidFill>
-                <a:effectLst/>
-                <a:latin typeface="Calibri" panose="020F0502020204030204" pitchFamily="34" charset="0"/>
-                <a:cs typeface="Calibri" panose="020F0502020204030204" pitchFamily="34" charset="0"/>
-              </a:rPr>
-              <a:t> </a:t>
-            </a:r>
-            <a:endParaRPr kumimoji="0" lang="en-US" altLang="en-US" sz="1400" b="0" i="0" u="none" strike="noStrike" cap="none" normalizeH="0" baseline="0" dirty="0">
-              <a:ln>
-                <a:noFill/>
-              </a:ln>
-              <a:solidFill>
-                <a:schemeClr val="tx1"/>
-              </a:solidFill>
-              <a:effectLst/>
-            </a:endParaRPr>
-          </a:p>
-          <a:p>
-            <a:pPr marL="0" marR="0" lvl="0" indent="0" algn="l" defTabSz="914400" rtl="0" eaLnBrk="0" fontAlgn="base" latinLnBrk="0" hangingPunct="0">
-              <a:lnSpc>
-                <a:spcPct val="100000"/>
-              </a:lnSpc>
-              <a:spcBef>
-                <a:spcPct val="0"/>
-              </a:spcBef>
-              <a:spcAft>
-                <a:spcPct val="0"/>
-              </a:spcAft>
-              <a:buClrTx/>
-              <a:buSzTx/>
-              <a:buFontTx/>
-              <a:buNone/>
-              <a:tabLst/>
-            </a:pPr>
-            <a:r>
-              <a:rPr kumimoji="0" lang="en-US" altLang="en-US" sz="1400" b="0" i="0" u="none" strike="noStrike" cap="none" normalizeH="0" baseline="0" dirty="0">
-                <a:ln>
-                  <a:noFill/>
-                </a:ln>
-                <a:solidFill>
-                  <a:srgbClr val="00B050"/>
-                </a:solidFill>
-                <a:effectLst/>
-                <a:latin typeface="Calibri" panose="020F0502020204030204" pitchFamily="34" charset="0"/>
-                <a:cs typeface="Calibri" panose="020F0502020204030204" pitchFamily="34" charset="0"/>
-              </a:rPr>
-              <a:t>“WLA must not be applied unless the S-102 and S-104 features are on the same vertical </a:t>
-            </a:r>
-            <a:r>
-              <a:rPr kumimoji="0" lang="en-US" altLang="en-US" sz="1400" b="0" i="0" u="none" strike="noStrike" cap="none" normalizeH="0" baseline="0" dirty="0">
-                <a:ln>
-                  <a:noFill/>
-                </a:ln>
-                <a:solidFill>
-                  <a:srgbClr val="FF0000"/>
-                </a:solidFill>
-                <a:effectLst/>
-                <a:latin typeface="Calibri" panose="020F0502020204030204" pitchFamily="34" charset="0"/>
-                <a:cs typeface="Calibri" panose="020F0502020204030204" pitchFamily="34" charset="0"/>
-              </a:rPr>
-              <a:t>or </a:t>
-            </a:r>
-            <a:r>
-              <a:rPr kumimoji="0" lang="en-US" altLang="en-US" sz="1400" b="1" i="0" u="none" strike="noStrike" cap="none" normalizeH="0" baseline="0" dirty="0">
-                <a:ln>
-                  <a:noFill/>
-                </a:ln>
-                <a:solidFill>
-                  <a:srgbClr val="FF0000"/>
-                </a:solidFill>
-                <a:effectLst/>
-                <a:latin typeface="Calibri" panose="020F0502020204030204" pitchFamily="34" charset="0"/>
-                <a:cs typeface="Calibri" panose="020F0502020204030204" pitchFamily="34" charset="0"/>
-              </a:rPr>
-              <a:t>[and?] </a:t>
-            </a:r>
-            <a:r>
-              <a:rPr kumimoji="0" lang="en-US" altLang="en-US" sz="1400" b="0" i="0" u="none" strike="noStrike" cap="none" normalizeH="0" baseline="0" dirty="0">
-                <a:ln>
-                  <a:noFill/>
-                </a:ln>
-                <a:solidFill>
-                  <a:srgbClr val="FF0000"/>
-                </a:solidFill>
-                <a:effectLst/>
-                <a:latin typeface="Calibri" panose="020F0502020204030204" pitchFamily="34" charset="0"/>
-                <a:cs typeface="Calibri" panose="020F0502020204030204" pitchFamily="34" charset="0"/>
-              </a:rPr>
-              <a:t>horizontal</a:t>
-            </a:r>
-            <a:r>
-              <a:rPr kumimoji="0" lang="en-US" altLang="en-US" sz="1400" b="0" i="0" u="none" strike="noStrike" cap="none" normalizeH="0" baseline="0" dirty="0">
-                <a:ln>
-                  <a:noFill/>
-                </a:ln>
-                <a:solidFill>
-                  <a:srgbClr val="00B050"/>
-                </a:solidFill>
-                <a:effectLst/>
-                <a:latin typeface="Calibri" panose="020F0502020204030204" pitchFamily="34" charset="0"/>
-                <a:cs typeface="Calibri" panose="020F0502020204030204" pitchFamily="34" charset="0"/>
-              </a:rPr>
-              <a:t> datum. If the S-102 and S-104 features are not on the same vertical datum then an indication “Incompatible vertical datums” must be given to the user.”</a:t>
-            </a:r>
-            <a:endParaRPr kumimoji="0" lang="en-US" altLang="en-US" sz="1400" b="0" i="0" u="none" strike="noStrike" cap="none" normalizeH="0" baseline="0" dirty="0">
-              <a:ln>
-                <a:noFill/>
-              </a:ln>
-              <a:solidFill>
-                <a:schemeClr val="tx1"/>
-              </a:solidFill>
-              <a:effectLst/>
-            </a:endParaRPr>
-          </a:p>
-          <a:p>
-            <a:pPr marL="171450" marR="0" lvl="0" indent="-171450" algn="l" defTabSz="914400" rtl="0" eaLnBrk="0" fontAlgn="base" latinLnBrk="0" hangingPunct="0">
-              <a:lnSpc>
-                <a:spcPct val="100000"/>
-              </a:lnSpc>
-              <a:spcBef>
-                <a:spcPct val="0"/>
-              </a:spcBef>
-              <a:spcAft>
-                <a:spcPct val="0"/>
-              </a:spcAft>
-              <a:buClrTx/>
-              <a:buSzTx/>
-              <a:buFont typeface="Arial" panose="020B0604020202020204" pitchFamily="34" charset="0"/>
-              <a:buChar char="•"/>
-              <a:tabLst/>
-            </a:pPr>
-            <a:r>
-              <a:rPr kumimoji="0" lang="en-US" altLang="en-US" sz="1400" b="0" i="0" u="none" strike="noStrike" cap="none" normalizeH="0" baseline="0" dirty="0">
-                <a:ln>
-                  <a:noFill/>
-                </a:ln>
-                <a:solidFill>
-                  <a:srgbClr val="242424"/>
-                </a:solidFill>
-                <a:effectLst/>
-                <a:latin typeface="Calibri" panose="020F0502020204030204" pitchFamily="34" charset="0"/>
-                <a:cs typeface="Calibri" panose="020F0502020204030204" pitchFamily="34" charset="0"/>
-              </a:rPr>
-              <a:t>This was raised as different horizonal CRS’s are allowed in S-104 and S-102, which has been causing issues when viewed on the ECDIS (Furuno). </a:t>
-            </a:r>
-            <a:endParaRPr kumimoji="0" lang="en-US" altLang="en-US" sz="1400" b="0" i="0" u="none" strike="noStrike" cap="none" normalizeH="0" baseline="0" dirty="0">
-              <a:ln>
-                <a:noFill/>
-              </a:ln>
-              <a:solidFill>
-                <a:schemeClr val="tx1"/>
-              </a:solidFill>
-              <a:effectLst/>
-            </a:endParaRPr>
-          </a:p>
-          <a:p>
-            <a:pPr marL="171450" marR="0" lvl="0" indent="-171450" algn="l" defTabSz="914400" rtl="0" eaLnBrk="0" fontAlgn="base" latinLnBrk="0" hangingPunct="0">
-              <a:lnSpc>
-                <a:spcPct val="100000"/>
-              </a:lnSpc>
-              <a:spcBef>
-                <a:spcPct val="0"/>
-              </a:spcBef>
-              <a:spcAft>
-                <a:spcPct val="0"/>
-              </a:spcAft>
-              <a:buClrTx/>
-              <a:buSzTx/>
-              <a:buFont typeface="Arial" panose="020B0604020202020204" pitchFamily="34" charset="0"/>
-              <a:buChar char="•"/>
-              <a:tabLst/>
-            </a:pPr>
-            <a:r>
-              <a:rPr kumimoji="0" lang="en-US" altLang="en-US" sz="1400" b="0" i="0" u="none" strike="noStrike" cap="none" normalizeH="0" baseline="0" dirty="0">
-                <a:ln>
-                  <a:noFill/>
-                </a:ln>
-                <a:solidFill>
-                  <a:srgbClr val="242424"/>
-                </a:solidFill>
-                <a:effectLst/>
-                <a:latin typeface="Calibri" panose="020F0502020204030204" pitchFamily="34" charset="0"/>
-                <a:cs typeface="Calibri" panose="020F0502020204030204" pitchFamily="34" charset="0"/>
-              </a:rPr>
-              <a:t>I am pretty sure that you are going to say that this was requested by S-102 and S-104, so I presume that it needs to go back to those PTs as feedback.  I have attached the slides from Furuno, they are having issues with the S-102 and S-104 not agreeing (see slides)</a:t>
-            </a:r>
-            <a:endParaRPr lang="en-US" altLang="en-US" sz="1400" dirty="0"/>
-          </a:p>
-          <a:p>
-            <a:pPr marL="171450" marR="0" lvl="0" indent="-171450" algn="l" defTabSz="914400" rtl="0" eaLnBrk="0" fontAlgn="base" latinLnBrk="0" hangingPunct="0">
-              <a:lnSpc>
-                <a:spcPct val="100000"/>
-              </a:lnSpc>
-              <a:spcBef>
-                <a:spcPct val="0"/>
-              </a:spcBef>
-              <a:spcAft>
-                <a:spcPct val="0"/>
-              </a:spcAft>
-              <a:buClrTx/>
-              <a:buSzTx/>
-              <a:buFont typeface="Arial" panose="020B0604020202020204" pitchFamily="34" charset="0"/>
-              <a:buChar char="•"/>
-              <a:tabLst/>
-            </a:pPr>
-            <a:r>
-              <a:rPr kumimoji="0" lang="en-US" altLang="en-US" sz="1400" b="0" i="0" u="none" strike="noStrike" cap="none" normalizeH="0" baseline="0" dirty="0">
-                <a:ln>
-                  <a:noFill/>
-                </a:ln>
-                <a:solidFill>
-                  <a:srgbClr val="242424"/>
-                </a:solidFill>
-                <a:effectLst/>
-                <a:latin typeface="Calibri" panose="020F0502020204030204" pitchFamily="34" charset="0"/>
-                <a:cs typeface="Calibri" panose="020F0502020204030204" pitchFamily="34" charset="0"/>
-              </a:rPr>
-              <a:t>If this cannot be stopped perhaps there can be a statement in the Data Constraints section or C-165 saying don’t use different horizontal CRS’s for S-102 and S-104.</a:t>
-            </a:r>
-            <a:endParaRPr kumimoji="0" lang="en-US" altLang="en-US" sz="1400" b="0" i="0" u="none" strike="noStrike" cap="none" normalizeH="0" baseline="0" dirty="0">
-              <a:ln>
-                <a:noFill/>
-              </a:ln>
-              <a:solidFill>
-                <a:schemeClr val="tx1"/>
-              </a:solidFill>
-              <a:effectLst/>
-            </a:endParaRPr>
-          </a:p>
-          <a:p>
-            <a:pPr marL="0" marR="0" lvl="0" indent="0" algn="l" defTabSz="914400" rtl="0" eaLnBrk="0" fontAlgn="base" latinLnBrk="0" hangingPunct="0">
-              <a:lnSpc>
-                <a:spcPct val="100000"/>
-              </a:lnSpc>
-              <a:spcBef>
-                <a:spcPct val="0"/>
-              </a:spcBef>
-              <a:spcAft>
-                <a:spcPct val="0"/>
-              </a:spcAft>
-              <a:buClrTx/>
-              <a:buSzTx/>
-              <a:buFontTx/>
-              <a:buNone/>
-              <a:tabLst/>
-            </a:pPr>
-            <a:r>
-              <a:rPr kumimoji="0" lang="en-US" altLang="en-US" sz="1400" b="0" i="0" u="none" strike="noStrike" cap="none" normalizeH="0" baseline="0" dirty="0">
-                <a:ln>
-                  <a:noFill/>
-                </a:ln>
-                <a:solidFill>
-                  <a:srgbClr val="242424"/>
-                </a:solidFill>
-                <a:effectLst/>
-                <a:latin typeface="Calibri" panose="020F0502020204030204" pitchFamily="34" charset="0"/>
-                <a:cs typeface="Calibri" panose="020F0502020204030204" pitchFamily="34" charset="0"/>
-              </a:rPr>
-              <a:t> </a:t>
-            </a:r>
-            <a:endParaRPr kumimoji="0" lang="en-US" altLang="en-US" sz="1400" b="0" i="0" u="none" strike="noStrike" cap="none" normalizeH="0" baseline="0" dirty="0">
-              <a:ln>
-                <a:noFill/>
-              </a:ln>
-              <a:solidFill>
-                <a:schemeClr val="tx1"/>
-              </a:solidFill>
-              <a:effectLst/>
-            </a:endParaRPr>
-          </a:p>
-          <a:p>
-            <a:pPr marL="0" marR="0" lvl="0" indent="0" algn="l" defTabSz="914400" rtl="0" eaLnBrk="0" fontAlgn="base" latinLnBrk="0" hangingPunct="0">
-              <a:lnSpc>
-                <a:spcPct val="100000"/>
-              </a:lnSpc>
-              <a:spcBef>
-                <a:spcPct val="0"/>
-              </a:spcBef>
-              <a:spcAft>
-                <a:spcPct val="0"/>
-              </a:spcAft>
-              <a:buClrTx/>
-              <a:buSzTx/>
-              <a:buFontTx/>
-              <a:buAutoNum type="arabicPeriod" startAt="2"/>
-              <a:tabLst/>
-            </a:pPr>
-            <a:r>
-              <a:rPr kumimoji="0" lang="en-US" altLang="en-US" sz="1400" b="0" i="0" u="none" strike="noStrike" cap="none" normalizeH="0" baseline="0" dirty="0">
-                <a:ln>
-                  <a:noFill/>
-                </a:ln>
-                <a:solidFill>
-                  <a:srgbClr val="242424"/>
-                </a:solidFill>
-                <a:effectLst/>
-                <a:latin typeface="Calibri" panose="020F0502020204030204" pitchFamily="34" charset="0"/>
-                <a:cs typeface="Calibri" panose="020F0502020204030204" pitchFamily="34" charset="0"/>
-              </a:rPr>
-              <a:t>Question over why </a:t>
-            </a:r>
-            <a:r>
-              <a:rPr kumimoji="0" lang="en-US" altLang="en-US" sz="1400" b="1" i="0" u="none" strike="noStrike" cap="none" normalizeH="0" baseline="0" dirty="0">
-                <a:ln>
-                  <a:noFill/>
-                </a:ln>
-                <a:solidFill>
-                  <a:srgbClr val="242424"/>
-                </a:solidFill>
-                <a:effectLst/>
-                <a:latin typeface="Calibri" panose="020F0502020204030204" pitchFamily="34" charset="0"/>
-                <a:cs typeface="Calibri" panose="020F0502020204030204" pitchFamily="34" charset="0"/>
-              </a:rPr>
-              <a:t>load</a:t>
-            </a:r>
-            <a:r>
-              <a:rPr kumimoji="0" lang="en-US" altLang="en-US" sz="1400" b="0" i="0" u="none" strike="noStrike" cap="none" normalizeH="0" baseline="0" dirty="0">
-                <a:ln>
-                  <a:noFill/>
-                </a:ln>
-                <a:solidFill>
-                  <a:srgbClr val="242424"/>
-                </a:solidFill>
-                <a:effectLst/>
-                <a:latin typeface="Calibri" panose="020F0502020204030204" pitchFamily="34" charset="0"/>
-                <a:cs typeface="Calibri" panose="020F0502020204030204" pitchFamily="34" charset="0"/>
-              </a:rPr>
-              <a:t> S-104 dataset into the ECDIS if the vertical datum doesn’t match the S-102 dataset.  If it cannot be viewed in the ECDIS and is only used for WLA, is there any need for it?  It was asked if S-128 could check when loading and stop the dataset loading.  I checked with Jens and he says it is an attribute of S-128 so the dataset doesn’t need to be unpacked. Would this be possible or is it a step too far?</a:t>
-            </a:r>
-            <a:endParaRPr kumimoji="0" lang="en-US" altLang="en-US" sz="1400" b="0" i="0" u="none" strike="noStrike" cap="none" normalizeH="0" baseline="0" dirty="0">
-              <a:ln>
-                <a:noFill/>
-              </a:ln>
-              <a:solidFill>
-                <a:srgbClr val="242424"/>
-              </a:solidFill>
-              <a:effectLst/>
-              <a:latin typeface="Segoe UI" panose="020B0502040204020203" pitchFamily="34" charset="0"/>
-              <a:cs typeface="Segoe UI" panose="020B0502040204020203" pitchFamily="34" charset="0"/>
-            </a:endParaRPr>
-          </a:p>
-          <a:p>
-            <a:pPr marL="0" marR="0" lvl="0" indent="0" algn="l" defTabSz="914400" rtl="0" eaLnBrk="0" fontAlgn="base" latinLnBrk="0" hangingPunct="0">
-              <a:lnSpc>
-                <a:spcPct val="100000"/>
-              </a:lnSpc>
-              <a:spcBef>
-                <a:spcPct val="0"/>
-              </a:spcBef>
-              <a:spcAft>
-                <a:spcPct val="0"/>
-              </a:spcAft>
-              <a:buClrTx/>
-              <a:buSzTx/>
-              <a:buFontTx/>
-              <a:buNone/>
-              <a:tabLst/>
-            </a:pPr>
-            <a:r>
-              <a:rPr kumimoji="0" lang="en-US" altLang="en-US" sz="1400" b="0" i="0" u="none" strike="noStrike" cap="none" normalizeH="0" baseline="0" dirty="0">
-                <a:ln>
-                  <a:noFill/>
-                </a:ln>
-                <a:solidFill>
-                  <a:srgbClr val="242424"/>
-                </a:solidFill>
-                <a:effectLst/>
-                <a:latin typeface="Calibri" panose="020F0502020204030204" pitchFamily="34" charset="0"/>
-                <a:cs typeface="Calibri" panose="020F0502020204030204" pitchFamily="34" charset="0"/>
-              </a:rPr>
-              <a:t> </a:t>
-            </a:r>
-            <a:endParaRPr kumimoji="0" lang="en-US" altLang="en-US" sz="1400" b="0" i="0" u="none" strike="noStrike" cap="none" normalizeH="0" baseline="0" dirty="0">
-              <a:ln>
-                <a:noFill/>
-              </a:ln>
-              <a:solidFill>
-                <a:schemeClr val="tx1"/>
-              </a:solidFill>
-              <a:effectLst/>
-            </a:endParaRPr>
-          </a:p>
-          <a:p>
-            <a:pPr marL="0" marR="0" lvl="0" indent="0" algn="l" defTabSz="914400" rtl="0" eaLnBrk="0" fontAlgn="base" latinLnBrk="0" hangingPunct="0">
-              <a:lnSpc>
-                <a:spcPct val="100000"/>
-              </a:lnSpc>
-              <a:spcBef>
-                <a:spcPct val="0"/>
-              </a:spcBef>
-              <a:spcAft>
-                <a:spcPct val="0"/>
-              </a:spcAft>
-              <a:buClrTx/>
-              <a:buSzTx/>
-              <a:buFontTx/>
-              <a:buAutoNum type="arabicPeriod" startAt="3"/>
-              <a:tabLst/>
-            </a:pPr>
-            <a:r>
-              <a:rPr kumimoji="0" lang="en-US" altLang="en-US" sz="1400" b="0" i="0" u="none" strike="noStrike" cap="none" normalizeH="0" baseline="0" dirty="0">
-                <a:ln>
-                  <a:noFill/>
-                </a:ln>
-                <a:solidFill>
-                  <a:srgbClr val="242424"/>
-                </a:solidFill>
-                <a:effectLst/>
-                <a:latin typeface="Calibri" panose="020F0502020204030204" pitchFamily="34" charset="0"/>
-                <a:cs typeface="Calibri" panose="020F0502020204030204" pitchFamily="34" charset="0"/>
-              </a:rPr>
-              <a:t>Something I noticed on the ECDIS, S-102 pick report was listing Adjusted Depth to 2 decimal places but the ECDIS (Furuno) displayed only one and the Sounding is listed as one.  I don’t know if this is an oversight or intended.  I asked Giuseppe and he doesn’t remember them ever discussing the number of decimal places in S-102 PT.</a:t>
-            </a:r>
-            <a:endParaRPr kumimoji="0" lang="en-US" altLang="en-US" sz="1400" b="0" i="0" u="none" strike="noStrike" cap="none" normalizeH="0" baseline="0" dirty="0">
-              <a:ln>
-                <a:noFill/>
-              </a:ln>
-              <a:solidFill>
-                <a:srgbClr val="242424"/>
-              </a:solidFill>
-              <a:effectLst/>
-              <a:latin typeface="Segoe UI" panose="020B0502040204020203" pitchFamily="34" charset="0"/>
-              <a:cs typeface="Segoe UI" panose="020B0502040204020203" pitchFamily="34" charset="0"/>
-            </a:endParaRPr>
+          <p:nvPr>
+            <p:ph idx="1"/>
+          </p:nvPr>
+        </p:nvSpPr>
+        <p:spPr/>
+        <p:txBody>
+          <a:bodyPr/>
+          <a:lstStyle/>
+          <a:p>
+            <a:r>
+              <a:rPr lang="en-GB" dirty="0"/>
+              <a:t>BS E-Nav Inputs</a:t>
+            </a:r>
+          </a:p>
+          <a:p>
+            <a:r>
+              <a:rPr lang="en-GB" dirty="0"/>
+              <a:t>UKHO Paper, S-104 naming</a:t>
+            </a:r>
           </a:p>
         </p:txBody>
       </p:sp>
     </p:spTree>
     <p:extLst>
       <p:ext uri="{BB962C8B-B14F-4D97-AF65-F5344CB8AC3E}">
-        <p14:creationId xmlns:p14="http://schemas.microsoft.com/office/powerpoint/2010/main" val="3410219308"/>
+        <p14:creationId xmlns:p14="http://schemas.microsoft.com/office/powerpoint/2010/main" val="2911821798"/>
       </p:ext>
     </p:extLst>
   </p:cSld>
@@ -8858,442 +11496,6 @@
 </file>
 
 <file path=ppt/slides/slide16.xml><?xml version="1.0" encoding="utf-8"?>
-<p:sld xmlns:a="http://schemas.openxmlformats.org/drawingml/2006/main" xmlns:r="http://schemas.openxmlformats.org/officeDocument/2006/relationships" xmlns:p="http://schemas.openxmlformats.org/presentationml/2006/main">
-  <p:cSld>
-    <p:spTree>
-      <p:nvGrpSpPr>
-        <p:cNvPr id="1" name=""/>
-        <p:cNvGrpSpPr/>
-        <p:nvPr/>
-      </p:nvGrpSpPr>
-      <p:grpSpPr>
-        <a:xfrm>
-          <a:off x="0" y="0"/>
-          <a:ext cx="0" cy="0"/>
-          <a:chOff x="0" y="0"/>
-          <a:chExt cx="0" cy="0"/>
-        </a:xfrm>
-      </p:grpSpPr>
-      <p:sp>
-        <p:nvSpPr>
-          <p:cNvPr id="2" name="Title 1">
-            <a:extLst>
-              <a:ext uri="{FF2B5EF4-FFF2-40B4-BE49-F238E27FC236}">
-                <a16:creationId xmlns:a16="http://schemas.microsoft.com/office/drawing/2014/main" id="{A7563CC1-E61C-88F6-10C9-22058E0084E8}"/>
-              </a:ext>
-            </a:extLst>
-          </p:cNvPr>
-          <p:cNvSpPr>
-            <a:spLocks noGrp="1"/>
-          </p:cNvSpPr>
-          <p:nvPr>
-            <p:ph type="title"/>
-          </p:nvPr>
-        </p:nvSpPr>
-        <p:spPr>
-          <a:xfrm>
-            <a:off x="190200" y="192325"/>
-            <a:ext cx="10515600" cy="822875"/>
-          </a:xfrm>
-        </p:spPr>
-        <p:txBody>
-          <a:bodyPr/>
-          <a:lstStyle/>
-          <a:p>
-            <a:r>
-              <a:rPr lang="en-GB" dirty="0"/>
-              <a:t>UKHO Paper on S-104 naming conventions</a:t>
-            </a:r>
-          </a:p>
-        </p:txBody>
-      </p:sp>
-      <p:sp>
-        <p:nvSpPr>
-          <p:cNvPr id="3" name="Content Placeholder 2">
-            <a:extLst>
-              <a:ext uri="{FF2B5EF4-FFF2-40B4-BE49-F238E27FC236}">
-                <a16:creationId xmlns:a16="http://schemas.microsoft.com/office/drawing/2014/main" id="{5D403907-8C97-9FFA-8CD6-72696D55C9F8}"/>
-              </a:ext>
-            </a:extLst>
-          </p:cNvPr>
-          <p:cNvSpPr>
-            <a:spLocks noGrp="1"/>
-          </p:cNvSpPr>
-          <p:nvPr>
-            <p:ph idx="1"/>
-          </p:nvPr>
-        </p:nvSpPr>
-        <p:spPr>
-          <a:xfrm>
-            <a:off x="838200" y="1015200"/>
-            <a:ext cx="10515600" cy="5842799"/>
-          </a:xfrm>
-        </p:spPr>
-        <p:txBody>
-          <a:bodyPr>
-            <a:normAutofit fontScale="92500" lnSpcReduction="20000"/>
-          </a:bodyPr>
-          <a:lstStyle/>
-          <a:p>
-            <a:pPr algn="just">
-              <a:lnSpc>
-                <a:spcPct val="107000"/>
-              </a:lnSpc>
-              <a:spcAft>
-                <a:spcPts val="800"/>
-              </a:spcAft>
-              <a:buNone/>
-            </a:pPr>
-            <a:r>
-              <a:rPr lang="en-US" sz="1600" b="1" dirty="0">
-                <a:effectLst/>
-                <a:latin typeface="Aptos Narrow" panose="020B0004020202020204" pitchFamily="34" charset="0"/>
-                <a:ea typeface="Calibri" panose="020F0502020204030204" pitchFamily="34" charset="0"/>
-                <a:cs typeface="Arial" panose="020B0604020202020204" pitchFamily="34" charset="0"/>
-              </a:rPr>
-              <a:t>Recommendations</a:t>
-            </a:r>
-            <a:endParaRPr lang="en-GB" sz="1600" dirty="0">
-              <a:effectLst/>
-              <a:latin typeface="Calibri" panose="020F0502020204030204" pitchFamily="34" charset="0"/>
-              <a:ea typeface="Calibri" panose="020F0502020204030204" pitchFamily="34" charset="0"/>
-              <a:cs typeface="Times New Roman" panose="02020603050405020304" pitchFamily="18" charset="0"/>
-            </a:endParaRPr>
-          </a:p>
-          <a:p>
-            <a:pPr marL="342900" lvl="0" indent="-342900" algn="just">
-              <a:lnSpc>
-                <a:spcPct val="107000"/>
-              </a:lnSpc>
-              <a:spcAft>
-                <a:spcPts val="800"/>
-              </a:spcAft>
-              <a:buFont typeface="Aptos Narrow" panose="020B0004020202020204" pitchFamily="34" charset="0"/>
-              <a:buChar char="-"/>
-            </a:pPr>
-            <a:r>
-              <a:rPr lang="en-US" sz="1600" dirty="0">
-                <a:effectLst/>
-                <a:latin typeface="Aptos Narrow" panose="020B0004020202020204" pitchFamily="34" charset="0"/>
-                <a:ea typeface="Calibri" panose="020F0502020204030204" pitchFamily="34" charset="0"/>
-                <a:cs typeface="Arial" panose="020B0604020202020204" pitchFamily="34" charset="0"/>
-              </a:rPr>
-              <a:t>We remove date and timestamps from S-104 and S-111 dataset ids so that there is a way to relate a new successor data set to a previously installed data set within the ECDIS. The temporal extends fields in the discovery meta data already provide you date/time information.</a:t>
-            </a:r>
-            <a:endParaRPr lang="en-GB" sz="1600" dirty="0">
-              <a:effectLst/>
-              <a:latin typeface="Calibri" panose="020F0502020204030204" pitchFamily="34" charset="0"/>
-              <a:ea typeface="Calibri" panose="020F0502020204030204" pitchFamily="34" charset="0"/>
-              <a:cs typeface="Arial" panose="020B0604020202020204" pitchFamily="34" charset="0"/>
-            </a:endParaRPr>
-          </a:p>
-          <a:p>
-            <a:pPr marL="342900" lvl="0" indent="-342900" algn="just">
-              <a:lnSpc>
-                <a:spcPct val="107000"/>
-              </a:lnSpc>
-              <a:spcAft>
-                <a:spcPts val="800"/>
-              </a:spcAft>
-              <a:buFont typeface="Aptos Narrow" panose="020B0004020202020204" pitchFamily="34" charset="0"/>
-              <a:buChar char="-"/>
-            </a:pPr>
-            <a:r>
-              <a:rPr lang="en-US" sz="1600" dirty="0">
-                <a:effectLst/>
-                <a:latin typeface="Aptos Narrow" panose="020B0004020202020204" pitchFamily="34" charset="0"/>
-                <a:ea typeface="Calibri" panose="020F0502020204030204" pitchFamily="34" charset="0"/>
-                <a:cs typeface="Arial" panose="020B0604020202020204" pitchFamily="34" charset="0"/>
-              </a:rPr>
-              <a:t>New Editions or updates are considered a suitable update mechanism for S-104 and S-111 to remove the burden of constantly having to generate new permit strings for successor data sets.</a:t>
-            </a:r>
-            <a:endParaRPr lang="en-GB" sz="1600" dirty="0">
-              <a:effectLst/>
-              <a:latin typeface="Calibri" panose="020F0502020204030204" pitchFamily="34" charset="0"/>
-              <a:ea typeface="Calibri" panose="020F0502020204030204" pitchFamily="34" charset="0"/>
-              <a:cs typeface="Times New Roman" panose="02020603050405020304" pitchFamily="18" charset="0"/>
-            </a:endParaRPr>
-          </a:p>
-          <a:p>
-            <a:pPr algn="just">
-              <a:lnSpc>
-                <a:spcPct val="107000"/>
-              </a:lnSpc>
-              <a:spcBef>
-                <a:spcPts val="1200"/>
-              </a:spcBef>
-              <a:spcAft>
-                <a:spcPts val="800"/>
-              </a:spcAft>
-              <a:buNone/>
-            </a:pPr>
-            <a:r>
-              <a:rPr lang="en-AU" sz="1600" b="1" dirty="0">
-                <a:effectLst/>
-                <a:latin typeface="Aptos Narrow" panose="020B0004020202020204" pitchFamily="34" charset="0"/>
-                <a:ea typeface="Times New Roman" panose="02020603050405020304" pitchFamily="18" charset="0"/>
-                <a:cs typeface="Times New Roman" panose="02020603050405020304" pitchFamily="18" charset="0"/>
-              </a:rPr>
-              <a:t>Action Required of S-98/164 SG</a:t>
-            </a:r>
-            <a:endParaRPr lang="en-GB" sz="1600" dirty="0">
-              <a:effectLst/>
-              <a:latin typeface="Calibri" panose="020F0502020204030204" pitchFamily="34" charset="0"/>
-              <a:ea typeface="Calibri" panose="020F0502020204030204" pitchFamily="34" charset="0"/>
-              <a:cs typeface="Times New Roman" panose="02020603050405020304" pitchFamily="18" charset="0"/>
-            </a:endParaRPr>
-          </a:p>
-          <a:p>
-            <a:pPr marL="342900" lvl="0" indent="-342900" algn="just">
-              <a:lnSpc>
-                <a:spcPct val="107000"/>
-              </a:lnSpc>
-              <a:spcAft>
-                <a:spcPts val="800"/>
-              </a:spcAft>
-              <a:buFont typeface="Aptos Narrow" panose="020B0004020202020204" pitchFamily="34" charset="0"/>
-              <a:buChar char="-"/>
-            </a:pPr>
-            <a:r>
-              <a:rPr lang="en-US" sz="1600" dirty="0">
-                <a:effectLst/>
-                <a:latin typeface="Aptos Narrow" panose="020B0004020202020204" pitchFamily="34" charset="0"/>
-                <a:ea typeface="Calibri" panose="020F0502020204030204" pitchFamily="34" charset="0"/>
-                <a:cs typeface="Arial" panose="020B0604020202020204" pitchFamily="34" charset="0"/>
-              </a:rPr>
-              <a:t>Note and discuss the issues raised with the paper.</a:t>
-            </a:r>
-            <a:endParaRPr lang="en-GB" sz="1600" dirty="0">
-              <a:effectLst/>
-              <a:latin typeface="Calibri" panose="020F0502020204030204" pitchFamily="34" charset="0"/>
-              <a:ea typeface="Calibri" panose="020F0502020204030204" pitchFamily="34" charset="0"/>
-              <a:cs typeface="Arial" panose="020B0604020202020204" pitchFamily="34" charset="0"/>
-            </a:endParaRPr>
-          </a:p>
-          <a:p>
-            <a:pPr marL="342900" lvl="0" indent="-342900" algn="just">
-              <a:lnSpc>
-                <a:spcPct val="107000"/>
-              </a:lnSpc>
-              <a:spcAft>
-                <a:spcPts val="800"/>
-              </a:spcAft>
-              <a:buFont typeface="Aptos Narrow" panose="020B0004020202020204" pitchFamily="34" charset="0"/>
-              <a:buChar char="-"/>
-            </a:pPr>
-            <a:r>
-              <a:rPr lang="en-US" sz="1600" dirty="0">
-                <a:effectLst/>
-                <a:latin typeface="Aptos Narrow" panose="020B0004020202020204" pitchFamily="34" charset="0"/>
-                <a:ea typeface="Calibri" panose="020F0502020204030204" pitchFamily="34" charset="0"/>
-                <a:cs typeface="Arial" panose="020B0604020202020204" pitchFamily="34" charset="0"/>
-              </a:rPr>
-              <a:t>S-98 should devise a suitable mechanism and provide guidance for data servers to be able to distribute updates to S-104 and S-111 data sets without forcing the mariner to constantly generate new datasets and permits.</a:t>
-            </a:r>
-            <a:endParaRPr lang="en-GB" sz="1600" dirty="0">
-              <a:effectLst/>
-              <a:latin typeface="Calibri" panose="020F0502020204030204" pitchFamily="34" charset="0"/>
-              <a:ea typeface="Calibri" panose="020F0502020204030204" pitchFamily="34" charset="0"/>
-              <a:cs typeface="Arial" panose="020B0604020202020204" pitchFamily="34" charset="0"/>
-            </a:endParaRPr>
-          </a:p>
-          <a:p>
-            <a:pPr marL="228600" algn="just">
-              <a:lnSpc>
-                <a:spcPct val="107000"/>
-              </a:lnSpc>
-              <a:spcAft>
-                <a:spcPts val="800"/>
-              </a:spcAft>
-              <a:buNone/>
-            </a:pPr>
-            <a:r>
-              <a:rPr lang="en-AU" sz="1600" b="1" dirty="0">
-                <a:effectLst/>
-                <a:latin typeface="Aptos Narrow" panose="020B0004020202020204" pitchFamily="34" charset="0"/>
-                <a:ea typeface="Times New Roman" panose="02020603050405020304" pitchFamily="18" charset="0"/>
-                <a:cs typeface="Times New Roman" panose="02020603050405020304" pitchFamily="18" charset="0"/>
-              </a:rPr>
-              <a:t>Action Required of TWLWG</a:t>
-            </a:r>
-            <a:endParaRPr lang="en-GB" sz="1600" dirty="0">
-              <a:effectLst/>
-              <a:latin typeface="Calibri" panose="020F0502020204030204" pitchFamily="34" charset="0"/>
-              <a:ea typeface="Calibri" panose="020F0502020204030204" pitchFamily="34" charset="0"/>
-              <a:cs typeface="Times New Roman" panose="02020603050405020304" pitchFamily="18" charset="0"/>
-            </a:endParaRPr>
-          </a:p>
-          <a:p>
-            <a:pPr marL="342900" lvl="0" indent="-342900" algn="just">
-              <a:lnSpc>
-                <a:spcPct val="107000"/>
-              </a:lnSpc>
-              <a:spcAft>
-                <a:spcPts val="800"/>
-              </a:spcAft>
-              <a:buFont typeface="Aptos Narrow" panose="020B0004020202020204" pitchFamily="34" charset="0"/>
-              <a:buChar char="-"/>
-            </a:pPr>
-            <a:r>
-              <a:rPr lang="en-AU" sz="1600" b="1" dirty="0">
-                <a:effectLst/>
-                <a:latin typeface="Aptos Narrow" panose="020B0004020202020204" pitchFamily="34" charset="0"/>
-                <a:ea typeface="Calibri" panose="020F0502020204030204" pitchFamily="34" charset="0"/>
-                <a:cs typeface="Arial" panose="020B0604020202020204" pitchFamily="34" charset="0"/>
-              </a:rPr>
-              <a:t> </a:t>
-            </a:r>
-            <a:r>
-              <a:rPr lang="en-AU" sz="1600" dirty="0">
-                <a:effectLst/>
-                <a:latin typeface="Aptos Narrow" panose="020B0004020202020204" pitchFamily="34" charset="0"/>
-                <a:ea typeface="Calibri" panose="020F0502020204030204" pitchFamily="34" charset="0"/>
-                <a:cs typeface="Arial" panose="020B0604020202020204" pitchFamily="34" charset="0"/>
-              </a:rPr>
-              <a:t>It is recommended TWLWG amend the maintenance sections of S-104 and S-111 product specifications to allow new editions of these datasets and reference any new guidance provided in S-98.</a:t>
-            </a:r>
-            <a:endParaRPr lang="en-GB" sz="1600" dirty="0">
-              <a:effectLst/>
-              <a:latin typeface="Calibri" panose="020F0502020204030204" pitchFamily="34" charset="0"/>
-              <a:ea typeface="Calibri" panose="020F0502020204030204" pitchFamily="34" charset="0"/>
-              <a:cs typeface="Times New Roman" panose="02020603050405020304" pitchFamily="18" charset="0"/>
-            </a:endParaRPr>
-          </a:p>
-          <a:p>
-            <a:pPr algn="just">
-              <a:lnSpc>
-                <a:spcPct val="107000"/>
-              </a:lnSpc>
-              <a:spcAft>
-                <a:spcPts val="800"/>
-              </a:spcAft>
-              <a:buNone/>
-            </a:pPr>
-            <a:r>
-              <a:rPr lang="en-AU" sz="1600" dirty="0">
-                <a:effectLst/>
-                <a:latin typeface="Aptos Narrow" panose="020B0004020202020204" pitchFamily="34" charset="0"/>
-                <a:ea typeface="Times New Roman" panose="02020603050405020304" pitchFamily="18" charset="0"/>
-                <a:cs typeface="Times New Roman" panose="02020603050405020304" pitchFamily="18" charset="0"/>
-              </a:rPr>
-              <a:t>The TWLWG is invited to:</a:t>
-            </a:r>
-            <a:endParaRPr lang="en-GB" sz="1600" dirty="0">
-              <a:effectLst/>
-              <a:latin typeface="Calibri" panose="020F0502020204030204" pitchFamily="34" charset="0"/>
-              <a:ea typeface="Calibri" panose="020F0502020204030204" pitchFamily="34" charset="0"/>
-              <a:cs typeface="Times New Roman" panose="02020603050405020304" pitchFamily="18" charset="0"/>
-            </a:endParaRPr>
-          </a:p>
-          <a:p>
-            <a:pPr marL="342900" marR="504190" lvl="0" indent="-342900" algn="just">
-              <a:lnSpc>
-                <a:spcPct val="107000"/>
-              </a:lnSpc>
-              <a:spcBef>
-                <a:spcPts val="300"/>
-              </a:spcBef>
-              <a:spcAft>
-                <a:spcPts val="300"/>
-              </a:spcAft>
-              <a:buFont typeface="+mj-lt"/>
-              <a:buAutoNum type="alphaLcPeriod"/>
-            </a:pPr>
-            <a:r>
-              <a:rPr lang="en-AU" sz="1600" dirty="0">
-                <a:effectLst/>
-                <a:latin typeface="Aptos Narrow" panose="020B0004020202020204" pitchFamily="34" charset="0"/>
-                <a:ea typeface="Times New Roman" panose="02020603050405020304" pitchFamily="18" charset="0"/>
-                <a:cs typeface="Times New Roman" panose="02020603050405020304" pitchFamily="18" charset="0"/>
-              </a:rPr>
-              <a:t>Discuss the proposal to amend S-104 and S-111 product specifications</a:t>
-            </a:r>
-            <a:endParaRPr lang="en-GB" sz="1600" dirty="0">
-              <a:effectLst/>
-              <a:latin typeface="Calibri" panose="020F0502020204030204" pitchFamily="34" charset="0"/>
-              <a:ea typeface="Calibri" panose="020F0502020204030204" pitchFamily="34" charset="0"/>
-              <a:cs typeface="Times New Roman" panose="02020603050405020304" pitchFamily="18" charset="0"/>
-            </a:endParaRPr>
-          </a:p>
-          <a:p>
-            <a:pPr marL="342900" marR="504190" lvl="0" indent="-342900" algn="just">
-              <a:lnSpc>
-                <a:spcPct val="107000"/>
-              </a:lnSpc>
-              <a:spcBef>
-                <a:spcPts val="300"/>
-              </a:spcBef>
-              <a:spcAft>
-                <a:spcPts val="300"/>
-              </a:spcAft>
-              <a:buFont typeface="+mj-lt"/>
-              <a:buAutoNum type="alphaLcPeriod"/>
-            </a:pPr>
-            <a:r>
-              <a:rPr lang="en-AU" sz="1600" dirty="0">
-                <a:effectLst/>
-                <a:latin typeface="Aptos Narrow" panose="020B0004020202020204" pitchFamily="34" charset="0"/>
-                <a:ea typeface="Times New Roman" panose="02020603050405020304" pitchFamily="18" charset="0"/>
-                <a:cs typeface="Times New Roman" panose="02020603050405020304" pitchFamily="18" charset="0"/>
-              </a:rPr>
-              <a:t>Agree to remove the date time stamp from the cell name </a:t>
-            </a:r>
-            <a:endParaRPr lang="en-GB" sz="1600" dirty="0">
-              <a:effectLst/>
-              <a:latin typeface="Calibri" panose="020F0502020204030204" pitchFamily="34" charset="0"/>
-              <a:ea typeface="Calibri" panose="020F0502020204030204" pitchFamily="34" charset="0"/>
-              <a:cs typeface="Times New Roman" panose="02020603050405020304" pitchFamily="18" charset="0"/>
-            </a:endParaRPr>
-          </a:p>
-          <a:p>
-            <a:pPr marL="342900" marR="504190" lvl="0" indent="-342900" algn="just">
-              <a:lnSpc>
-                <a:spcPct val="107000"/>
-              </a:lnSpc>
-              <a:spcBef>
-                <a:spcPts val="300"/>
-              </a:spcBef>
-              <a:spcAft>
-                <a:spcPts val="300"/>
-              </a:spcAft>
-              <a:buFont typeface="+mj-lt"/>
-              <a:buAutoNum type="alphaLcPeriod"/>
-            </a:pPr>
-            <a:r>
-              <a:rPr lang="en-AU" sz="1600" dirty="0">
-                <a:effectLst/>
-                <a:latin typeface="Aptos Narrow" panose="020B0004020202020204" pitchFamily="34" charset="0"/>
-                <a:ea typeface="Times New Roman" panose="02020603050405020304" pitchFamily="18" charset="0"/>
-                <a:cs typeface="Times New Roman" panose="02020603050405020304" pitchFamily="18" charset="0"/>
-              </a:rPr>
-              <a:t>Agree to use the same update mechanism as S-101 ENC updating </a:t>
-            </a:r>
-            <a:endParaRPr lang="en-GB" sz="1600" dirty="0">
-              <a:effectLst/>
-              <a:latin typeface="Calibri" panose="020F0502020204030204" pitchFamily="34" charset="0"/>
-              <a:ea typeface="Calibri" panose="020F0502020204030204" pitchFamily="34" charset="0"/>
-              <a:cs typeface="Times New Roman" panose="02020603050405020304" pitchFamily="18" charset="0"/>
-            </a:endParaRPr>
-          </a:p>
-          <a:p>
-            <a:endParaRPr lang="en-GB" sz="1600" dirty="0"/>
-          </a:p>
-        </p:txBody>
-      </p:sp>
-    </p:spTree>
-    <p:extLst>
-      <p:ext uri="{BB962C8B-B14F-4D97-AF65-F5344CB8AC3E}">
-        <p14:creationId xmlns:p14="http://schemas.microsoft.com/office/powerpoint/2010/main" val="1218146612"/>
-      </p:ext>
-    </p:extLst>
-  </p:cSld>
-  <p:clrMapOvr>
-    <a:masterClrMapping/>
-  </p:clrMapOvr>
-</p:sld>
-</file>
-
-<file path=ppt/slides/slide17.xml><?xml version="1.0" encoding="utf-8"?>
 <p:sld xmlns:a="http://schemas.openxmlformats.org/drawingml/2006/main" xmlns:r="http://schemas.openxmlformats.org/officeDocument/2006/relationships" xmlns:p="http://schemas.openxmlformats.org/presentationml/2006/main">
   <p:cSld>
     <p:spTree>
@@ -9400,6 +11602,140 @@
     <p:extLst>
       <p:ext uri="{BB962C8B-B14F-4D97-AF65-F5344CB8AC3E}">
         <p14:creationId xmlns:p14="http://schemas.microsoft.com/office/powerpoint/2010/main" val="788673695"/>
+      </p:ext>
+    </p:extLst>
+  </p:cSld>
+  <p:clrMapOvr>
+    <a:masterClrMapping/>
+  </p:clrMapOvr>
+</p:sld>
+</file>
+
+<file path=ppt/slides/slide17.xml><?xml version="1.0" encoding="utf-8"?>
+<p:sld xmlns:a="http://schemas.openxmlformats.org/drawingml/2006/main" xmlns:r="http://schemas.openxmlformats.org/officeDocument/2006/relationships" xmlns:p="http://schemas.openxmlformats.org/presentationml/2006/main">
+  <p:cSld>
+    <p:spTree>
+      <p:nvGrpSpPr>
+        <p:cNvPr id="1" name=""/>
+        <p:cNvGrpSpPr/>
+        <p:nvPr/>
+      </p:nvGrpSpPr>
+      <p:grpSpPr>
+        <a:xfrm>
+          <a:off x="0" y="0"/>
+          <a:ext cx="0" cy="0"/>
+          <a:chOff x="0" y="0"/>
+          <a:chExt cx="0" cy="0"/>
+        </a:xfrm>
+      </p:grpSpPr>
+      <p:sp>
+        <p:nvSpPr>
+          <p:cNvPr id="2" name="Title 1">
+            <a:extLst>
+              <a:ext uri="{FF2B5EF4-FFF2-40B4-BE49-F238E27FC236}">
+                <a16:creationId xmlns:a16="http://schemas.microsoft.com/office/drawing/2014/main" id="{D4659FD2-FFED-FD21-6351-12EBAA3A2825}"/>
+              </a:ext>
+            </a:extLst>
+          </p:cNvPr>
+          <p:cNvSpPr>
+            <a:spLocks noGrp="1"/>
+          </p:cNvSpPr>
+          <p:nvPr>
+            <p:ph type="title"/>
+          </p:nvPr>
+        </p:nvSpPr>
+        <p:spPr>
+          <a:xfrm>
+            <a:off x="427736" y="300101"/>
+            <a:ext cx="10515600" cy="902843"/>
+          </a:xfrm>
+        </p:spPr>
+        <p:txBody>
+          <a:bodyPr/>
+          <a:lstStyle/>
+          <a:p>
+            <a:r>
+              <a:rPr lang="en-GB" dirty="0"/>
+              <a:t>Next Meeting(s)</a:t>
+            </a:r>
+          </a:p>
+        </p:txBody>
+      </p:sp>
+      <p:sp>
+        <p:nvSpPr>
+          <p:cNvPr id="3" name="Content Placeholder 2">
+            <a:extLst>
+              <a:ext uri="{FF2B5EF4-FFF2-40B4-BE49-F238E27FC236}">
+                <a16:creationId xmlns:a16="http://schemas.microsoft.com/office/drawing/2014/main" id="{06B14AC8-A0B5-2069-A02F-6BF877FE4037}"/>
+              </a:ext>
+            </a:extLst>
+          </p:cNvPr>
+          <p:cNvSpPr>
+            <a:spLocks noGrp="1"/>
+          </p:cNvSpPr>
+          <p:nvPr>
+            <p:ph idx="1"/>
+          </p:nvPr>
+        </p:nvSpPr>
+        <p:spPr>
+          <a:xfrm>
+            <a:off x="891032" y="1202944"/>
+            <a:ext cx="10515600" cy="5185664"/>
+          </a:xfrm>
+        </p:spPr>
+        <p:txBody>
+          <a:bodyPr>
+            <a:normAutofit/>
+          </a:bodyPr>
+          <a:lstStyle/>
+          <a:p>
+            <a:pPr>
+              <a:lnSpc>
+                <a:spcPct val="110000"/>
+              </a:lnSpc>
+            </a:pPr>
+            <a:r>
+              <a:rPr lang="en-US" dirty="0"/>
+              <a:t>Dedicated S-164 meeting – December dates? </a:t>
+            </a:r>
+          </a:p>
+          <a:p>
+            <a:pPr>
+              <a:lnSpc>
+                <a:spcPct val="110000"/>
+              </a:lnSpc>
+            </a:pPr>
+            <a:r>
+              <a:rPr lang="en-US" dirty="0"/>
+              <a:t>Next meeting December 8</a:t>
+            </a:r>
+            <a:r>
+              <a:rPr lang="en-US" baseline="30000" dirty="0"/>
+              <a:t>th</a:t>
+            </a:r>
+            <a:r>
+              <a:rPr lang="en-US" dirty="0"/>
+              <a:t> </a:t>
+            </a:r>
+          </a:p>
+          <a:p>
+            <a:pPr>
+              <a:lnSpc>
+                <a:spcPct val="110000"/>
+              </a:lnSpc>
+            </a:pPr>
+            <a:r>
+              <a:rPr lang="en-US" dirty="0"/>
+              <a:t>AOB?</a:t>
+            </a:r>
+            <a:endParaRPr lang="en-GB" dirty="0"/>
+          </a:p>
+        </p:txBody>
+      </p:sp>
+    </p:spTree>
+    <p:extLst>
+      <p:ext uri="{BB962C8B-B14F-4D97-AF65-F5344CB8AC3E}">
+        <p14:creationId xmlns:p14="http://schemas.microsoft.com/office/powerpoint/2010/main" val="2940172586"/>
       </p:ext>
     </p:extLst>
   </p:cSld>
@@ -9431,7 +11767,7 @@
           <p:cNvPr id="2" name="Title 1">
             <a:extLst>
               <a:ext uri="{FF2B5EF4-FFF2-40B4-BE49-F238E27FC236}">
-                <a16:creationId xmlns:a16="http://schemas.microsoft.com/office/drawing/2014/main" id="{D4659FD2-FFED-FD21-6351-12EBAA3A2825}"/>
+                <a16:creationId xmlns:a16="http://schemas.microsoft.com/office/drawing/2014/main" id="{840395DA-30DF-6C09-65E6-214575A71F29}"/>
               </a:ext>
             </a:extLst>
           </p:cNvPr>
@@ -9442,20 +11778,16 @@
             <p:ph type="title"/>
           </p:nvPr>
         </p:nvSpPr>
-        <p:spPr>
-          <a:xfrm>
-            <a:off x="427736" y="300101"/>
-            <a:ext cx="10515600" cy="902843"/>
-          </a:xfrm>
-        </p:spPr>
+        <p:spPr/>
         <p:txBody>
           <a:bodyPr/>
           <a:lstStyle/>
           <a:p>
             <a:r>
-              <a:rPr lang="en-GB" dirty="0"/>
-              <a:t>Next Meeting(s)</a:t>
-            </a:r>
+              <a:rPr lang="en-US" dirty="0"/>
+              <a:t>Actions</a:t>
+            </a:r>
+            <a:endParaRPr lang="en-GB" dirty="0"/>
           </a:p>
         </p:txBody>
       </p:sp>
@@ -9464,7 +11796,7 @@
           <p:cNvPr id="3" name="Content Placeholder 2">
             <a:extLst>
               <a:ext uri="{FF2B5EF4-FFF2-40B4-BE49-F238E27FC236}">
-                <a16:creationId xmlns:a16="http://schemas.microsoft.com/office/drawing/2014/main" id="{06B14AC8-A0B5-2069-A02F-6BF877FE4037}"/>
+                <a16:creationId xmlns:a16="http://schemas.microsoft.com/office/drawing/2014/main" id="{840B79BF-B15D-CE83-22CA-15FE038506D4}"/>
               </a:ext>
             </a:extLst>
           </p:cNvPr>
@@ -9475,57 +11807,53 @@
             <p:ph idx="1"/>
           </p:nvPr>
         </p:nvSpPr>
-        <p:spPr>
-          <a:xfrm>
-            <a:off x="891032" y="1202944"/>
-            <a:ext cx="10515600" cy="5185664"/>
-          </a:xfrm>
-        </p:spPr>
-        <p:txBody>
-          <a:bodyPr>
-            <a:normAutofit/>
-          </a:bodyPr>
-          <a:lstStyle/>
-          <a:p>
-            <a:pPr>
-              <a:lnSpc>
-                <a:spcPct val="110000"/>
-              </a:lnSpc>
-            </a:pPr>
+        <p:spPr/>
+        <p:txBody>
+          <a:bodyPr/>
+          <a:lstStyle/>
+          <a:p>
             <a:r>
               <a:rPr lang="en-US" dirty="0"/>
-              <a:t>Dedicated S-164 meeting – December dates? </a:t>
-            </a:r>
-          </a:p>
-          <a:p>
-            <a:pPr>
-              <a:lnSpc>
-                <a:spcPct val="110000"/>
-              </a:lnSpc>
-            </a:pPr>
+              <a:t>Meet up again on interoperability on ECDIS</a:t>
+            </a:r>
+          </a:p>
+          <a:p>
             <a:r>
               <a:rPr lang="en-US" dirty="0"/>
-              <a:t>Next meeting December 8</a:t>
-            </a:r>
-            <a:r>
-              <a:rPr lang="en-US" baseline="30000" dirty="0"/>
-              <a:t>th</a:t>
-            </a:r>
+              <a:t>Meet to discuss IHO, version numbers and support for OEMs in IHO</a:t>
+            </a:r>
+          </a:p>
+          <a:p>
             <a:r>
               <a:rPr lang="en-US" dirty="0"/>
-              <a:t> </a:t>
-            </a:r>
-          </a:p>
-          <a:p>
-            <a:pPr>
-              <a:lnSpc>
-                <a:spcPct val="110000"/>
-              </a:lnSpc>
-            </a:pPr>
+              <a:t>Mikan – Meet to chat about symbology clipping</a:t>
+            </a:r>
+          </a:p>
+          <a:p>
             <a:r>
               <a:rPr lang="en-US" dirty="0"/>
-              <a:t>AOB?</a:t>
-            </a:r>
+              <a:t>“individually select” review in doc</a:t>
+            </a:r>
+          </a:p>
+          <a:p>
+            <a:r>
+              <a:rPr lang="en-US" dirty="0"/>
+              <a:t>Check Raytheon comments, next meeting</a:t>
+            </a:r>
+          </a:p>
+          <a:p>
+            <a:r>
+              <a:rPr lang="en-US" dirty="0"/>
+              <a:t>Maximum product specs and OEM involvement in reviews</a:t>
+            </a:r>
+          </a:p>
+          <a:p>
+            <a:r>
+              <a:rPr lang="en-US" dirty="0"/>
+              <a:t>Send paper to TWLWG on S-104 / S-111 filenames</a:t>
+            </a:r>
+          </a:p>
+          <a:p>
             <a:endParaRPr lang="en-GB" dirty="0"/>
           </a:p>
         </p:txBody>
@@ -9533,87 +11861,7 @@
     </p:spTree>
     <p:extLst>
       <p:ext uri="{BB962C8B-B14F-4D97-AF65-F5344CB8AC3E}">
-        <p14:creationId xmlns:p14="http://schemas.microsoft.com/office/powerpoint/2010/main" val="2940172586"/>
-      </p:ext>
-    </p:extLst>
-  </p:cSld>
-  <p:clrMapOvr>
-    <a:masterClrMapping/>
-  </p:clrMapOvr>
-</p:sld>
-</file>
-
-<file path=ppt/slides/slide19.xml><?xml version="1.0" encoding="utf-8"?>
-<p:sld xmlns:a="http://schemas.openxmlformats.org/drawingml/2006/main" xmlns:r="http://schemas.openxmlformats.org/officeDocument/2006/relationships" xmlns:p="http://schemas.openxmlformats.org/presentationml/2006/main">
-  <p:cSld>
-    <p:spTree>
-      <p:nvGrpSpPr>
-        <p:cNvPr id="1" name=""/>
-        <p:cNvGrpSpPr/>
-        <p:nvPr/>
-      </p:nvGrpSpPr>
-      <p:grpSpPr>
-        <a:xfrm>
-          <a:off x="0" y="0"/>
-          <a:ext cx="0" cy="0"/>
-          <a:chOff x="0" y="0"/>
-          <a:chExt cx="0" cy="0"/>
-        </a:xfrm>
-      </p:grpSpPr>
-      <p:sp>
-        <p:nvSpPr>
-          <p:cNvPr id="2" name="Title 1">
-            <a:extLst>
-              <a:ext uri="{FF2B5EF4-FFF2-40B4-BE49-F238E27FC236}">
-                <a16:creationId xmlns:a16="http://schemas.microsoft.com/office/drawing/2014/main" id="{05E94976-4682-2140-0504-766F92B6B9DD}"/>
-              </a:ext>
-            </a:extLst>
-          </p:cNvPr>
-          <p:cNvSpPr>
-            <a:spLocks noGrp="1"/>
-          </p:cNvSpPr>
-          <p:nvPr>
-            <p:ph type="title"/>
-          </p:nvPr>
-        </p:nvSpPr>
-        <p:spPr/>
-        <p:txBody>
-          <a:bodyPr/>
-          <a:lstStyle/>
-          <a:p>
-            <a:endParaRPr lang="en-GB"/>
-          </a:p>
-        </p:txBody>
-      </p:sp>
-      <p:sp>
-        <p:nvSpPr>
-          <p:cNvPr id="3" name="Content Placeholder 2">
-            <a:extLst>
-              <a:ext uri="{FF2B5EF4-FFF2-40B4-BE49-F238E27FC236}">
-                <a16:creationId xmlns:a16="http://schemas.microsoft.com/office/drawing/2014/main" id="{68E41850-CFB8-784D-916F-7CB12C26B55B}"/>
-              </a:ext>
-            </a:extLst>
-          </p:cNvPr>
-          <p:cNvSpPr>
-            <a:spLocks noGrp="1"/>
-          </p:cNvSpPr>
-          <p:nvPr>
-            <p:ph idx="1"/>
-          </p:nvPr>
-        </p:nvSpPr>
-        <p:spPr/>
-        <p:txBody>
-          <a:bodyPr/>
-          <a:lstStyle/>
-          <a:p>
-            <a:endParaRPr lang="en-GB"/>
-          </a:p>
-        </p:txBody>
-      </p:sp>
-    </p:spTree>
-    <p:extLst>
-      <p:ext uri="{BB962C8B-B14F-4D97-AF65-F5344CB8AC3E}">
-        <p14:creationId xmlns:p14="http://schemas.microsoft.com/office/powerpoint/2010/main" val="2517617123"/>
+        <p14:creationId xmlns:p14="http://schemas.microsoft.com/office/powerpoint/2010/main" val="2355357658"/>
       </p:ext>
     </p:extLst>
   </p:cSld>
@@ -9730,7 +11978,7 @@
             <a:pPr lvl="2"/>
             <a:r>
               <a:rPr lang="en-GB" sz="2400" dirty="0"/>
-              <a:t>Submitted Paper [20m / UKHO</a:t>
+              <a:t>Submitted Paper [20m / UKHO]</a:t>
             </a:r>
           </a:p>
           <a:p>
@@ -9851,7 +12099,7 @@
           <a:p>
             <a:r>
               <a:rPr lang="en-GB" dirty="0"/>
-              <a:t>Exception to the cancellation rule</a:t>
+              <a:t>Exception to the cancellation rule in S-98</a:t>
             </a:r>
           </a:p>
           <a:p>
@@ -10281,7 +12529,7 @@
         </p:blipFill>
         <p:spPr bwMode="auto">
           <a:xfrm>
-            <a:off x="6419800" y="2668662"/>
+            <a:off x="6419800" y="2770263"/>
             <a:ext cx="5353050" cy="1371600"/>
           </a:xfrm>
           <a:prstGeom prst="rect">
@@ -10328,7 +12576,7 @@
         </p:blipFill>
         <p:spPr bwMode="auto">
           <a:xfrm>
-            <a:off x="6419800" y="4421263"/>
+            <a:off x="6419800" y="4553781"/>
             <a:ext cx="5353050" cy="1076325"/>
           </a:xfrm>
           <a:prstGeom prst="rect">
@@ -12280,6 +14528,557 @@
   <p:cSld>
     <p:spTree>
       <p:nvGrpSpPr>
+        <p:cNvPr id="1" name=""/>
+        <p:cNvGrpSpPr/>
+        <p:nvPr/>
+      </p:nvGrpSpPr>
+      <p:grpSpPr>
+        <a:xfrm>
+          <a:off x="0" y="0"/>
+          <a:ext cx="0" cy="0"/>
+          <a:chOff x="0" y="0"/>
+          <a:chExt cx="0" cy="0"/>
+        </a:xfrm>
+      </p:grpSpPr>
+      <p:sp>
+        <p:nvSpPr>
+          <p:cNvPr id="2" name="Title 1">
+            <a:extLst>
+              <a:ext uri="{FF2B5EF4-FFF2-40B4-BE49-F238E27FC236}">
+                <a16:creationId xmlns:a16="http://schemas.microsoft.com/office/drawing/2014/main" id="{E234DED2-A1A2-CF1F-339C-390A730FF2C7}"/>
+              </a:ext>
+            </a:extLst>
+          </p:cNvPr>
+          <p:cNvSpPr>
+            <a:spLocks noGrp="1"/>
+          </p:cNvSpPr>
+          <p:nvPr>
+            <p:ph type="title"/>
+          </p:nvPr>
+        </p:nvSpPr>
+        <p:spPr/>
+        <p:txBody>
+          <a:bodyPr/>
+          <a:lstStyle/>
+          <a:p>
+            <a:r>
+              <a:rPr lang="en-GB" dirty="0"/>
+              <a:t>S-98 Inputs</a:t>
+            </a:r>
+          </a:p>
+        </p:txBody>
+      </p:sp>
+      <p:sp>
+        <p:nvSpPr>
+          <p:cNvPr id="3" name="Content Placeholder 2">
+            <a:extLst>
+              <a:ext uri="{FF2B5EF4-FFF2-40B4-BE49-F238E27FC236}">
+                <a16:creationId xmlns:a16="http://schemas.microsoft.com/office/drawing/2014/main" id="{829E7E81-CFA1-46FE-7C7C-3EB4CE0E35D3}"/>
+              </a:ext>
+            </a:extLst>
+          </p:cNvPr>
+          <p:cNvSpPr>
+            <a:spLocks noGrp="1"/>
+          </p:cNvSpPr>
+          <p:nvPr>
+            <p:ph idx="1"/>
+          </p:nvPr>
+        </p:nvSpPr>
+        <p:spPr>
+          <a:xfrm>
+            <a:off x="1052700" y="1530425"/>
+            <a:ext cx="10086600" cy="4351338"/>
+          </a:xfrm>
+        </p:spPr>
+        <p:txBody>
+          <a:bodyPr>
+            <a:normAutofit/>
+          </a:bodyPr>
+          <a:lstStyle/>
+          <a:p>
+            <a:r>
+              <a:rPr lang="en-GB" sz="4000" dirty="0"/>
+              <a:t>Comment Sheets</a:t>
+            </a:r>
+          </a:p>
+          <a:p>
+            <a:endParaRPr lang="en-GB" sz="4000" dirty="0"/>
+          </a:p>
+          <a:p>
+            <a:pPr lvl="1"/>
+            <a:r>
+              <a:rPr lang="en-GB" sz="3600" dirty="0"/>
+              <a:t>OSI</a:t>
+            </a:r>
+          </a:p>
+          <a:p>
+            <a:pPr lvl="2"/>
+            <a:r>
+              <a:rPr lang="en-GB" sz="3200" dirty="0"/>
+              <a:t>Also, 12.5.3 – is it necessary</a:t>
+            </a:r>
+          </a:p>
+          <a:p>
+            <a:pPr lvl="1"/>
+            <a:r>
+              <a:rPr lang="en-GB" sz="3600" dirty="0"/>
+              <a:t>Sperry Marine</a:t>
+            </a:r>
+          </a:p>
+          <a:p>
+            <a:pPr lvl="1"/>
+            <a:r>
+              <a:rPr lang="en-GB" sz="3600" dirty="0"/>
+              <a:t>ESRI [marked up v2.4.0]</a:t>
+            </a:r>
+          </a:p>
+        </p:txBody>
+      </p:sp>
+    </p:spTree>
+    <p:extLst>
+      <p:ext uri="{BB962C8B-B14F-4D97-AF65-F5344CB8AC3E}">
+        <p14:creationId xmlns:p14="http://schemas.microsoft.com/office/powerpoint/2010/main" val="1037202326"/>
+      </p:ext>
+    </p:extLst>
+  </p:cSld>
+  <p:clrMapOvr>
+    <a:masterClrMapping/>
+  </p:clrMapOvr>
+</p:sld>
+</file>
+
+<file path=ppt/slides/slide7.xml><?xml version="1.0" encoding="utf-8"?>
+<p:sld xmlns:a="http://schemas.openxmlformats.org/drawingml/2006/main" xmlns:r="http://schemas.openxmlformats.org/officeDocument/2006/relationships" xmlns:p="http://schemas.openxmlformats.org/presentationml/2006/main">
+  <p:cSld>
+    <p:spTree>
+      <p:nvGrpSpPr>
+        <p:cNvPr id="1" name=""/>
+        <p:cNvGrpSpPr/>
+        <p:nvPr/>
+      </p:nvGrpSpPr>
+      <p:grpSpPr>
+        <a:xfrm>
+          <a:off x="0" y="0"/>
+          <a:ext cx="0" cy="0"/>
+          <a:chOff x="0" y="0"/>
+          <a:chExt cx="0" cy="0"/>
+        </a:xfrm>
+      </p:grpSpPr>
+      <p:sp>
+        <p:nvSpPr>
+          <p:cNvPr id="2" name="Title 1">
+            <a:extLst>
+              <a:ext uri="{FF2B5EF4-FFF2-40B4-BE49-F238E27FC236}">
+                <a16:creationId xmlns:a16="http://schemas.microsoft.com/office/drawing/2014/main" id="{A7563CC1-E61C-88F6-10C9-22058E0084E8}"/>
+              </a:ext>
+            </a:extLst>
+          </p:cNvPr>
+          <p:cNvSpPr>
+            <a:spLocks noGrp="1"/>
+          </p:cNvSpPr>
+          <p:nvPr>
+            <p:ph type="title"/>
+          </p:nvPr>
+        </p:nvSpPr>
+        <p:spPr>
+          <a:xfrm>
+            <a:off x="190200" y="192325"/>
+            <a:ext cx="10515600" cy="822875"/>
+          </a:xfrm>
+        </p:spPr>
+        <p:txBody>
+          <a:bodyPr/>
+          <a:lstStyle/>
+          <a:p>
+            <a:r>
+              <a:rPr lang="en-GB" dirty="0"/>
+              <a:t>UKHO Paper on S-104 naming conventions</a:t>
+            </a:r>
+          </a:p>
+        </p:txBody>
+      </p:sp>
+      <p:sp>
+        <p:nvSpPr>
+          <p:cNvPr id="3" name="Content Placeholder 2">
+            <a:extLst>
+              <a:ext uri="{FF2B5EF4-FFF2-40B4-BE49-F238E27FC236}">
+                <a16:creationId xmlns:a16="http://schemas.microsoft.com/office/drawing/2014/main" id="{5D403907-8C97-9FFA-8CD6-72696D55C9F8}"/>
+              </a:ext>
+            </a:extLst>
+          </p:cNvPr>
+          <p:cNvSpPr>
+            <a:spLocks noGrp="1"/>
+          </p:cNvSpPr>
+          <p:nvPr>
+            <p:ph idx="1"/>
+          </p:nvPr>
+        </p:nvSpPr>
+        <p:spPr>
+          <a:xfrm>
+            <a:off x="838200" y="1015200"/>
+            <a:ext cx="10515600" cy="5842799"/>
+          </a:xfrm>
+        </p:spPr>
+        <p:txBody>
+          <a:bodyPr>
+            <a:normAutofit fontScale="92500" lnSpcReduction="20000"/>
+          </a:bodyPr>
+          <a:lstStyle/>
+          <a:p>
+            <a:pPr algn="just">
+              <a:lnSpc>
+                <a:spcPct val="107000"/>
+              </a:lnSpc>
+              <a:spcAft>
+                <a:spcPts val="800"/>
+              </a:spcAft>
+              <a:buNone/>
+            </a:pPr>
+            <a:r>
+              <a:rPr lang="en-US" sz="1600" b="1" dirty="0">
+                <a:effectLst/>
+                <a:latin typeface="Aptos Narrow" panose="020B0004020202020204" pitchFamily="34" charset="0"/>
+                <a:ea typeface="Calibri" panose="020F0502020204030204" pitchFamily="34" charset="0"/>
+                <a:cs typeface="Arial" panose="020B0604020202020204" pitchFamily="34" charset="0"/>
+              </a:rPr>
+              <a:t>Recommendations</a:t>
+            </a:r>
+            <a:endParaRPr lang="en-GB" sz="1600" dirty="0">
+              <a:effectLst/>
+              <a:latin typeface="Calibri" panose="020F0502020204030204" pitchFamily="34" charset="0"/>
+              <a:ea typeface="Calibri" panose="020F0502020204030204" pitchFamily="34" charset="0"/>
+              <a:cs typeface="Times New Roman" panose="02020603050405020304" pitchFamily="18" charset="0"/>
+            </a:endParaRPr>
+          </a:p>
+          <a:p>
+            <a:pPr marL="342900" lvl="0" indent="-342900" algn="just">
+              <a:lnSpc>
+                <a:spcPct val="107000"/>
+              </a:lnSpc>
+              <a:spcAft>
+                <a:spcPts val="800"/>
+              </a:spcAft>
+              <a:buFont typeface="Aptos Narrow" panose="020B0004020202020204" pitchFamily="34" charset="0"/>
+              <a:buChar char="-"/>
+            </a:pPr>
+            <a:r>
+              <a:rPr lang="en-US" sz="1600" dirty="0">
+                <a:effectLst/>
+                <a:latin typeface="Aptos Narrow" panose="020B0004020202020204" pitchFamily="34" charset="0"/>
+                <a:ea typeface="Calibri" panose="020F0502020204030204" pitchFamily="34" charset="0"/>
+                <a:cs typeface="Arial" panose="020B0604020202020204" pitchFamily="34" charset="0"/>
+              </a:rPr>
+              <a:t>We remove date and timestamps from S-104 and S-111 dataset ids so that there is a way to relate a new successor data set to a previously installed data set within the ECDIS. The temporal extends fields in the discovery meta data already provide you date/time information.</a:t>
+            </a:r>
+            <a:endParaRPr lang="en-GB" sz="1600" dirty="0">
+              <a:effectLst/>
+              <a:latin typeface="Calibri" panose="020F0502020204030204" pitchFamily="34" charset="0"/>
+              <a:ea typeface="Calibri" panose="020F0502020204030204" pitchFamily="34" charset="0"/>
+              <a:cs typeface="Arial" panose="020B0604020202020204" pitchFamily="34" charset="0"/>
+            </a:endParaRPr>
+          </a:p>
+          <a:p>
+            <a:pPr marL="342900" lvl="0" indent="-342900" algn="just">
+              <a:lnSpc>
+                <a:spcPct val="107000"/>
+              </a:lnSpc>
+              <a:spcAft>
+                <a:spcPts val="800"/>
+              </a:spcAft>
+              <a:buFont typeface="Aptos Narrow" panose="020B0004020202020204" pitchFamily="34" charset="0"/>
+              <a:buChar char="-"/>
+            </a:pPr>
+            <a:r>
+              <a:rPr lang="en-US" sz="1600" dirty="0">
+                <a:effectLst/>
+                <a:latin typeface="Aptos Narrow" panose="020B0004020202020204" pitchFamily="34" charset="0"/>
+                <a:ea typeface="Calibri" panose="020F0502020204030204" pitchFamily="34" charset="0"/>
+                <a:cs typeface="Arial" panose="020B0604020202020204" pitchFamily="34" charset="0"/>
+              </a:rPr>
+              <a:t>New Editions or updates are considered a suitable update mechanism for S-104 and S-111 to remove the burden of constantly having to generate new permit strings for successor data sets.</a:t>
+            </a:r>
+            <a:endParaRPr lang="en-GB" sz="1600" dirty="0">
+              <a:effectLst/>
+              <a:latin typeface="Calibri" panose="020F0502020204030204" pitchFamily="34" charset="0"/>
+              <a:ea typeface="Calibri" panose="020F0502020204030204" pitchFamily="34" charset="0"/>
+              <a:cs typeface="Times New Roman" panose="02020603050405020304" pitchFamily="18" charset="0"/>
+            </a:endParaRPr>
+          </a:p>
+          <a:p>
+            <a:pPr algn="just">
+              <a:lnSpc>
+                <a:spcPct val="107000"/>
+              </a:lnSpc>
+              <a:spcBef>
+                <a:spcPts val="1200"/>
+              </a:spcBef>
+              <a:spcAft>
+                <a:spcPts val="800"/>
+              </a:spcAft>
+              <a:buNone/>
+            </a:pPr>
+            <a:r>
+              <a:rPr lang="en-AU" sz="1600" b="1" dirty="0">
+                <a:effectLst/>
+                <a:latin typeface="Aptos Narrow" panose="020B0004020202020204" pitchFamily="34" charset="0"/>
+                <a:ea typeface="Times New Roman" panose="02020603050405020304" pitchFamily="18" charset="0"/>
+                <a:cs typeface="Times New Roman" panose="02020603050405020304" pitchFamily="18" charset="0"/>
+              </a:rPr>
+              <a:t>Action Required of S-98/164 SG</a:t>
+            </a:r>
+            <a:endParaRPr lang="en-GB" sz="1600" dirty="0">
+              <a:effectLst/>
+              <a:latin typeface="Calibri" panose="020F0502020204030204" pitchFamily="34" charset="0"/>
+              <a:ea typeface="Calibri" panose="020F0502020204030204" pitchFamily="34" charset="0"/>
+              <a:cs typeface="Times New Roman" panose="02020603050405020304" pitchFamily="18" charset="0"/>
+            </a:endParaRPr>
+          </a:p>
+          <a:p>
+            <a:pPr marL="342900" lvl="0" indent="-342900" algn="just">
+              <a:lnSpc>
+                <a:spcPct val="107000"/>
+              </a:lnSpc>
+              <a:spcAft>
+                <a:spcPts val="800"/>
+              </a:spcAft>
+              <a:buFont typeface="Aptos Narrow" panose="020B0004020202020204" pitchFamily="34" charset="0"/>
+              <a:buChar char="-"/>
+            </a:pPr>
+            <a:r>
+              <a:rPr lang="en-US" sz="1600" dirty="0">
+                <a:effectLst/>
+                <a:latin typeface="Aptos Narrow" panose="020B0004020202020204" pitchFamily="34" charset="0"/>
+                <a:ea typeface="Calibri" panose="020F0502020204030204" pitchFamily="34" charset="0"/>
+                <a:cs typeface="Arial" panose="020B0604020202020204" pitchFamily="34" charset="0"/>
+              </a:rPr>
+              <a:t>Note and discuss the issues raised with the paper.</a:t>
+            </a:r>
+            <a:endParaRPr lang="en-GB" sz="1600" dirty="0">
+              <a:effectLst/>
+              <a:latin typeface="Calibri" panose="020F0502020204030204" pitchFamily="34" charset="0"/>
+              <a:ea typeface="Calibri" panose="020F0502020204030204" pitchFamily="34" charset="0"/>
+              <a:cs typeface="Arial" panose="020B0604020202020204" pitchFamily="34" charset="0"/>
+            </a:endParaRPr>
+          </a:p>
+          <a:p>
+            <a:pPr marL="342900" lvl="0" indent="-342900" algn="just">
+              <a:lnSpc>
+                <a:spcPct val="107000"/>
+              </a:lnSpc>
+              <a:spcAft>
+                <a:spcPts val="800"/>
+              </a:spcAft>
+              <a:buFont typeface="Aptos Narrow" panose="020B0004020202020204" pitchFamily="34" charset="0"/>
+              <a:buChar char="-"/>
+            </a:pPr>
+            <a:r>
+              <a:rPr lang="en-US" sz="1600" dirty="0">
+                <a:effectLst/>
+                <a:latin typeface="Aptos Narrow" panose="020B0004020202020204" pitchFamily="34" charset="0"/>
+                <a:ea typeface="Calibri" panose="020F0502020204030204" pitchFamily="34" charset="0"/>
+                <a:cs typeface="Arial" panose="020B0604020202020204" pitchFamily="34" charset="0"/>
+              </a:rPr>
+              <a:t>S-98 should devise a suitable mechanism and provide guidance for data servers to be able to distribute updates to S-104 and S-111 data sets without forcing the mariner to constantly generate new datasets and permits.</a:t>
+            </a:r>
+            <a:endParaRPr lang="en-GB" sz="1600" dirty="0">
+              <a:effectLst/>
+              <a:latin typeface="Calibri" panose="020F0502020204030204" pitchFamily="34" charset="0"/>
+              <a:ea typeface="Calibri" panose="020F0502020204030204" pitchFamily="34" charset="0"/>
+              <a:cs typeface="Arial" panose="020B0604020202020204" pitchFamily="34" charset="0"/>
+            </a:endParaRPr>
+          </a:p>
+          <a:p>
+            <a:pPr marL="228600" algn="just">
+              <a:lnSpc>
+                <a:spcPct val="107000"/>
+              </a:lnSpc>
+              <a:spcAft>
+                <a:spcPts val="800"/>
+              </a:spcAft>
+              <a:buNone/>
+            </a:pPr>
+            <a:r>
+              <a:rPr lang="en-AU" sz="1600" b="1" dirty="0">
+                <a:effectLst/>
+                <a:latin typeface="Aptos Narrow" panose="020B0004020202020204" pitchFamily="34" charset="0"/>
+                <a:ea typeface="Times New Roman" panose="02020603050405020304" pitchFamily="18" charset="0"/>
+                <a:cs typeface="Times New Roman" panose="02020603050405020304" pitchFamily="18" charset="0"/>
+              </a:rPr>
+              <a:t>Action Required of TWLWG</a:t>
+            </a:r>
+            <a:endParaRPr lang="en-GB" sz="1600" dirty="0">
+              <a:effectLst/>
+              <a:latin typeface="Calibri" panose="020F0502020204030204" pitchFamily="34" charset="0"/>
+              <a:ea typeface="Calibri" panose="020F0502020204030204" pitchFamily="34" charset="0"/>
+              <a:cs typeface="Times New Roman" panose="02020603050405020304" pitchFamily="18" charset="0"/>
+            </a:endParaRPr>
+          </a:p>
+          <a:p>
+            <a:pPr marL="342900" lvl="0" indent="-342900" algn="just">
+              <a:lnSpc>
+                <a:spcPct val="107000"/>
+              </a:lnSpc>
+              <a:spcAft>
+                <a:spcPts val="800"/>
+              </a:spcAft>
+              <a:buFont typeface="Aptos Narrow" panose="020B0004020202020204" pitchFamily="34" charset="0"/>
+              <a:buChar char="-"/>
+            </a:pPr>
+            <a:r>
+              <a:rPr lang="en-AU" sz="1600" b="1" dirty="0">
+                <a:effectLst/>
+                <a:latin typeface="Aptos Narrow" panose="020B0004020202020204" pitchFamily="34" charset="0"/>
+                <a:ea typeface="Calibri" panose="020F0502020204030204" pitchFamily="34" charset="0"/>
+                <a:cs typeface="Arial" panose="020B0604020202020204" pitchFamily="34" charset="0"/>
+              </a:rPr>
+              <a:t>It is recommended TWLWG amend the maintenance sections of S-104 and S-111 product specifications to allow new editions of these datasets and reference any new guidance provided in S-98.</a:t>
+            </a:r>
+            <a:endParaRPr lang="en-GB" sz="1600" b="1" dirty="0">
+              <a:effectLst/>
+              <a:latin typeface="Calibri" panose="020F0502020204030204" pitchFamily="34" charset="0"/>
+              <a:ea typeface="Calibri" panose="020F0502020204030204" pitchFamily="34" charset="0"/>
+              <a:cs typeface="Times New Roman" panose="02020603050405020304" pitchFamily="18" charset="0"/>
+            </a:endParaRPr>
+          </a:p>
+          <a:p>
+            <a:pPr algn="just">
+              <a:lnSpc>
+                <a:spcPct val="107000"/>
+              </a:lnSpc>
+              <a:spcAft>
+                <a:spcPts val="800"/>
+              </a:spcAft>
+              <a:buNone/>
+            </a:pPr>
+            <a:r>
+              <a:rPr lang="en-AU" sz="1600" dirty="0">
+                <a:effectLst/>
+                <a:latin typeface="Aptos Narrow" panose="020B0004020202020204" pitchFamily="34" charset="0"/>
+                <a:ea typeface="Times New Roman" panose="02020603050405020304" pitchFamily="18" charset="0"/>
+                <a:cs typeface="Times New Roman" panose="02020603050405020304" pitchFamily="18" charset="0"/>
+              </a:rPr>
+              <a:t>The TWLWG is invited to:</a:t>
+            </a:r>
+            <a:endParaRPr lang="en-GB" sz="1600" dirty="0">
+              <a:effectLst/>
+              <a:latin typeface="Calibri" panose="020F0502020204030204" pitchFamily="34" charset="0"/>
+              <a:ea typeface="Calibri" panose="020F0502020204030204" pitchFamily="34" charset="0"/>
+              <a:cs typeface="Times New Roman" panose="02020603050405020304" pitchFamily="18" charset="0"/>
+            </a:endParaRPr>
+          </a:p>
+          <a:p>
+            <a:pPr marL="342900" marR="504190" lvl="0" indent="-342900" algn="just">
+              <a:lnSpc>
+                <a:spcPct val="107000"/>
+              </a:lnSpc>
+              <a:spcBef>
+                <a:spcPts val="300"/>
+              </a:spcBef>
+              <a:spcAft>
+                <a:spcPts val="300"/>
+              </a:spcAft>
+              <a:buFont typeface="+mj-lt"/>
+              <a:buAutoNum type="alphaLcPeriod"/>
+            </a:pPr>
+            <a:r>
+              <a:rPr lang="en-AU" sz="1600" dirty="0">
+                <a:effectLst/>
+                <a:latin typeface="Aptos Narrow" panose="020B0004020202020204" pitchFamily="34" charset="0"/>
+                <a:ea typeface="Times New Roman" panose="02020603050405020304" pitchFamily="18" charset="0"/>
+                <a:cs typeface="Times New Roman" panose="02020603050405020304" pitchFamily="18" charset="0"/>
+              </a:rPr>
+              <a:t>Discuss the proposal to amend S-104 and S-111 product specifications</a:t>
+            </a:r>
+            <a:endParaRPr lang="en-GB" sz="1600" dirty="0">
+              <a:effectLst/>
+              <a:latin typeface="Calibri" panose="020F0502020204030204" pitchFamily="34" charset="0"/>
+              <a:ea typeface="Calibri" panose="020F0502020204030204" pitchFamily="34" charset="0"/>
+              <a:cs typeface="Times New Roman" panose="02020603050405020304" pitchFamily="18" charset="0"/>
+            </a:endParaRPr>
+          </a:p>
+          <a:p>
+            <a:pPr marL="342900" marR="504190" lvl="0" indent="-342900" algn="just">
+              <a:lnSpc>
+                <a:spcPct val="107000"/>
+              </a:lnSpc>
+              <a:spcBef>
+                <a:spcPts val="300"/>
+              </a:spcBef>
+              <a:spcAft>
+                <a:spcPts val="300"/>
+              </a:spcAft>
+              <a:buFont typeface="+mj-lt"/>
+              <a:buAutoNum type="alphaLcPeriod"/>
+            </a:pPr>
+            <a:r>
+              <a:rPr lang="en-AU" sz="1600" dirty="0">
+                <a:effectLst/>
+                <a:latin typeface="Aptos Narrow" panose="020B0004020202020204" pitchFamily="34" charset="0"/>
+                <a:ea typeface="Times New Roman" panose="02020603050405020304" pitchFamily="18" charset="0"/>
+                <a:cs typeface="Times New Roman" panose="02020603050405020304" pitchFamily="18" charset="0"/>
+              </a:rPr>
+              <a:t>Agree to remove the date time stamp from the cell name </a:t>
+            </a:r>
+            <a:endParaRPr lang="en-GB" sz="1600" dirty="0">
+              <a:effectLst/>
+              <a:latin typeface="Calibri" panose="020F0502020204030204" pitchFamily="34" charset="0"/>
+              <a:ea typeface="Calibri" panose="020F0502020204030204" pitchFamily="34" charset="0"/>
+              <a:cs typeface="Times New Roman" panose="02020603050405020304" pitchFamily="18" charset="0"/>
+            </a:endParaRPr>
+          </a:p>
+          <a:p>
+            <a:pPr marL="342900" marR="504190" lvl="0" indent="-342900" algn="just">
+              <a:lnSpc>
+                <a:spcPct val="107000"/>
+              </a:lnSpc>
+              <a:spcBef>
+                <a:spcPts val="300"/>
+              </a:spcBef>
+              <a:spcAft>
+                <a:spcPts val="300"/>
+              </a:spcAft>
+              <a:buFont typeface="+mj-lt"/>
+              <a:buAutoNum type="alphaLcPeriod"/>
+            </a:pPr>
+            <a:r>
+              <a:rPr lang="en-AU" sz="1600" dirty="0">
+                <a:effectLst/>
+                <a:latin typeface="Aptos Narrow" panose="020B0004020202020204" pitchFamily="34" charset="0"/>
+                <a:ea typeface="Times New Roman" panose="02020603050405020304" pitchFamily="18" charset="0"/>
+                <a:cs typeface="Times New Roman" panose="02020603050405020304" pitchFamily="18" charset="0"/>
+              </a:rPr>
+              <a:t>Agree to use the same update mechanism as S-101 ENC updating </a:t>
+            </a:r>
+            <a:endParaRPr lang="en-GB" sz="1600" dirty="0">
+              <a:effectLst/>
+              <a:latin typeface="Calibri" panose="020F0502020204030204" pitchFamily="34" charset="0"/>
+              <a:ea typeface="Calibri" panose="020F0502020204030204" pitchFamily="34" charset="0"/>
+              <a:cs typeface="Times New Roman" panose="02020603050405020304" pitchFamily="18" charset="0"/>
+            </a:endParaRPr>
+          </a:p>
+          <a:p>
+            <a:endParaRPr lang="en-GB" sz="1600" dirty="0"/>
+          </a:p>
+        </p:txBody>
+      </p:sp>
+    </p:spTree>
+    <p:extLst>
+      <p:ext uri="{BB962C8B-B14F-4D97-AF65-F5344CB8AC3E}">
+        <p14:creationId xmlns:p14="http://schemas.microsoft.com/office/powerpoint/2010/main" val="1218146612"/>
+      </p:ext>
+    </p:extLst>
+  </p:cSld>
+  <p:clrMapOvr>
+    <a:masterClrMapping/>
+  </p:clrMapOvr>
+</p:sld>
+</file>
+
+<file path=ppt/slides/slide8.xml><?xml version="1.0" encoding="utf-8"?>
+<p:sld xmlns:a="http://schemas.openxmlformats.org/drawingml/2006/main" xmlns:r="http://schemas.openxmlformats.org/officeDocument/2006/relationships" xmlns:p="http://schemas.openxmlformats.org/presentationml/2006/main">
+  <p:cSld>
+    <p:spTree>
+      <p:nvGrpSpPr>
         <p:cNvPr id="1" name="">
           <a:extLst>
             <a:ext uri="{FF2B5EF4-FFF2-40B4-BE49-F238E27FC236}">
@@ -14449,7 +17248,7 @@
 </p:sld>
 </file>
 
-<file path=ppt/slides/slide7.xml><?xml version="1.0" encoding="utf-8"?>
+<file path=ppt/slides/slide9.xml><?xml version="1.0" encoding="utf-8"?>
 <p:sld xmlns:a="http://schemas.openxmlformats.org/drawingml/2006/main" xmlns:r="http://schemas.openxmlformats.org/officeDocument/2006/relationships" xmlns:p="http://schemas.openxmlformats.org/presentationml/2006/main">
   <p:cSld>
     <p:spTree>
@@ -16238,2497 +19037,6 @@
     <p:extLst>
       <p:ext uri="{BB962C8B-B14F-4D97-AF65-F5344CB8AC3E}">
         <p14:creationId xmlns:p14="http://schemas.microsoft.com/office/powerpoint/2010/main" val="2237259190"/>
-      </p:ext>
-    </p:extLst>
-  </p:cSld>
-  <p:clrMapOvr>
-    <a:masterClrMapping/>
-  </p:clrMapOvr>
-</p:sld>
-</file>
-
-<file path=ppt/slides/slide8.xml><?xml version="1.0" encoding="utf-8"?>
-<p:sld xmlns:a="http://schemas.openxmlformats.org/drawingml/2006/main" xmlns:r="http://schemas.openxmlformats.org/officeDocument/2006/relationships" xmlns:p="http://schemas.openxmlformats.org/presentationml/2006/main">
-  <p:cSld>
-    <p:spTree>
-      <p:nvGrpSpPr>
-        <p:cNvPr id="1" name="">
-          <a:extLst>
-            <a:ext uri="{FF2B5EF4-FFF2-40B4-BE49-F238E27FC236}">
-              <a16:creationId xmlns:a16="http://schemas.microsoft.com/office/drawing/2014/main" id="{31480B89-96FE-78C6-17E8-6EA31608AD58}"/>
-            </a:ext>
-          </a:extLst>
-        </p:cNvPr>
-        <p:cNvGrpSpPr/>
-        <p:nvPr/>
-      </p:nvGrpSpPr>
-      <p:grpSpPr>
-        <a:xfrm>
-          <a:off x="0" y="0"/>
-          <a:ext cx="0" cy="0"/>
-          <a:chOff x="0" y="0"/>
-          <a:chExt cx="0" cy="0"/>
-        </a:xfrm>
-      </p:grpSpPr>
-      <p:sp>
-        <p:nvSpPr>
-          <p:cNvPr id="3" name="Content Placeholder 2">
-            <a:extLst>
-              <a:ext uri="{FF2B5EF4-FFF2-40B4-BE49-F238E27FC236}">
-                <a16:creationId xmlns:a16="http://schemas.microsoft.com/office/drawing/2014/main" id="{AD093399-CF04-CB78-FE82-889F632EBB3B}"/>
-              </a:ext>
-            </a:extLst>
-          </p:cNvPr>
-          <p:cNvSpPr>
-            <a:spLocks noGrp="1"/>
-          </p:cNvSpPr>
-          <p:nvPr>
-            <p:ph idx="1"/>
-          </p:nvPr>
-        </p:nvSpPr>
-        <p:spPr>
-          <a:xfrm>
-            <a:off x="268857" y="672943"/>
-            <a:ext cx="8958670" cy="5387197"/>
-          </a:xfrm>
-        </p:spPr>
-        <p:txBody>
-          <a:bodyPr>
-            <a:normAutofit fontScale="70000" lnSpcReduction="20000"/>
-          </a:bodyPr>
-          <a:lstStyle/>
-          <a:p>
-            <a:pPr>
-              <a:lnSpc>
-                <a:spcPct val="110000"/>
-              </a:lnSpc>
-            </a:pPr>
-            <a:r>
-              <a:rPr lang="en-US" dirty="0"/>
-              <a:t>We are trying to do 2 different things:</a:t>
-            </a:r>
-          </a:p>
-          <a:p>
-            <a:pPr lvl="1">
-              <a:lnSpc>
-                <a:spcPct val="110000"/>
-              </a:lnSpc>
-            </a:pPr>
-            <a:r>
-              <a:rPr lang="en-US" dirty="0"/>
-              <a:t>Identify features (</a:t>
-            </a:r>
-            <a:r>
-              <a:rPr lang="en-US" dirty="0" err="1"/>
-              <a:t>interoperabilityIdentifer</a:t>
-            </a:r>
-            <a:r>
-              <a:rPr lang="en-US" dirty="0"/>
-              <a:t> does this)</a:t>
-            </a:r>
-          </a:p>
-          <a:p>
-            <a:pPr lvl="1">
-              <a:lnSpc>
-                <a:spcPct val="110000"/>
-              </a:lnSpc>
-            </a:pPr>
-            <a:r>
-              <a:rPr lang="en-US" dirty="0"/>
-              <a:t>Associate between features in different PS, as well as in different datasets (the same PS)</a:t>
-            </a:r>
-          </a:p>
-          <a:p>
-            <a:pPr lvl="1">
-              <a:lnSpc>
-                <a:spcPct val="110000"/>
-              </a:lnSpc>
-            </a:pPr>
-            <a:endParaRPr lang="en-US" dirty="0"/>
-          </a:p>
-          <a:p>
-            <a:pPr>
-              <a:lnSpc>
-                <a:spcPct val="110000"/>
-              </a:lnSpc>
-            </a:pPr>
-            <a:r>
-              <a:rPr lang="en-US" dirty="0"/>
-              <a:t>So, </a:t>
-            </a:r>
-            <a:r>
-              <a:rPr lang="en-US" b="1" i="1" dirty="0" err="1"/>
-              <a:t>interoperablityIdentifier</a:t>
-            </a:r>
-            <a:r>
-              <a:rPr lang="en-US" dirty="0"/>
-              <a:t> identifies “features”</a:t>
-            </a:r>
-          </a:p>
-          <a:p>
-            <a:pPr>
-              <a:lnSpc>
-                <a:spcPct val="110000"/>
-              </a:lnSpc>
-            </a:pPr>
-            <a:r>
-              <a:rPr lang="en-US" b="1" i="1" dirty="0" err="1"/>
-              <a:t>featureReference.interoperabilityIdentifier</a:t>
-            </a:r>
-            <a:r>
-              <a:rPr lang="en-US" b="1" i="1" dirty="0"/>
-              <a:t> </a:t>
-            </a:r>
-            <a:r>
-              <a:rPr lang="en-US" dirty="0"/>
-              <a:t>contains a reference to “other” identifiers in some product specifications (not all)</a:t>
-            </a:r>
-          </a:p>
-          <a:p>
-            <a:pPr>
-              <a:lnSpc>
-                <a:spcPct val="110000"/>
-              </a:lnSpc>
-            </a:pPr>
-            <a:endParaRPr lang="en-US" dirty="0"/>
-          </a:p>
-          <a:p>
-            <a:pPr>
-              <a:lnSpc>
-                <a:spcPct val="110000"/>
-              </a:lnSpc>
-            </a:pPr>
-            <a:r>
-              <a:rPr lang="en-US" dirty="0"/>
-              <a:t>The ECDIS must return (in the pick report)</a:t>
-            </a:r>
-          </a:p>
-          <a:p>
-            <a:pPr lvl="1">
-              <a:lnSpc>
-                <a:spcPct val="110000"/>
-              </a:lnSpc>
-            </a:pPr>
-            <a:r>
-              <a:rPr lang="en-US" b="1" dirty="0">
-                <a:solidFill>
-                  <a:srgbClr val="C00000"/>
-                </a:solidFill>
-              </a:rPr>
-              <a:t>All features with identical </a:t>
-            </a:r>
-            <a:r>
-              <a:rPr lang="en-US" b="1" dirty="0" err="1">
-                <a:solidFill>
-                  <a:srgbClr val="C00000"/>
-                </a:solidFill>
-              </a:rPr>
-              <a:t>interoperabilityIdentifiers</a:t>
-            </a:r>
-            <a:endParaRPr lang="en-US" b="1" dirty="0">
-              <a:solidFill>
-                <a:srgbClr val="C00000"/>
-              </a:solidFill>
-            </a:endParaRPr>
-          </a:p>
-          <a:p>
-            <a:pPr lvl="1">
-              <a:lnSpc>
-                <a:spcPct val="110000"/>
-              </a:lnSpc>
-            </a:pPr>
-            <a:r>
-              <a:rPr lang="en-US" b="1" dirty="0">
-                <a:solidFill>
-                  <a:srgbClr val="C00000"/>
-                </a:solidFill>
-              </a:rPr>
-              <a:t>Any feature which has a feature reference containing the </a:t>
-            </a:r>
-            <a:r>
-              <a:rPr lang="en-US" b="1" dirty="0" err="1">
-                <a:solidFill>
-                  <a:srgbClr val="C00000"/>
-                </a:solidFill>
-              </a:rPr>
-              <a:t>interoperabilityIdentifier</a:t>
-            </a:r>
-            <a:r>
-              <a:rPr lang="en-US" b="1" dirty="0">
-                <a:solidFill>
-                  <a:srgbClr val="C00000"/>
-                </a:solidFill>
-              </a:rPr>
-              <a:t> of the picked feature.</a:t>
-            </a:r>
-          </a:p>
-          <a:p>
-            <a:pPr lvl="1">
-              <a:lnSpc>
-                <a:spcPct val="110000"/>
-              </a:lnSpc>
-            </a:pPr>
-            <a:endParaRPr lang="en-US" dirty="0"/>
-          </a:p>
-          <a:p>
-            <a:pPr>
-              <a:lnSpc>
-                <a:spcPct val="110000"/>
-              </a:lnSpc>
-            </a:pPr>
-            <a:r>
-              <a:rPr lang="en-US" dirty="0"/>
-              <a:t>There can be multiple feature references in S-124</a:t>
-            </a:r>
-          </a:p>
-          <a:p>
-            <a:pPr>
-              <a:lnSpc>
-                <a:spcPct val="110000"/>
-              </a:lnSpc>
-            </a:pPr>
-            <a:r>
-              <a:rPr lang="en-US" dirty="0"/>
-              <a:t>How can you associate between different datasets (same PS) Using common </a:t>
-            </a:r>
-            <a:r>
-              <a:rPr lang="en-US" dirty="0" err="1"/>
-              <a:t>foid</a:t>
-            </a:r>
-            <a:r>
-              <a:rPr lang="en-US" dirty="0"/>
-              <a:t>?</a:t>
-            </a:r>
-          </a:p>
-          <a:p>
-            <a:pPr>
-              <a:lnSpc>
-                <a:spcPct val="110000"/>
-              </a:lnSpc>
-            </a:pPr>
-            <a:endParaRPr lang="en-GB" dirty="0"/>
-          </a:p>
-        </p:txBody>
-      </p:sp>
-      <p:pic>
-        <p:nvPicPr>
-          <p:cNvPr id="4" name="Picture 3">
-            <a:extLst>
-              <a:ext uri="{FF2B5EF4-FFF2-40B4-BE49-F238E27FC236}">
-                <a16:creationId xmlns:a16="http://schemas.microsoft.com/office/drawing/2014/main" id="{B3107FBF-E529-1A89-9B9A-FC64687B3CF3}"/>
-              </a:ext>
-            </a:extLst>
-          </p:cNvPr>
-          <p:cNvPicPr>
-            <a:picLocks noChangeAspect="1"/>
-          </p:cNvPicPr>
-          <p:nvPr/>
-        </p:nvPicPr>
-        <p:blipFill>
-          <a:blip r:embed="rId2"/>
-          <a:stretch>
-            <a:fillRect/>
-          </a:stretch>
-        </p:blipFill>
-        <p:spPr>
-          <a:xfrm>
-            <a:off x="8692564" y="2025618"/>
-            <a:ext cx="2863129" cy="1513867"/>
-          </a:xfrm>
-          <a:prstGeom prst="rect">
-            <a:avLst/>
-          </a:prstGeom>
-        </p:spPr>
-      </p:pic>
-    </p:spTree>
-    <p:extLst>
-      <p:ext uri="{BB962C8B-B14F-4D97-AF65-F5344CB8AC3E}">
-        <p14:creationId xmlns:p14="http://schemas.microsoft.com/office/powerpoint/2010/main" val="1281628059"/>
-      </p:ext>
-    </p:extLst>
-  </p:cSld>
-  <p:clrMapOvr>
-    <a:masterClrMapping/>
-  </p:clrMapOvr>
-</p:sld>
-</file>
-
-<file path=ppt/slides/slide9.xml><?xml version="1.0" encoding="utf-8"?>
-<p:sld xmlns:a="http://schemas.openxmlformats.org/drawingml/2006/main" xmlns:r="http://schemas.openxmlformats.org/officeDocument/2006/relationships" xmlns:p="http://schemas.openxmlformats.org/presentationml/2006/main">
-  <p:cSld>
-    <p:spTree>
-      <p:nvGrpSpPr>
-        <p:cNvPr id="1" name="">
-          <a:extLst>
-            <a:ext uri="{FF2B5EF4-FFF2-40B4-BE49-F238E27FC236}">
-              <a16:creationId xmlns:a16="http://schemas.microsoft.com/office/drawing/2014/main" id="{B951083A-06E6-8148-D37E-75C6090C39EB}"/>
-            </a:ext>
-          </a:extLst>
-        </p:cNvPr>
-        <p:cNvGrpSpPr/>
-        <p:nvPr/>
-      </p:nvGrpSpPr>
-      <p:grpSpPr>
-        <a:xfrm>
-          <a:off x="0" y="0"/>
-          <a:ext cx="0" cy="0"/>
-          <a:chOff x="0" y="0"/>
-          <a:chExt cx="0" cy="0"/>
-        </a:xfrm>
-      </p:grpSpPr>
-      <p:sp>
-        <p:nvSpPr>
-          <p:cNvPr id="5" name="Rectangle 4">
-            <a:extLst>
-              <a:ext uri="{FF2B5EF4-FFF2-40B4-BE49-F238E27FC236}">
-                <a16:creationId xmlns:a16="http://schemas.microsoft.com/office/drawing/2014/main" id="{D0329CD9-400A-F30A-F929-013152D3245D}"/>
-              </a:ext>
-            </a:extLst>
-          </p:cNvPr>
-          <p:cNvSpPr/>
-          <p:nvPr/>
-        </p:nvSpPr>
-        <p:spPr>
-          <a:xfrm>
-            <a:off x="573472" y="1125739"/>
-            <a:ext cx="3438144" cy="3608832"/>
-          </a:xfrm>
-          <a:prstGeom prst="rect">
-            <a:avLst/>
-          </a:prstGeom>
-          <a:solidFill>
-            <a:schemeClr val="accent5">
-              <a:lumMod val="40000"/>
-              <a:lumOff val="60000"/>
-            </a:schemeClr>
-          </a:solidFill>
-        </p:spPr>
-        <p:style>
-          <a:lnRef idx="2">
-            <a:schemeClr val="accent1">
-              <a:shade val="15000"/>
-            </a:schemeClr>
-          </a:lnRef>
-          <a:fillRef idx="1">
-            <a:schemeClr val="accent1"/>
-          </a:fillRef>
-          <a:effectRef idx="0">
-            <a:schemeClr val="accent1"/>
-          </a:effectRef>
-          <a:fontRef idx="minor">
-            <a:schemeClr val="lt1"/>
-          </a:fontRef>
-        </p:style>
-        <p:txBody>
-          <a:bodyPr rtlCol="0" anchor="ctr"/>
-          <a:lstStyle/>
-          <a:p>
-            <a:pPr marL="0" marR="0" lvl="0" indent="0" algn="ctr" defTabSz="914400" rtl="0" eaLnBrk="1" fontAlgn="auto" latinLnBrk="0" hangingPunct="1">
-              <a:lnSpc>
-                <a:spcPct val="100000"/>
-              </a:lnSpc>
-              <a:spcBef>
-                <a:spcPts val="0"/>
-              </a:spcBef>
-              <a:spcAft>
-                <a:spcPts val="0"/>
-              </a:spcAft>
-              <a:buClrTx/>
-              <a:buSzTx/>
-              <a:buFontTx/>
-              <a:buNone/>
-              <a:tabLst/>
-              <a:defRPr/>
-            </a:pPr>
-            <a:endParaRPr kumimoji="0" lang="en-GB" sz="1800" b="0" i="0" u="none" strike="noStrike" kern="1200" cap="none" spc="0" normalizeH="0" baseline="0" noProof="0">
-              <a:ln>
-                <a:noFill/>
-              </a:ln>
-              <a:solidFill>
-                <a:prstClr val="white"/>
-              </a:solidFill>
-              <a:effectLst/>
-              <a:uLnTx/>
-              <a:uFillTx/>
-              <a:latin typeface="Calibri" panose="020F0502020204030204"/>
-              <a:ea typeface="+mn-ea"/>
-              <a:cs typeface="+mn-cs"/>
-            </a:endParaRPr>
-          </a:p>
-        </p:txBody>
-      </p:sp>
-      <p:sp>
-        <p:nvSpPr>
-          <p:cNvPr id="6" name="Rectangle 5">
-            <a:extLst>
-              <a:ext uri="{FF2B5EF4-FFF2-40B4-BE49-F238E27FC236}">
-                <a16:creationId xmlns:a16="http://schemas.microsoft.com/office/drawing/2014/main" id="{B23C6100-5181-6E3E-A0A8-5CB8D680612E}"/>
-              </a:ext>
-            </a:extLst>
-          </p:cNvPr>
-          <p:cNvSpPr/>
-          <p:nvPr/>
-        </p:nvSpPr>
-        <p:spPr>
-          <a:xfrm>
-            <a:off x="4011616" y="1125739"/>
-            <a:ext cx="3438144" cy="3608832"/>
-          </a:xfrm>
-          <a:prstGeom prst="rect">
-            <a:avLst/>
-          </a:prstGeom>
-          <a:solidFill>
-            <a:schemeClr val="accent5">
-              <a:lumMod val="40000"/>
-              <a:lumOff val="60000"/>
-            </a:schemeClr>
-          </a:solidFill>
-        </p:spPr>
-        <p:style>
-          <a:lnRef idx="2">
-            <a:schemeClr val="accent1">
-              <a:shade val="15000"/>
-            </a:schemeClr>
-          </a:lnRef>
-          <a:fillRef idx="1">
-            <a:schemeClr val="accent1"/>
-          </a:fillRef>
-          <a:effectRef idx="0">
-            <a:schemeClr val="accent1"/>
-          </a:effectRef>
-          <a:fontRef idx="minor">
-            <a:schemeClr val="lt1"/>
-          </a:fontRef>
-        </p:style>
-        <p:txBody>
-          <a:bodyPr rtlCol="0" anchor="ctr"/>
-          <a:lstStyle/>
-          <a:p>
-            <a:pPr marL="0" marR="0" lvl="0" indent="0" algn="ctr" defTabSz="914400" rtl="0" eaLnBrk="1" fontAlgn="auto" latinLnBrk="0" hangingPunct="1">
-              <a:lnSpc>
-                <a:spcPct val="100000"/>
-              </a:lnSpc>
-              <a:spcBef>
-                <a:spcPts val="0"/>
-              </a:spcBef>
-              <a:spcAft>
-                <a:spcPts val="0"/>
-              </a:spcAft>
-              <a:buClrTx/>
-              <a:buSzTx/>
-              <a:buFontTx/>
-              <a:buNone/>
-              <a:tabLst/>
-              <a:defRPr/>
-            </a:pPr>
-            <a:endParaRPr kumimoji="0" lang="en-GB" sz="1800" b="0" i="0" u="none" strike="noStrike" kern="1200" cap="none" spc="0" normalizeH="0" baseline="0" noProof="0">
-              <a:ln>
-                <a:noFill/>
-              </a:ln>
-              <a:solidFill>
-                <a:prstClr val="white"/>
-              </a:solidFill>
-              <a:effectLst/>
-              <a:uLnTx/>
-              <a:uFillTx/>
-              <a:latin typeface="Calibri" panose="020F0502020204030204"/>
-              <a:ea typeface="+mn-ea"/>
-              <a:cs typeface="+mn-cs"/>
-            </a:endParaRPr>
-          </a:p>
-        </p:txBody>
-      </p:sp>
-      <p:sp>
-        <p:nvSpPr>
-          <p:cNvPr id="4" name="Rectangle 3">
-            <a:extLst>
-              <a:ext uri="{FF2B5EF4-FFF2-40B4-BE49-F238E27FC236}">
-                <a16:creationId xmlns:a16="http://schemas.microsoft.com/office/drawing/2014/main" id="{79568CC3-FBA2-78D5-F9EF-52EA4FF7A076}"/>
-              </a:ext>
-            </a:extLst>
-          </p:cNvPr>
-          <p:cNvSpPr/>
-          <p:nvPr/>
-        </p:nvSpPr>
-        <p:spPr>
-          <a:xfrm rot="21193878">
-            <a:off x="1991414" y="2486752"/>
-            <a:ext cx="4937760" cy="673445"/>
-          </a:xfrm>
-          <a:prstGeom prst="rect">
-            <a:avLst/>
-          </a:prstGeom>
-          <a:ln>
-            <a:solidFill>
-              <a:srgbClr val="C00000"/>
-            </a:solidFill>
-          </a:ln>
-        </p:spPr>
-        <p:style>
-          <a:lnRef idx="2">
-            <a:schemeClr val="accent1">
-              <a:shade val="15000"/>
-            </a:schemeClr>
-          </a:lnRef>
-          <a:fillRef idx="1">
-            <a:schemeClr val="accent1"/>
-          </a:fillRef>
-          <a:effectRef idx="0">
-            <a:schemeClr val="accent1"/>
-          </a:effectRef>
-          <a:fontRef idx="minor">
-            <a:schemeClr val="lt1"/>
-          </a:fontRef>
-        </p:style>
-        <p:txBody>
-          <a:bodyPr rtlCol="0" anchor="ctr"/>
-          <a:lstStyle/>
-          <a:p>
-            <a:pPr marL="0" marR="0" lvl="0" indent="0" algn="ctr" defTabSz="914400" rtl="0" eaLnBrk="1" fontAlgn="auto" latinLnBrk="0" hangingPunct="1">
-              <a:lnSpc>
-                <a:spcPct val="100000"/>
-              </a:lnSpc>
-              <a:spcBef>
-                <a:spcPts val="0"/>
-              </a:spcBef>
-              <a:spcAft>
-                <a:spcPts val="0"/>
-              </a:spcAft>
-              <a:buClrTx/>
-              <a:buSzTx/>
-              <a:buFontTx/>
-              <a:buNone/>
-              <a:tabLst/>
-              <a:defRPr/>
-            </a:pPr>
-            <a:r>
-              <a:rPr kumimoji="0" lang="en-US" sz="1800" b="0" i="0" u="none" strike="noStrike" kern="1200" cap="none" spc="0" normalizeH="0" baseline="0" noProof="0" dirty="0">
-                <a:ln>
-                  <a:noFill/>
-                </a:ln>
-                <a:solidFill>
-                  <a:prstClr val="white"/>
-                </a:solidFill>
-                <a:effectLst/>
-                <a:uLnTx/>
-                <a:uFillTx/>
-                <a:latin typeface="Calibri" panose="020F0502020204030204"/>
-                <a:ea typeface="+mn-ea"/>
-                <a:cs typeface="+mn-cs"/>
-              </a:rPr>
-              <a:t>Bridge</a:t>
-            </a:r>
-            <a:endParaRPr kumimoji="0" lang="en-GB" sz="1800" b="0" i="0" u="none" strike="noStrike" kern="1200" cap="none" spc="0" normalizeH="0" baseline="0" noProof="0" dirty="0">
-              <a:ln>
-                <a:noFill/>
-              </a:ln>
-              <a:solidFill>
-                <a:prstClr val="white"/>
-              </a:solidFill>
-              <a:effectLst/>
-              <a:uLnTx/>
-              <a:uFillTx/>
-              <a:latin typeface="Calibri" panose="020F0502020204030204"/>
-              <a:ea typeface="+mn-ea"/>
-              <a:cs typeface="+mn-cs"/>
-            </a:endParaRPr>
-          </a:p>
-        </p:txBody>
-      </p:sp>
-      <p:sp>
-        <p:nvSpPr>
-          <p:cNvPr id="7" name="Rectangle 6">
-            <a:extLst>
-              <a:ext uri="{FF2B5EF4-FFF2-40B4-BE49-F238E27FC236}">
-                <a16:creationId xmlns:a16="http://schemas.microsoft.com/office/drawing/2014/main" id="{56B4F7CD-59B3-E0D6-EE0C-617F0532E93E}"/>
-              </a:ext>
-            </a:extLst>
-          </p:cNvPr>
-          <p:cNvSpPr/>
-          <p:nvPr/>
-        </p:nvSpPr>
-        <p:spPr>
-          <a:xfrm>
-            <a:off x="811216" y="2010988"/>
-            <a:ext cx="3939516" cy="2378143"/>
-          </a:xfrm>
-          <a:prstGeom prst="rect">
-            <a:avLst/>
-          </a:prstGeom>
-          <a:noFill/>
-        </p:spPr>
-        <p:style>
-          <a:lnRef idx="2">
-            <a:schemeClr val="accent1">
-              <a:shade val="15000"/>
-            </a:schemeClr>
-          </a:lnRef>
-          <a:fillRef idx="1">
-            <a:schemeClr val="accent1"/>
-          </a:fillRef>
-          <a:effectRef idx="0">
-            <a:schemeClr val="accent1"/>
-          </a:effectRef>
-          <a:fontRef idx="minor">
-            <a:schemeClr val="lt1"/>
-          </a:fontRef>
-        </p:style>
-        <p:txBody>
-          <a:bodyPr rtlCol="0" anchor="ctr"/>
-          <a:lstStyle/>
-          <a:p>
-            <a:pPr marL="0" marR="0" lvl="0" indent="0" algn="ctr" defTabSz="914400" rtl="0" eaLnBrk="1" fontAlgn="auto" latinLnBrk="0" hangingPunct="1">
-              <a:lnSpc>
-                <a:spcPct val="100000"/>
-              </a:lnSpc>
-              <a:spcBef>
-                <a:spcPts val="0"/>
-              </a:spcBef>
-              <a:spcAft>
-                <a:spcPts val="0"/>
-              </a:spcAft>
-              <a:buClrTx/>
-              <a:buSzTx/>
-              <a:buFontTx/>
-              <a:buNone/>
-              <a:tabLst/>
-              <a:defRPr/>
-            </a:pPr>
-            <a:endParaRPr kumimoji="0" lang="en-GB" sz="1800" b="0" i="0" u="none" strike="noStrike" kern="1200" cap="none" spc="0" normalizeH="0" baseline="0" noProof="0">
-              <a:ln>
-                <a:noFill/>
-              </a:ln>
-              <a:solidFill>
-                <a:prstClr val="white"/>
-              </a:solidFill>
-              <a:effectLst/>
-              <a:uLnTx/>
-              <a:uFillTx/>
-              <a:latin typeface="Calibri" panose="020F0502020204030204"/>
-              <a:ea typeface="+mn-ea"/>
-              <a:cs typeface="+mn-cs"/>
-            </a:endParaRPr>
-          </a:p>
-        </p:txBody>
-      </p:sp>
-      <p:sp>
-        <p:nvSpPr>
-          <p:cNvPr id="8" name="TextBox 7">
-            <a:extLst>
-              <a:ext uri="{FF2B5EF4-FFF2-40B4-BE49-F238E27FC236}">
-                <a16:creationId xmlns:a16="http://schemas.microsoft.com/office/drawing/2014/main" id="{4902D3ED-7A01-3F0E-5528-0D258FDC9F01}"/>
-              </a:ext>
-            </a:extLst>
-          </p:cNvPr>
-          <p:cNvSpPr txBox="1"/>
-          <p:nvPr/>
-        </p:nvSpPr>
-        <p:spPr>
-          <a:xfrm>
-            <a:off x="774119" y="2320555"/>
-            <a:ext cx="1049133" cy="369332"/>
-          </a:xfrm>
-          <a:prstGeom prst="rect">
-            <a:avLst/>
-          </a:prstGeom>
-          <a:noFill/>
-        </p:spPr>
-        <p:txBody>
-          <a:bodyPr wrap="none" rtlCol="0">
-            <a:spAutoFit/>
-          </a:bodyPr>
-          <a:lstStyle/>
-          <a:p>
-            <a:pPr marL="0" marR="0" lvl="0" indent="0" algn="l" defTabSz="914400" rtl="0" eaLnBrk="1" fontAlgn="auto" latinLnBrk="0" hangingPunct="1">
-              <a:lnSpc>
-                <a:spcPct val="100000"/>
-              </a:lnSpc>
-              <a:spcBef>
-                <a:spcPts val="0"/>
-              </a:spcBef>
-              <a:spcAft>
-                <a:spcPts val="0"/>
-              </a:spcAft>
-              <a:buClrTx/>
-              <a:buSzTx/>
-              <a:buFontTx/>
-              <a:buNone/>
-              <a:tabLst/>
-              <a:defRPr/>
-            </a:pPr>
-            <a:r>
-              <a:rPr kumimoji="0" lang="en-US" sz="1800" b="0" i="0" u="none" strike="noStrike" kern="1200" cap="none" spc="0" normalizeH="0" baseline="0" noProof="0" dirty="0">
-                <a:ln>
-                  <a:noFill/>
-                </a:ln>
-                <a:solidFill>
-                  <a:prstClr val="black"/>
-                </a:solidFill>
-                <a:effectLst/>
-                <a:uLnTx/>
-                <a:uFillTx/>
-                <a:latin typeface="Calibri" panose="020F0502020204030204"/>
-                <a:ea typeface="+mn-ea"/>
-                <a:cs typeface="+mn-cs"/>
-              </a:rPr>
-              <a:t>Viewport</a:t>
-            </a:r>
-            <a:endParaRPr kumimoji="0" lang="en-GB" sz="1800" b="0" i="0" u="none" strike="noStrike" kern="1200" cap="none" spc="0" normalizeH="0" baseline="0" noProof="0" dirty="0">
-              <a:ln>
-                <a:noFill/>
-              </a:ln>
-              <a:solidFill>
-                <a:prstClr val="black"/>
-              </a:solidFill>
-              <a:effectLst/>
-              <a:uLnTx/>
-              <a:uFillTx/>
-              <a:latin typeface="Calibri" panose="020F0502020204030204"/>
-              <a:ea typeface="+mn-ea"/>
-              <a:cs typeface="+mn-cs"/>
-            </a:endParaRPr>
-          </a:p>
-        </p:txBody>
-      </p:sp>
-      <p:cxnSp>
-        <p:nvCxnSpPr>
-          <p:cNvPr id="10" name="Straight Connector 9">
-            <a:extLst>
-              <a:ext uri="{FF2B5EF4-FFF2-40B4-BE49-F238E27FC236}">
-                <a16:creationId xmlns:a16="http://schemas.microsoft.com/office/drawing/2014/main" id="{63FBFA4F-17FE-DFBA-CAD8-9DA9D8CB163A}"/>
-              </a:ext>
-            </a:extLst>
-          </p:cNvPr>
-          <p:cNvCxnSpPr>
-            <a:cxnSpLocks/>
-          </p:cNvCxnSpPr>
-          <p:nvPr/>
-        </p:nvCxnSpPr>
-        <p:spPr>
-          <a:xfrm>
-            <a:off x="4011616" y="2535947"/>
-            <a:ext cx="0" cy="662432"/>
-          </a:xfrm>
-          <a:prstGeom prst="line">
-            <a:avLst/>
-          </a:prstGeom>
-          <a:ln>
-            <a:solidFill>
-              <a:schemeClr val="tx1">
-                <a:lumMod val="95000"/>
-                <a:lumOff val="5000"/>
-              </a:schemeClr>
-            </a:solidFill>
-            <a:prstDash val="dash"/>
-          </a:ln>
-        </p:spPr>
-        <p:style>
-          <a:lnRef idx="1">
-            <a:schemeClr val="accent1"/>
-          </a:lnRef>
-          <a:fillRef idx="0">
-            <a:schemeClr val="accent1"/>
-          </a:fillRef>
-          <a:effectRef idx="0">
-            <a:schemeClr val="accent1"/>
-          </a:effectRef>
-          <a:fontRef idx="minor">
-            <a:schemeClr val="tx1"/>
-          </a:fontRef>
-        </p:style>
-      </p:cxnSp>
-      <p:sp>
-        <p:nvSpPr>
-          <p:cNvPr id="13" name="TextBox 12">
-            <a:extLst>
-              <a:ext uri="{FF2B5EF4-FFF2-40B4-BE49-F238E27FC236}">
-                <a16:creationId xmlns:a16="http://schemas.microsoft.com/office/drawing/2014/main" id="{15C767BC-008D-9ABF-DAAA-6EE75787245A}"/>
-              </a:ext>
-            </a:extLst>
-          </p:cNvPr>
-          <p:cNvSpPr txBox="1"/>
-          <p:nvPr/>
-        </p:nvSpPr>
-        <p:spPr>
-          <a:xfrm>
-            <a:off x="3449905" y="1107928"/>
-            <a:ext cx="647934" cy="369332"/>
-          </a:xfrm>
-          <a:prstGeom prst="rect">
-            <a:avLst/>
-          </a:prstGeom>
-          <a:noFill/>
-        </p:spPr>
-        <p:txBody>
-          <a:bodyPr wrap="none" rtlCol="0">
-            <a:spAutoFit/>
-          </a:bodyPr>
-          <a:lstStyle/>
-          <a:p>
-            <a:pPr marL="0" marR="0" lvl="0" indent="0" algn="l" defTabSz="914400" rtl="0" eaLnBrk="1" fontAlgn="auto" latinLnBrk="0" hangingPunct="1">
-              <a:lnSpc>
-                <a:spcPct val="100000"/>
-              </a:lnSpc>
-              <a:spcBef>
-                <a:spcPts val="0"/>
-              </a:spcBef>
-              <a:spcAft>
-                <a:spcPts val="0"/>
-              </a:spcAft>
-              <a:buClrTx/>
-              <a:buSzTx/>
-              <a:buFontTx/>
-              <a:buNone/>
-              <a:tabLst/>
-              <a:defRPr/>
-            </a:pPr>
-            <a:r>
-              <a:rPr kumimoji="0" lang="en-US" sz="1800" b="0" i="0" u="none" strike="noStrike" kern="1200" cap="none" spc="0" normalizeH="0" baseline="0" noProof="0" dirty="0">
-                <a:ln>
-                  <a:noFill/>
-                </a:ln>
-                <a:solidFill>
-                  <a:srgbClr val="44546A">
-                    <a:lumMod val="50000"/>
-                  </a:srgbClr>
-                </a:solidFill>
-                <a:effectLst/>
-                <a:uLnTx/>
-                <a:uFillTx/>
-                <a:latin typeface="Calibri" panose="020F0502020204030204"/>
-                <a:ea typeface="+mn-ea"/>
-                <a:cs typeface="+mn-cs"/>
-              </a:rPr>
-              <a:t>ENC</a:t>
-            </a:r>
-            <a:r>
-              <a:rPr kumimoji="0" lang="en-US" sz="1800" b="0" i="0" u="none" strike="noStrike" kern="1200" cap="none" spc="0" normalizeH="0" baseline="-25000" noProof="0" dirty="0">
-                <a:ln>
-                  <a:noFill/>
-                </a:ln>
-                <a:solidFill>
-                  <a:srgbClr val="44546A">
-                    <a:lumMod val="50000"/>
-                  </a:srgbClr>
-                </a:solidFill>
-                <a:effectLst/>
-                <a:uLnTx/>
-                <a:uFillTx/>
-                <a:latin typeface="Calibri" panose="020F0502020204030204"/>
-                <a:ea typeface="+mn-ea"/>
-                <a:cs typeface="+mn-cs"/>
-              </a:rPr>
-              <a:t>1</a:t>
-            </a:r>
-            <a:endParaRPr kumimoji="0" lang="en-GB" sz="1800" b="0" i="0" u="none" strike="noStrike" kern="1200" cap="none" spc="0" normalizeH="0" baseline="0" noProof="0" dirty="0">
-              <a:ln>
-                <a:noFill/>
-              </a:ln>
-              <a:solidFill>
-                <a:srgbClr val="44546A">
-                  <a:lumMod val="50000"/>
-                </a:srgbClr>
-              </a:solidFill>
-              <a:effectLst/>
-              <a:uLnTx/>
-              <a:uFillTx/>
-              <a:latin typeface="Calibri" panose="020F0502020204030204"/>
-              <a:ea typeface="+mn-ea"/>
-              <a:cs typeface="+mn-cs"/>
-            </a:endParaRPr>
-          </a:p>
-        </p:txBody>
-      </p:sp>
-      <p:sp>
-        <p:nvSpPr>
-          <p:cNvPr id="14" name="TextBox 13">
-            <a:extLst>
-              <a:ext uri="{FF2B5EF4-FFF2-40B4-BE49-F238E27FC236}">
-                <a16:creationId xmlns:a16="http://schemas.microsoft.com/office/drawing/2014/main" id="{B260C8AF-F442-9FB6-1A6D-055E884B275A}"/>
-              </a:ext>
-            </a:extLst>
-          </p:cNvPr>
-          <p:cNvSpPr txBox="1"/>
-          <p:nvPr/>
-        </p:nvSpPr>
-        <p:spPr>
-          <a:xfrm>
-            <a:off x="6888049" y="1073152"/>
-            <a:ext cx="647934" cy="369332"/>
-          </a:xfrm>
-          <a:prstGeom prst="rect">
-            <a:avLst/>
-          </a:prstGeom>
-          <a:noFill/>
-        </p:spPr>
-        <p:txBody>
-          <a:bodyPr wrap="none" rtlCol="0">
-            <a:spAutoFit/>
-          </a:bodyPr>
-          <a:lstStyle/>
-          <a:p>
-            <a:pPr marL="0" marR="0" lvl="0" indent="0" algn="l" defTabSz="914400" rtl="0" eaLnBrk="1" fontAlgn="auto" latinLnBrk="0" hangingPunct="1">
-              <a:lnSpc>
-                <a:spcPct val="100000"/>
-              </a:lnSpc>
-              <a:spcBef>
-                <a:spcPts val="0"/>
-              </a:spcBef>
-              <a:spcAft>
-                <a:spcPts val="0"/>
-              </a:spcAft>
-              <a:buClrTx/>
-              <a:buSzTx/>
-              <a:buFontTx/>
-              <a:buNone/>
-              <a:tabLst/>
-              <a:defRPr/>
-            </a:pPr>
-            <a:r>
-              <a:rPr kumimoji="0" lang="en-US" sz="1800" b="0" i="0" u="none" strike="noStrike" kern="1200" cap="none" spc="0" normalizeH="0" baseline="0" noProof="0" dirty="0">
-                <a:ln>
-                  <a:noFill/>
-                </a:ln>
-                <a:solidFill>
-                  <a:srgbClr val="44546A">
-                    <a:lumMod val="50000"/>
-                  </a:srgbClr>
-                </a:solidFill>
-                <a:effectLst/>
-                <a:uLnTx/>
-                <a:uFillTx/>
-                <a:latin typeface="Calibri" panose="020F0502020204030204"/>
-                <a:ea typeface="+mn-ea"/>
-                <a:cs typeface="+mn-cs"/>
-              </a:rPr>
-              <a:t>ENC</a:t>
-            </a:r>
-            <a:r>
-              <a:rPr kumimoji="0" lang="en-US" sz="1800" b="0" i="0" u="none" strike="noStrike" kern="1200" cap="none" spc="0" normalizeH="0" baseline="-25000" noProof="0" dirty="0">
-                <a:ln>
-                  <a:noFill/>
-                </a:ln>
-                <a:solidFill>
-                  <a:srgbClr val="44546A">
-                    <a:lumMod val="50000"/>
-                  </a:srgbClr>
-                </a:solidFill>
-                <a:effectLst/>
-                <a:uLnTx/>
-                <a:uFillTx/>
-                <a:latin typeface="Calibri" panose="020F0502020204030204"/>
-                <a:ea typeface="+mn-ea"/>
-                <a:cs typeface="+mn-cs"/>
-              </a:rPr>
-              <a:t>2</a:t>
-            </a:r>
-            <a:endParaRPr kumimoji="0" lang="en-GB" sz="1800" b="0" i="0" u="none" strike="noStrike" kern="1200" cap="none" spc="0" normalizeH="0" baseline="0" noProof="0" dirty="0">
-              <a:ln>
-                <a:noFill/>
-              </a:ln>
-              <a:solidFill>
-                <a:srgbClr val="44546A">
-                  <a:lumMod val="50000"/>
-                </a:srgbClr>
-              </a:solidFill>
-              <a:effectLst/>
-              <a:uLnTx/>
-              <a:uFillTx/>
-              <a:latin typeface="Calibri" panose="020F0502020204030204"/>
-              <a:ea typeface="+mn-ea"/>
-              <a:cs typeface="+mn-cs"/>
-            </a:endParaRPr>
-          </a:p>
-        </p:txBody>
-      </p:sp>
-      <p:sp>
-        <p:nvSpPr>
-          <p:cNvPr id="16" name="Oval 15">
-            <a:extLst>
-              <a:ext uri="{FF2B5EF4-FFF2-40B4-BE49-F238E27FC236}">
-                <a16:creationId xmlns:a16="http://schemas.microsoft.com/office/drawing/2014/main" id="{8A65CFE6-7B4E-5800-7BA4-05B10889452A}"/>
-              </a:ext>
-            </a:extLst>
-          </p:cNvPr>
-          <p:cNvSpPr/>
-          <p:nvPr/>
-        </p:nvSpPr>
-        <p:spPr>
-          <a:xfrm>
-            <a:off x="5255090" y="2211175"/>
-            <a:ext cx="89408" cy="85344"/>
-          </a:xfrm>
-          <a:prstGeom prst="ellipse">
-            <a:avLst/>
-          </a:prstGeom>
-          <a:solidFill>
-            <a:srgbClr val="FF0000"/>
-          </a:solidFill>
-        </p:spPr>
-        <p:style>
-          <a:lnRef idx="2">
-            <a:schemeClr val="accent1">
-              <a:shade val="15000"/>
-            </a:schemeClr>
-          </a:lnRef>
-          <a:fillRef idx="1">
-            <a:schemeClr val="accent1"/>
-          </a:fillRef>
-          <a:effectRef idx="0">
-            <a:schemeClr val="accent1"/>
-          </a:effectRef>
-          <a:fontRef idx="minor">
-            <a:schemeClr val="lt1"/>
-          </a:fontRef>
-        </p:style>
-        <p:txBody>
-          <a:bodyPr rtlCol="0" anchor="ctr"/>
-          <a:lstStyle/>
-          <a:p>
-            <a:pPr marL="0" marR="0" lvl="0" indent="0" algn="ctr" defTabSz="914400" rtl="0" eaLnBrk="1" fontAlgn="auto" latinLnBrk="0" hangingPunct="1">
-              <a:lnSpc>
-                <a:spcPct val="100000"/>
-              </a:lnSpc>
-              <a:spcBef>
-                <a:spcPts val="0"/>
-              </a:spcBef>
-              <a:spcAft>
-                <a:spcPts val="0"/>
-              </a:spcAft>
-              <a:buClrTx/>
-              <a:buSzTx/>
-              <a:buFontTx/>
-              <a:buNone/>
-              <a:tabLst/>
-              <a:defRPr/>
-            </a:pPr>
-            <a:endParaRPr kumimoji="0" lang="en-GB" sz="1800" b="0" i="0" u="none" strike="noStrike" kern="1200" cap="none" spc="0" normalizeH="0" baseline="0" noProof="0">
-              <a:ln>
-                <a:noFill/>
-              </a:ln>
-              <a:solidFill>
-                <a:prstClr val="white"/>
-              </a:solidFill>
-              <a:effectLst/>
-              <a:uLnTx/>
-              <a:uFillTx/>
-              <a:latin typeface="Calibri" panose="020F0502020204030204"/>
-              <a:ea typeface="+mn-ea"/>
-              <a:cs typeface="+mn-cs"/>
-            </a:endParaRPr>
-          </a:p>
-        </p:txBody>
-      </p:sp>
-      <p:sp>
-        <p:nvSpPr>
-          <p:cNvPr id="17" name="Oval 16">
-            <a:extLst>
-              <a:ext uri="{FF2B5EF4-FFF2-40B4-BE49-F238E27FC236}">
-                <a16:creationId xmlns:a16="http://schemas.microsoft.com/office/drawing/2014/main" id="{5BAEA201-FAB1-5FE1-19BF-15BCAA266962}"/>
-              </a:ext>
-            </a:extLst>
-          </p:cNvPr>
-          <p:cNvSpPr/>
-          <p:nvPr/>
-        </p:nvSpPr>
-        <p:spPr>
-          <a:xfrm>
-            <a:off x="5232675" y="3129772"/>
-            <a:ext cx="89408" cy="85344"/>
-          </a:xfrm>
-          <a:prstGeom prst="ellipse">
-            <a:avLst/>
-          </a:prstGeom>
-          <a:solidFill>
-            <a:schemeClr val="accent6">
-              <a:lumMod val="60000"/>
-              <a:lumOff val="40000"/>
-            </a:schemeClr>
-          </a:solidFill>
-        </p:spPr>
-        <p:style>
-          <a:lnRef idx="2">
-            <a:schemeClr val="accent1">
-              <a:shade val="15000"/>
-            </a:schemeClr>
-          </a:lnRef>
-          <a:fillRef idx="1">
-            <a:schemeClr val="accent1"/>
-          </a:fillRef>
-          <a:effectRef idx="0">
-            <a:schemeClr val="accent1"/>
-          </a:effectRef>
-          <a:fontRef idx="minor">
-            <a:schemeClr val="lt1"/>
-          </a:fontRef>
-        </p:style>
-        <p:txBody>
-          <a:bodyPr rtlCol="0" anchor="ctr"/>
-          <a:lstStyle/>
-          <a:p>
-            <a:pPr marL="0" marR="0" lvl="0" indent="0" algn="ctr" defTabSz="914400" rtl="0" eaLnBrk="1" fontAlgn="auto" latinLnBrk="0" hangingPunct="1">
-              <a:lnSpc>
-                <a:spcPct val="100000"/>
-              </a:lnSpc>
-              <a:spcBef>
-                <a:spcPts val="0"/>
-              </a:spcBef>
-              <a:spcAft>
-                <a:spcPts val="0"/>
-              </a:spcAft>
-              <a:buClrTx/>
-              <a:buSzTx/>
-              <a:buFontTx/>
-              <a:buNone/>
-              <a:tabLst/>
-              <a:defRPr/>
-            </a:pPr>
-            <a:endParaRPr kumimoji="0" lang="en-GB" sz="1800" b="0" i="0" u="none" strike="noStrike" kern="1200" cap="none" spc="0" normalizeH="0" baseline="0" noProof="0">
-              <a:ln>
-                <a:noFill/>
-              </a:ln>
-              <a:solidFill>
-                <a:prstClr val="white"/>
-              </a:solidFill>
-              <a:effectLst/>
-              <a:uLnTx/>
-              <a:uFillTx/>
-              <a:latin typeface="Calibri" panose="020F0502020204030204"/>
-              <a:ea typeface="+mn-ea"/>
-              <a:cs typeface="+mn-cs"/>
-            </a:endParaRPr>
-          </a:p>
-        </p:txBody>
-      </p:sp>
-      <p:cxnSp>
-        <p:nvCxnSpPr>
-          <p:cNvPr id="19" name="Straight Arrow Connector 18">
-            <a:extLst>
-              <a:ext uri="{FF2B5EF4-FFF2-40B4-BE49-F238E27FC236}">
-                <a16:creationId xmlns:a16="http://schemas.microsoft.com/office/drawing/2014/main" id="{ED2D1FD2-2F10-3483-BE71-8C4CC14B0AE1}"/>
-              </a:ext>
-            </a:extLst>
-          </p:cNvPr>
-          <p:cNvCxnSpPr/>
-          <p:nvPr/>
-        </p:nvCxnSpPr>
-        <p:spPr>
-          <a:xfrm>
-            <a:off x="1823252" y="2961330"/>
-            <a:ext cx="268705" cy="168442"/>
-          </a:xfrm>
-          <a:prstGeom prst="straightConnector1">
-            <a:avLst/>
-          </a:prstGeom>
-          <a:ln>
-            <a:solidFill>
-              <a:schemeClr val="tx1"/>
-            </a:solidFill>
-            <a:tailEnd type="triangle"/>
-          </a:ln>
-        </p:spPr>
-        <p:style>
-          <a:lnRef idx="1">
-            <a:schemeClr val="accent1"/>
-          </a:lnRef>
-          <a:fillRef idx="0">
-            <a:schemeClr val="accent1"/>
-          </a:fillRef>
-          <a:effectRef idx="0">
-            <a:schemeClr val="accent1"/>
-          </a:effectRef>
-          <a:fontRef idx="minor">
-            <a:schemeClr val="tx1"/>
-          </a:fontRef>
-        </p:style>
-      </p:cxnSp>
-      <p:sp>
-        <p:nvSpPr>
-          <p:cNvPr id="25" name="TextBox 24">
-            <a:extLst>
-              <a:ext uri="{FF2B5EF4-FFF2-40B4-BE49-F238E27FC236}">
-                <a16:creationId xmlns:a16="http://schemas.microsoft.com/office/drawing/2014/main" id="{ADF4CA20-7286-EA4C-ED07-80D0829594FE}"/>
-              </a:ext>
-            </a:extLst>
-          </p:cNvPr>
-          <p:cNvSpPr txBox="1"/>
-          <p:nvPr/>
-        </p:nvSpPr>
-        <p:spPr>
-          <a:xfrm>
-            <a:off x="1348308" y="2760440"/>
-            <a:ext cx="570990" cy="369332"/>
-          </a:xfrm>
-          <a:prstGeom prst="rect">
-            <a:avLst/>
-          </a:prstGeom>
-          <a:noFill/>
-        </p:spPr>
-        <p:txBody>
-          <a:bodyPr wrap="none" rtlCol="0">
-            <a:spAutoFit/>
-          </a:bodyPr>
-          <a:lstStyle/>
-          <a:p>
-            <a:pPr marL="0" marR="0" lvl="0" indent="0" algn="l" defTabSz="914400" rtl="0" eaLnBrk="1" fontAlgn="auto" latinLnBrk="0" hangingPunct="1">
-              <a:lnSpc>
-                <a:spcPct val="100000"/>
-              </a:lnSpc>
-              <a:spcBef>
-                <a:spcPts val="0"/>
-              </a:spcBef>
-              <a:spcAft>
-                <a:spcPts val="0"/>
-              </a:spcAft>
-              <a:buClrTx/>
-              <a:buSzTx/>
-              <a:buFontTx/>
-              <a:buNone/>
-              <a:tabLst/>
-              <a:defRPr/>
-            </a:pPr>
-            <a:r>
-              <a:rPr kumimoji="0" lang="en-US" sz="1800" b="1" i="0" u="none" strike="noStrike" kern="1200" cap="none" spc="0" normalizeH="0" baseline="0" noProof="0" dirty="0">
-                <a:ln>
-                  <a:noFill/>
-                </a:ln>
-                <a:solidFill>
-                  <a:srgbClr val="7030A0"/>
-                </a:solidFill>
-                <a:effectLst/>
-                <a:uLnTx/>
-                <a:uFillTx/>
-                <a:latin typeface="Calibri" panose="020F0502020204030204"/>
-                <a:ea typeface="+mn-ea"/>
-                <a:cs typeface="+mn-cs"/>
-              </a:rPr>
-              <a:t>pick</a:t>
-            </a:r>
-            <a:endParaRPr kumimoji="0" lang="en-GB" sz="1800" b="1" i="0" u="none" strike="noStrike" kern="1200" cap="none" spc="0" normalizeH="0" baseline="0" noProof="0" dirty="0">
-              <a:ln>
-                <a:noFill/>
-              </a:ln>
-              <a:solidFill>
-                <a:srgbClr val="7030A0"/>
-              </a:solidFill>
-              <a:effectLst/>
-              <a:uLnTx/>
-              <a:uFillTx/>
-              <a:latin typeface="Calibri" panose="020F0502020204030204"/>
-              <a:ea typeface="+mn-ea"/>
-              <a:cs typeface="+mn-cs"/>
-            </a:endParaRPr>
-          </a:p>
-        </p:txBody>
-      </p:sp>
-      <p:sp>
-        <p:nvSpPr>
-          <p:cNvPr id="26" name="TextBox 25">
-            <a:extLst>
-              <a:ext uri="{FF2B5EF4-FFF2-40B4-BE49-F238E27FC236}">
-                <a16:creationId xmlns:a16="http://schemas.microsoft.com/office/drawing/2014/main" id="{20D8D174-B2BC-289A-47B4-BB329550C24B}"/>
-              </a:ext>
-            </a:extLst>
-          </p:cNvPr>
-          <p:cNvSpPr txBox="1"/>
-          <p:nvPr/>
-        </p:nvSpPr>
-        <p:spPr>
-          <a:xfrm>
-            <a:off x="2382267" y="2884755"/>
-            <a:ext cx="251992" cy="261610"/>
-          </a:xfrm>
-          <a:prstGeom prst="rect">
-            <a:avLst/>
-          </a:prstGeom>
-          <a:noFill/>
-        </p:spPr>
-        <p:txBody>
-          <a:bodyPr wrap="none" rtlCol="0">
-            <a:spAutoFit/>
-          </a:bodyPr>
-          <a:lstStyle/>
-          <a:p>
-            <a:pPr marL="0" marR="0" lvl="0" indent="0" algn="l" defTabSz="914400" rtl="0" eaLnBrk="1" fontAlgn="auto" latinLnBrk="0" hangingPunct="1">
-              <a:lnSpc>
-                <a:spcPct val="100000"/>
-              </a:lnSpc>
-              <a:spcBef>
-                <a:spcPts val="0"/>
-              </a:spcBef>
-              <a:spcAft>
-                <a:spcPts val="0"/>
-              </a:spcAft>
-              <a:buClrTx/>
-              <a:buSzTx/>
-              <a:buFontTx/>
-              <a:buNone/>
-              <a:tabLst/>
-              <a:defRPr/>
-            </a:pPr>
-            <a:r>
-              <a:rPr kumimoji="0" lang="en-US" sz="1100" b="1" i="0" u="none" strike="noStrike" kern="1200" cap="none" spc="0" normalizeH="0" baseline="0" noProof="0" dirty="0">
-                <a:ln>
-                  <a:noFill/>
-                </a:ln>
-                <a:solidFill>
-                  <a:srgbClr val="C00000"/>
-                </a:solidFill>
-                <a:effectLst/>
-                <a:uLnTx/>
-                <a:uFillTx/>
-                <a:latin typeface="Calibri" panose="020F0502020204030204"/>
-                <a:ea typeface="+mn-ea"/>
-                <a:cs typeface="+mn-cs"/>
-              </a:rPr>
-              <a:t>a</a:t>
-            </a:r>
-            <a:endParaRPr kumimoji="0" lang="en-GB" sz="1100" b="1" i="0" u="none" strike="noStrike" kern="1200" cap="none" spc="0" normalizeH="0" baseline="0" noProof="0" dirty="0">
-              <a:ln>
-                <a:noFill/>
-              </a:ln>
-              <a:solidFill>
-                <a:srgbClr val="C00000"/>
-              </a:solidFill>
-              <a:effectLst/>
-              <a:uLnTx/>
-              <a:uFillTx/>
-              <a:latin typeface="Calibri" panose="020F0502020204030204"/>
-              <a:ea typeface="+mn-ea"/>
-              <a:cs typeface="+mn-cs"/>
-            </a:endParaRPr>
-          </a:p>
-        </p:txBody>
-      </p:sp>
-      <p:sp>
-        <p:nvSpPr>
-          <p:cNvPr id="27" name="TextBox 26">
-            <a:extLst>
-              <a:ext uri="{FF2B5EF4-FFF2-40B4-BE49-F238E27FC236}">
-                <a16:creationId xmlns:a16="http://schemas.microsoft.com/office/drawing/2014/main" id="{C63AE18D-B29F-C092-5882-060EE908B1AF}"/>
-              </a:ext>
-            </a:extLst>
-          </p:cNvPr>
-          <p:cNvSpPr txBox="1"/>
-          <p:nvPr/>
-        </p:nvSpPr>
-        <p:spPr>
-          <a:xfrm>
-            <a:off x="6434417" y="2476446"/>
-            <a:ext cx="258404" cy="261610"/>
-          </a:xfrm>
-          <a:prstGeom prst="rect">
-            <a:avLst/>
-          </a:prstGeom>
-          <a:noFill/>
-        </p:spPr>
-        <p:txBody>
-          <a:bodyPr wrap="none" rtlCol="0">
-            <a:spAutoFit/>
-          </a:bodyPr>
-          <a:lstStyle/>
-          <a:p>
-            <a:pPr marL="0" marR="0" lvl="0" indent="0" algn="l" defTabSz="914400" rtl="0" eaLnBrk="1" fontAlgn="auto" latinLnBrk="0" hangingPunct="1">
-              <a:lnSpc>
-                <a:spcPct val="100000"/>
-              </a:lnSpc>
-              <a:spcBef>
-                <a:spcPts val="0"/>
-              </a:spcBef>
-              <a:spcAft>
-                <a:spcPts val="0"/>
-              </a:spcAft>
-              <a:buClrTx/>
-              <a:buSzTx/>
-              <a:buFontTx/>
-              <a:buNone/>
-              <a:tabLst/>
-              <a:defRPr/>
-            </a:pPr>
-            <a:r>
-              <a:rPr kumimoji="0" lang="en-US" sz="1100" b="1" i="0" u="none" strike="noStrike" kern="1200" cap="none" spc="0" normalizeH="0" baseline="0" noProof="0" dirty="0">
-                <a:ln>
-                  <a:noFill/>
-                </a:ln>
-                <a:solidFill>
-                  <a:srgbClr val="C00000"/>
-                </a:solidFill>
-                <a:effectLst/>
-                <a:uLnTx/>
-                <a:uFillTx/>
-                <a:latin typeface="Calibri" panose="020F0502020204030204"/>
-                <a:ea typeface="+mn-ea"/>
-                <a:cs typeface="+mn-cs"/>
-              </a:rPr>
-              <a:t>b</a:t>
-            </a:r>
-            <a:endParaRPr kumimoji="0" lang="en-GB" sz="1100" b="1" i="0" u="none" strike="noStrike" kern="1200" cap="none" spc="0" normalizeH="0" baseline="0" noProof="0" dirty="0">
-              <a:ln>
-                <a:noFill/>
-              </a:ln>
-              <a:solidFill>
-                <a:srgbClr val="C00000"/>
-              </a:solidFill>
-              <a:effectLst/>
-              <a:uLnTx/>
-              <a:uFillTx/>
-              <a:latin typeface="Calibri" panose="020F0502020204030204"/>
-              <a:ea typeface="+mn-ea"/>
-              <a:cs typeface="+mn-cs"/>
-            </a:endParaRPr>
-          </a:p>
-        </p:txBody>
-      </p:sp>
-      <p:sp>
-        <p:nvSpPr>
-          <p:cNvPr id="28" name="TextBox 27">
-            <a:extLst>
-              <a:ext uri="{FF2B5EF4-FFF2-40B4-BE49-F238E27FC236}">
-                <a16:creationId xmlns:a16="http://schemas.microsoft.com/office/drawing/2014/main" id="{30DBC9BE-FF17-F0E0-650B-375BF303F4F3}"/>
-              </a:ext>
-            </a:extLst>
-          </p:cNvPr>
-          <p:cNvSpPr txBox="1"/>
-          <p:nvPr/>
-        </p:nvSpPr>
-        <p:spPr>
-          <a:xfrm>
-            <a:off x="5274483" y="2171595"/>
-            <a:ext cx="243978" cy="261610"/>
-          </a:xfrm>
-          <a:prstGeom prst="rect">
-            <a:avLst/>
-          </a:prstGeom>
-          <a:noFill/>
-        </p:spPr>
-        <p:txBody>
-          <a:bodyPr wrap="none" rtlCol="0">
-            <a:spAutoFit/>
-          </a:bodyPr>
-          <a:lstStyle/>
-          <a:p>
-            <a:pPr marL="0" marR="0" lvl="0" indent="0" algn="l" defTabSz="914400" rtl="0" eaLnBrk="1" fontAlgn="auto" latinLnBrk="0" hangingPunct="1">
-              <a:lnSpc>
-                <a:spcPct val="100000"/>
-              </a:lnSpc>
-              <a:spcBef>
-                <a:spcPts val="0"/>
-              </a:spcBef>
-              <a:spcAft>
-                <a:spcPts val="0"/>
-              </a:spcAft>
-              <a:buClrTx/>
-              <a:buSzTx/>
-              <a:buFontTx/>
-              <a:buNone/>
-              <a:tabLst/>
-              <a:defRPr/>
-            </a:pPr>
-            <a:r>
-              <a:rPr kumimoji="0" lang="en-US" sz="1100" b="1" i="0" u="none" strike="noStrike" kern="1200" cap="none" spc="0" normalizeH="0" baseline="0" noProof="0" dirty="0">
-                <a:ln>
-                  <a:noFill/>
-                </a:ln>
-                <a:solidFill>
-                  <a:srgbClr val="C00000"/>
-                </a:solidFill>
-                <a:effectLst/>
-                <a:uLnTx/>
-                <a:uFillTx/>
-                <a:latin typeface="Calibri" panose="020F0502020204030204"/>
-                <a:ea typeface="+mn-ea"/>
-                <a:cs typeface="+mn-cs"/>
-              </a:rPr>
-              <a:t>c</a:t>
-            </a:r>
-            <a:endParaRPr kumimoji="0" lang="en-GB" sz="1100" b="1" i="0" u="none" strike="noStrike" kern="1200" cap="none" spc="0" normalizeH="0" baseline="0" noProof="0" dirty="0">
-              <a:ln>
-                <a:noFill/>
-              </a:ln>
-              <a:solidFill>
-                <a:srgbClr val="C00000"/>
-              </a:solidFill>
-              <a:effectLst/>
-              <a:uLnTx/>
-              <a:uFillTx/>
-              <a:latin typeface="Calibri" panose="020F0502020204030204"/>
-              <a:ea typeface="+mn-ea"/>
-              <a:cs typeface="+mn-cs"/>
-            </a:endParaRPr>
-          </a:p>
-        </p:txBody>
-      </p:sp>
-      <p:sp>
-        <p:nvSpPr>
-          <p:cNvPr id="29" name="TextBox 28">
-            <a:extLst>
-              <a:ext uri="{FF2B5EF4-FFF2-40B4-BE49-F238E27FC236}">
-                <a16:creationId xmlns:a16="http://schemas.microsoft.com/office/drawing/2014/main" id="{89185FB4-CD63-F444-4009-E4C52F90A41A}"/>
-              </a:ext>
-            </a:extLst>
-          </p:cNvPr>
-          <p:cNvSpPr txBox="1"/>
-          <p:nvPr/>
-        </p:nvSpPr>
-        <p:spPr>
-          <a:xfrm>
-            <a:off x="5260057" y="3174473"/>
-            <a:ext cx="258404" cy="261610"/>
-          </a:xfrm>
-          <a:prstGeom prst="rect">
-            <a:avLst/>
-          </a:prstGeom>
-          <a:noFill/>
-        </p:spPr>
-        <p:txBody>
-          <a:bodyPr wrap="none" rtlCol="0">
-            <a:spAutoFit/>
-          </a:bodyPr>
-          <a:lstStyle/>
-          <a:p>
-            <a:pPr marL="0" marR="0" lvl="0" indent="0" algn="l" defTabSz="914400" rtl="0" eaLnBrk="1" fontAlgn="auto" latinLnBrk="0" hangingPunct="1">
-              <a:lnSpc>
-                <a:spcPct val="100000"/>
-              </a:lnSpc>
-              <a:spcBef>
-                <a:spcPts val="0"/>
-              </a:spcBef>
-              <a:spcAft>
-                <a:spcPts val="0"/>
-              </a:spcAft>
-              <a:buClrTx/>
-              <a:buSzTx/>
-              <a:buFontTx/>
-              <a:buNone/>
-              <a:tabLst/>
-              <a:defRPr/>
-            </a:pPr>
-            <a:r>
-              <a:rPr kumimoji="0" lang="en-US" sz="1100" b="1" i="0" u="none" strike="noStrike" kern="1200" cap="none" spc="0" normalizeH="0" baseline="0" noProof="0" dirty="0">
-                <a:ln>
-                  <a:noFill/>
-                </a:ln>
-                <a:solidFill>
-                  <a:srgbClr val="C00000"/>
-                </a:solidFill>
-                <a:effectLst/>
-                <a:uLnTx/>
-                <a:uFillTx/>
-                <a:latin typeface="Calibri" panose="020F0502020204030204"/>
-                <a:ea typeface="+mn-ea"/>
-                <a:cs typeface="+mn-cs"/>
-              </a:rPr>
-              <a:t>d</a:t>
-            </a:r>
-            <a:endParaRPr kumimoji="0" lang="en-GB" sz="1100" b="1" i="0" u="none" strike="noStrike" kern="1200" cap="none" spc="0" normalizeH="0" baseline="0" noProof="0" dirty="0">
-              <a:ln>
-                <a:noFill/>
-              </a:ln>
-              <a:solidFill>
-                <a:srgbClr val="C00000"/>
-              </a:solidFill>
-              <a:effectLst/>
-              <a:uLnTx/>
-              <a:uFillTx/>
-              <a:latin typeface="Calibri" panose="020F0502020204030204"/>
-              <a:ea typeface="+mn-ea"/>
-              <a:cs typeface="+mn-cs"/>
-            </a:endParaRPr>
-          </a:p>
-        </p:txBody>
-      </p:sp>
-      <p:sp>
-        <p:nvSpPr>
-          <p:cNvPr id="31" name="TextBox 30">
-            <a:extLst>
-              <a:ext uri="{FF2B5EF4-FFF2-40B4-BE49-F238E27FC236}">
-                <a16:creationId xmlns:a16="http://schemas.microsoft.com/office/drawing/2014/main" id="{A3AEBCEA-8BF4-EFC5-CC42-584B7DDF1FE3}"/>
-              </a:ext>
-            </a:extLst>
-          </p:cNvPr>
-          <p:cNvSpPr txBox="1"/>
-          <p:nvPr/>
-        </p:nvSpPr>
-        <p:spPr>
-          <a:xfrm>
-            <a:off x="542329" y="1107928"/>
-            <a:ext cx="569643" cy="246221"/>
-          </a:xfrm>
-          <a:prstGeom prst="rect">
-            <a:avLst/>
-          </a:prstGeom>
-          <a:noFill/>
-        </p:spPr>
-        <p:txBody>
-          <a:bodyPr wrap="square" rtlCol="0">
-            <a:spAutoFit/>
-          </a:bodyPr>
-          <a:lstStyle/>
-          <a:p>
-            <a:pPr marL="0" marR="0" lvl="0" indent="0" algn="l" defTabSz="914400" rtl="0" eaLnBrk="1" fontAlgn="auto" latinLnBrk="0" hangingPunct="1">
-              <a:lnSpc>
-                <a:spcPct val="100000"/>
-              </a:lnSpc>
-              <a:spcBef>
-                <a:spcPts val="0"/>
-              </a:spcBef>
-              <a:spcAft>
-                <a:spcPts val="0"/>
-              </a:spcAft>
-              <a:buClrTx/>
-              <a:buSzTx/>
-              <a:buFontTx/>
-              <a:buNone/>
-              <a:tabLst/>
-              <a:defRPr/>
-            </a:pPr>
-            <a:r>
-              <a:rPr kumimoji="0" lang="en-US" sz="1000" b="1" i="0" u="none" strike="noStrike" kern="1200" cap="none" spc="0" normalizeH="0" baseline="0" noProof="0" dirty="0">
-                <a:ln>
-                  <a:noFill/>
-                </a:ln>
-                <a:solidFill>
-                  <a:prstClr val="black"/>
-                </a:solidFill>
-                <a:effectLst/>
-                <a:uLnTx/>
-                <a:uFillTx/>
-                <a:latin typeface="Consolas" panose="020B0609020204030204" pitchFamily="49" charset="0"/>
-                <a:ea typeface="+mn-ea"/>
-                <a:cs typeface="+mn-cs"/>
-              </a:rPr>
-              <a:t>S-101</a:t>
-            </a:r>
-            <a:endParaRPr kumimoji="0" lang="en-GB" sz="1000" b="1" i="0" u="none" strike="noStrike" kern="1200" cap="none" spc="0" normalizeH="0" baseline="0" noProof="0" dirty="0">
-              <a:ln>
-                <a:noFill/>
-              </a:ln>
-              <a:solidFill>
-                <a:prstClr val="black"/>
-              </a:solidFill>
-              <a:effectLst/>
-              <a:uLnTx/>
-              <a:uFillTx/>
-              <a:latin typeface="Consolas" panose="020B0609020204030204" pitchFamily="49" charset="0"/>
-              <a:ea typeface="+mn-ea"/>
-              <a:cs typeface="+mn-cs"/>
-            </a:endParaRPr>
-          </a:p>
-        </p:txBody>
-      </p:sp>
-      <p:sp>
-        <p:nvSpPr>
-          <p:cNvPr id="33" name="TextBox 32">
-            <a:extLst>
-              <a:ext uri="{FF2B5EF4-FFF2-40B4-BE49-F238E27FC236}">
-                <a16:creationId xmlns:a16="http://schemas.microsoft.com/office/drawing/2014/main" id="{C388E41E-F4F7-FC4E-1A86-BB201A6148A3}"/>
-              </a:ext>
-            </a:extLst>
-          </p:cNvPr>
-          <p:cNvSpPr txBox="1"/>
-          <p:nvPr/>
-        </p:nvSpPr>
-        <p:spPr>
-          <a:xfrm>
-            <a:off x="3954795" y="1107927"/>
-            <a:ext cx="569643" cy="246221"/>
-          </a:xfrm>
-          <a:prstGeom prst="rect">
-            <a:avLst/>
-          </a:prstGeom>
-          <a:noFill/>
-        </p:spPr>
-        <p:txBody>
-          <a:bodyPr wrap="square" rtlCol="0">
-            <a:spAutoFit/>
-          </a:bodyPr>
-          <a:lstStyle/>
-          <a:p>
-            <a:pPr marL="0" marR="0" lvl="0" indent="0" algn="l" defTabSz="914400" rtl="0" eaLnBrk="1" fontAlgn="auto" latinLnBrk="0" hangingPunct="1">
-              <a:lnSpc>
-                <a:spcPct val="100000"/>
-              </a:lnSpc>
-              <a:spcBef>
-                <a:spcPts val="0"/>
-              </a:spcBef>
-              <a:spcAft>
-                <a:spcPts val="0"/>
-              </a:spcAft>
-              <a:buClrTx/>
-              <a:buSzTx/>
-              <a:buFontTx/>
-              <a:buNone/>
-              <a:tabLst/>
-              <a:defRPr/>
-            </a:pPr>
-            <a:r>
-              <a:rPr kumimoji="0" lang="en-US" sz="1000" b="1" i="0" u="none" strike="noStrike" kern="1200" cap="none" spc="0" normalizeH="0" baseline="0" noProof="0" dirty="0">
-                <a:ln>
-                  <a:noFill/>
-                </a:ln>
-                <a:solidFill>
-                  <a:prstClr val="black"/>
-                </a:solidFill>
-                <a:effectLst/>
-                <a:uLnTx/>
-                <a:uFillTx/>
-                <a:latin typeface="Consolas" panose="020B0609020204030204" pitchFamily="49" charset="0"/>
-                <a:ea typeface="+mn-ea"/>
-                <a:cs typeface="+mn-cs"/>
-              </a:rPr>
-              <a:t>S-101</a:t>
-            </a:r>
-            <a:endParaRPr kumimoji="0" lang="en-GB" sz="1000" b="1" i="0" u="none" strike="noStrike" kern="1200" cap="none" spc="0" normalizeH="0" baseline="0" noProof="0" dirty="0">
-              <a:ln>
-                <a:noFill/>
-              </a:ln>
-              <a:solidFill>
-                <a:prstClr val="black"/>
-              </a:solidFill>
-              <a:effectLst/>
-              <a:uLnTx/>
-              <a:uFillTx/>
-              <a:latin typeface="Consolas" panose="020B0609020204030204" pitchFamily="49" charset="0"/>
-              <a:ea typeface="+mn-ea"/>
-              <a:cs typeface="+mn-cs"/>
-            </a:endParaRPr>
-          </a:p>
-        </p:txBody>
-      </p:sp>
-      <p:sp>
-        <p:nvSpPr>
-          <p:cNvPr id="9" name="TextBox 8">
-            <a:extLst>
-              <a:ext uri="{FF2B5EF4-FFF2-40B4-BE49-F238E27FC236}">
-                <a16:creationId xmlns:a16="http://schemas.microsoft.com/office/drawing/2014/main" id="{72580E56-1095-1F1F-8FC3-2ECE2A1284DD}"/>
-              </a:ext>
-            </a:extLst>
-          </p:cNvPr>
-          <p:cNvSpPr txBox="1"/>
-          <p:nvPr/>
-        </p:nvSpPr>
-        <p:spPr>
-          <a:xfrm>
-            <a:off x="1111972" y="5027657"/>
-            <a:ext cx="4528997" cy="1477328"/>
-          </a:xfrm>
-          <a:prstGeom prst="rect">
-            <a:avLst/>
-          </a:prstGeom>
-          <a:noFill/>
-        </p:spPr>
-        <p:txBody>
-          <a:bodyPr wrap="none" rtlCol="0">
-            <a:spAutoFit/>
-          </a:bodyPr>
-          <a:lstStyle/>
-          <a:p>
-            <a:r>
-              <a:rPr lang="en-US" dirty="0"/>
-              <a:t>What happens when you do a pick report (a)? </a:t>
-            </a:r>
-          </a:p>
-          <a:p>
-            <a:pPr marL="342900" indent="-342900">
-              <a:buAutoNum type="alphaLcParenBoth"/>
-            </a:pPr>
-            <a:r>
-              <a:rPr lang="en-US" dirty="0"/>
-              <a:t>Feature picked</a:t>
-            </a:r>
-          </a:p>
-          <a:p>
-            <a:pPr marL="342900" indent="-342900">
-              <a:buAutoNum type="alphaLcParenBoth"/>
-            </a:pPr>
-            <a:r>
-              <a:rPr lang="en-US" dirty="0"/>
-              <a:t>Common </a:t>
-            </a:r>
-            <a:r>
-              <a:rPr lang="en-US" dirty="0" err="1"/>
-              <a:t>foid</a:t>
-            </a:r>
-            <a:endParaRPr lang="en-US" dirty="0"/>
-          </a:p>
-          <a:p>
-            <a:pPr marL="342900" indent="-342900">
-              <a:buAutoNum type="alphaLcParenBoth"/>
-            </a:pPr>
-            <a:r>
-              <a:rPr lang="en-US" dirty="0"/>
-              <a:t>Associated with (b)</a:t>
-            </a:r>
-          </a:p>
-          <a:p>
-            <a:pPr marL="342900" indent="-342900">
-              <a:buAutoNum type="alphaLcParenBoth"/>
-            </a:pPr>
-            <a:r>
-              <a:rPr lang="en-US" dirty="0"/>
-              <a:t>Associated with (b)</a:t>
-            </a:r>
-          </a:p>
-        </p:txBody>
-      </p:sp>
-      <p:sp>
-        <p:nvSpPr>
-          <p:cNvPr id="39" name="TextBox 38">
-            <a:extLst>
-              <a:ext uri="{FF2B5EF4-FFF2-40B4-BE49-F238E27FC236}">
-                <a16:creationId xmlns:a16="http://schemas.microsoft.com/office/drawing/2014/main" id="{93700FB7-8217-E87D-3EAD-16FE2E94EE41}"/>
-              </a:ext>
-            </a:extLst>
-          </p:cNvPr>
-          <p:cNvSpPr txBox="1"/>
-          <p:nvPr/>
-        </p:nvSpPr>
-        <p:spPr>
-          <a:xfrm>
-            <a:off x="161412" y="303944"/>
-            <a:ext cx="10413359" cy="402546"/>
-          </a:xfrm>
-          <a:prstGeom prst="rect">
-            <a:avLst/>
-          </a:prstGeom>
-          <a:noFill/>
-        </p:spPr>
-        <p:txBody>
-          <a:bodyPr wrap="square">
-            <a:spAutoFit/>
-          </a:bodyPr>
-          <a:lstStyle/>
-          <a:p>
-            <a:pPr>
-              <a:lnSpc>
-                <a:spcPct val="120000"/>
-              </a:lnSpc>
-            </a:pPr>
-            <a:r>
-              <a:rPr lang="en-US" dirty="0"/>
-              <a:t>So: </a:t>
-            </a:r>
-            <a:r>
-              <a:rPr lang="en-US" b="1" dirty="0">
-                <a:solidFill>
-                  <a:srgbClr val="C00000"/>
-                </a:solidFill>
-              </a:rPr>
-              <a:t>Features with common </a:t>
-            </a:r>
-            <a:r>
-              <a:rPr lang="en-US" b="1" dirty="0" err="1">
-                <a:solidFill>
-                  <a:srgbClr val="C00000"/>
-                </a:solidFill>
-              </a:rPr>
-              <a:t>foids</a:t>
-            </a:r>
-            <a:r>
-              <a:rPr lang="en-US" b="1" dirty="0">
-                <a:solidFill>
-                  <a:srgbClr val="C00000"/>
-                </a:solidFill>
-              </a:rPr>
-              <a:t> in the viewport should be merged together for the pick report</a:t>
-            </a:r>
-            <a:r>
-              <a:rPr lang="en-US" dirty="0"/>
-              <a:t>?</a:t>
-            </a:r>
-          </a:p>
-        </p:txBody>
-      </p:sp>
-      <p:sp>
-        <p:nvSpPr>
-          <p:cNvPr id="2" name="TextBox 1">
-            <a:extLst>
-              <a:ext uri="{FF2B5EF4-FFF2-40B4-BE49-F238E27FC236}">
-                <a16:creationId xmlns:a16="http://schemas.microsoft.com/office/drawing/2014/main" id="{C43B634A-9ADF-03FC-773C-273A1ABB531F}"/>
-              </a:ext>
-            </a:extLst>
-          </p:cNvPr>
-          <p:cNvSpPr txBox="1"/>
-          <p:nvPr/>
-        </p:nvSpPr>
-        <p:spPr>
-          <a:xfrm rot="21175780">
-            <a:off x="1982882" y="3187077"/>
-            <a:ext cx="1180131" cy="230832"/>
-          </a:xfrm>
-          <a:prstGeom prst="rect">
-            <a:avLst/>
-          </a:prstGeom>
-          <a:noFill/>
-        </p:spPr>
-        <p:txBody>
-          <a:bodyPr wrap="none" rtlCol="0">
-            <a:spAutoFit/>
-          </a:bodyPr>
-          <a:lstStyle/>
-          <a:p>
-            <a:pPr marL="0" marR="0" lvl="0" indent="0" algn="l" defTabSz="914400" rtl="0" eaLnBrk="1" fontAlgn="auto" latinLnBrk="0" hangingPunct="1">
-              <a:lnSpc>
-                <a:spcPct val="100000"/>
-              </a:lnSpc>
-              <a:spcBef>
-                <a:spcPts val="0"/>
-              </a:spcBef>
-              <a:spcAft>
-                <a:spcPts val="0"/>
-              </a:spcAft>
-              <a:buClrTx/>
-              <a:buSzTx/>
-              <a:buFontTx/>
-              <a:buNone/>
-              <a:tabLst/>
-              <a:defRPr/>
-            </a:pPr>
-            <a:r>
-              <a:rPr kumimoji="0" lang="en-US" sz="900" b="0" i="0" u="none" strike="noStrike" kern="1200" cap="none" spc="0" normalizeH="0" baseline="0" noProof="0" dirty="0" err="1">
-                <a:ln>
-                  <a:noFill/>
-                </a:ln>
-                <a:solidFill>
-                  <a:prstClr val="black"/>
-                </a:solidFill>
-                <a:effectLst/>
-                <a:uLnTx/>
-                <a:uFillTx/>
-                <a:latin typeface="Calibri" panose="020F0502020204030204"/>
-                <a:ea typeface="+mn-ea"/>
-                <a:cs typeface="+mn-cs"/>
-              </a:rPr>
-              <a:t>foid</a:t>
-            </a:r>
-            <a:r>
-              <a:rPr kumimoji="0" lang="en-US" sz="900" b="0" i="0" u="none" strike="noStrike" kern="1200" cap="none" spc="0" normalizeH="0" baseline="0" noProof="0" dirty="0">
-                <a:ln>
-                  <a:noFill/>
-                </a:ln>
-                <a:solidFill>
-                  <a:prstClr val="black"/>
-                </a:solidFill>
-                <a:effectLst/>
-                <a:uLnTx/>
-                <a:uFillTx/>
-                <a:latin typeface="Calibri" panose="020F0502020204030204"/>
-                <a:ea typeface="+mn-ea"/>
-                <a:cs typeface="+mn-cs"/>
-              </a:rPr>
-              <a:t>=1810:238972:42</a:t>
-            </a:r>
-            <a:endParaRPr kumimoji="0" lang="en-GB" sz="900" b="0" i="0" u="none" strike="noStrike" kern="1200" cap="none" spc="0" normalizeH="0" baseline="0" noProof="0" dirty="0">
-              <a:ln>
-                <a:noFill/>
-              </a:ln>
-              <a:solidFill>
-                <a:prstClr val="black"/>
-              </a:solidFill>
-              <a:effectLst/>
-              <a:uLnTx/>
-              <a:uFillTx/>
-              <a:latin typeface="Calibri" panose="020F0502020204030204"/>
-              <a:ea typeface="+mn-ea"/>
-              <a:cs typeface="+mn-cs"/>
-            </a:endParaRPr>
-          </a:p>
-        </p:txBody>
-      </p:sp>
-      <p:sp>
-        <p:nvSpPr>
-          <p:cNvPr id="3" name="TextBox 2">
-            <a:extLst>
-              <a:ext uri="{FF2B5EF4-FFF2-40B4-BE49-F238E27FC236}">
-                <a16:creationId xmlns:a16="http://schemas.microsoft.com/office/drawing/2014/main" id="{A7B70A66-3A89-5BA2-EE8F-D9B5D5ED3AB7}"/>
-              </a:ext>
-            </a:extLst>
-          </p:cNvPr>
-          <p:cNvSpPr txBox="1"/>
-          <p:nvPr/>
-        </p:nvSpPr>
-        <p:spPr>
-          <a:xfrm rot="21175780">
-            <a:off x="3941845" y="2956508"/>
-            <a:ext cx="1180131" cy="230832"/>
-          </a:xfrm>
-          <a:prstGeom prst="rect">
-            <a:avLst/>
-          </a:prstGeom>
-          <a:noFill/>
-        </p:spPr>
-        <p:txBody>
-          <a:bodyPr wrap="none" rtlCol="0">
-            <a:spAutoFit/>
-          </a:bodyPr>
-          <a:lstStyle/>
-          <a:p>
-            <a:pPr marL="0" marR="0" lvl="0" indent="0" algn="l" defTabSz="914400" rtl="0" eaLnBrk="1" fontAlgn="auto" latinLnBrk="0" hangingPunct="1">
-              <a:lnSpc>
-                <a:spcPct val="100000"/>
-              </a:lnSpc>
-              <a:spcBef>
-                <a:spcPts val="0"/>
-              </a:spcBef>
-              <a:spcAft>
-                <a:spcPts val="0"/>
-              </a:spcAft>
-              <a:buClrTx/>
-              <a:buSzTx/>
-              <a:buFontTx/>
-              <a:buNone/>
-              <a:tabLst/>
-              <a:defRPr/>
-            </a:pPr>
-            <a:r>
-              <a:rPr kumimoji="0" lang="en-US" sz="900" b="0" i="0" u="none" strike="noStrike" kern="1200" cap="none" spc="0" normalizeH="0" baseline="0" noProof="0" dirty="0" err="1">
-                <a:ln>
-                  <a:noFill/>
-                </a:ln>
-                <a:solidFill>
-                  <a:prstClr val="black"/>
-                </a:solidFill>
-                <a:effectLst/>
-                <a:uLnTx/>
-                <a:uFillTx/>
-                <a:latin typeface="Calibri" panose="020F0502020204030204"/>
-                <a:ea typeface="+mn-ea"/>
-                <a:cs typeface="+mn-cs"/>
-              </a:rPr>
-              <a:t>foid</a:t>
-            </a:r>
-            <a:r>
-              <a:rPr kumimoji="0" lang="en-US" sz="900" b="0" i="0" u="none" strike="noStrike" kern="1200" cap="none" spc="0" normalizeH="0" baseline="0" noProof="0" dirty="0">
-                <a:ln>
-                  <a:noFill/>
-                </a:ln>
-                <a:solidFill>
-                  <a:prstClr val="black"/>
-                </a:solidFill>
-                <a:effectLst/>
-                <a:uLnTx/>
-                <a:uFillTx/>
-                <a:latin typeface="Calibri" panose="020F0502020204030204"/>
-                <a:ea typeface="+mn-ea"/>
-                <a:cs typeface="+mn-cs"/>
-              </a:rPr>
-              <a:t>=1810:238972:42</a:t>
-            </a:r>
-            <a:endParaRPr kumimoji="0" lang="en-GB" sz="900" b="0" i="0" u="none" strike="noStrike" kern="1200" cap="none" spc="0" normalizeH="0" baseline="0" noProof="0" dirty="0">
-              <a:ln>
-                <a:noFill/>
-              </a:ln>
-              <a:solidFill>
-                <a:prstClr val="black"/>
-              </a:solidFill>
-              <a:effectLst/>
-              <a:uLnTx/>
-              <a:uFillTx/>
-              <a:latin typeface="Calibri" panose="020F0502020204030204"/>
-              <a:ea typeface="+mn-ea"/>
-              <a:cs typeface="+mn-cs"/>
-            </a:endParaRPr>
-          </a:p>
-        </p:txBody>
-      </p:sp>
-      <p:sp>
-        <p:nvSpPr>
-          <p:cNvPr id="11" name="Freeform: Shape 10">
-            <a:extLst>
-              <a:ext uri="{FF2B5EF4-FFF2-40B4-BE49-F238E27FC236}">
-                <a16:creationId xmlns:a16="http://schemas.microsoft.com/office/drawing/2014/main" id="{A72C5E6C-DD3E-6CF3-B2CD-DF353FD8DF07}"/>
-              </a:ext>
-            </a:extLst>
-          </p:cNvPr>
-          <p:cNvSpPr/>
-          <p:nvPr/>
-        </p:nvSpPr>
-        <p:spPr>
-          <a:xfrm>
-            <a:off x="5368092" y="2187028"/>
-            <a:ext cx="349144" cy="348919"/>
-          </a:xfrm>
-          <a:custGeom>
-            <a:avLst/>
-            <a:gdLst>
-              <a:gd name="connsiteX0" fmla="*/ 0 w 349144"/>
-              <a:gd name="connsiteY0" fmla="*/ 57566 h 348919"/>
-              <a:gd name="connsiteX1" fmla="*/ 300317 w 349144"/>
-              <a:gd name="connsiteY1" fmla="*/ 21707 h 348919"/>
-              <a:gd name="connsiteX2" fmla="*/ 345141 w 349144"/>
-              <a:gd name="connsiteY2" fmla="*/ 348919 h 348919"/>
-            </a:gdLst>
-            <a:ahLst/>
-            <a:cxnLst>
-              <a:cxn ang="0">
-                <a:pos x="connsiteX0" y="connsiteY0"/>
-              </a:cxn>
-              <a:cxn ang="0">
-                <a:pos x="connsiteX1" y="connsiteY1"/>
-              </a:cxn>
-              <a:cxn ang="0">
-                <a:pos x="connsiteX2" y="connsiteY2"/>
-              </a:cxn>
-            </a:cxnLst>
-            <a:rect l="l" t="t" r="r" b="b"/>
-            <a:pathLst>
-              <a:path w="349144" h="348919">
-                <a:moveTo>
-                  <a:pt x="0" y="57566"/>
-                </a:moveTo>
-                <a:cubicBezTo>
-                  <a:pt x="121397" y="15357"/>
-                  <a:pt x="242794" y="-26852"/>
-                  <a:pt x="300317" y="21707"/>
-                </a:cubicBezTo>
-                <a:cubicBezTo>
-                  <a:pt x="357840" y="70266"/>
-                  <a:pt x="351490" y="209592"/>
-                  <a:pt x="345141" y="348919"/>
-                </a:cubicBezTo>
-              </a:path>
-            </a:pathLst>
-          </a:custGeom>
-          <a:noFill/>
-          <a:ln>
-            <a:headEnd type="triangle"/>
-            <a:tailEnd type="triangle"/>
-          </a:ln>
-        </p:spPr>
-        <p:style>
-          <a:lnRef idx="2">
-            <a:schemeClr val="accent1">
-              <a:shade val="15000"/>
-            </a:schemeClr>
-          </a:lnRef>
-          <a:fillRef idx="1">
-            <a:schemeClr val="accent1"/>
-          </a:fillRef>
-          <a:effectRef idx="0">
-            <a:schemeClr val="accent1"/>
-          </a:effectRef>
-          <a:fontRef idx="minor">
-            <a:schemeClr val="lt1"/>
-          </a:fontRef>
-        </p:style>
-        <p:txBody>
-          <a:bodyPr rtlCol="0" anchor="ctr"/>
-          <a:lstStyle/>
-          <a:p>
-            <a:pPr marL="0" marR="0" lvl="0" indent="0" algn="ctr" defTabSz="914400" rtl="0" eaLnBrk="1" fontAlgn="auto" latinLnBrk="0" hangingPunct="1">
-              <a:lnSpc>
-                <a:spcPct val="100000"/>
-              </a:lnSpc>
-              <a:spcBef>
-                <a:spcPts val="0"/>
-              </a:spcBef>
-              <a:spcAft>
-                <a:spcPts val="0"/>
-              </a:spcAft>
-              <a:buClrTx/>
-              <a:buSzTx/>
-              <a:buFontTx/>
-              <a:buNone/>
-              <a:tabLst/>
-              <a:defRPr/>
-            </a:pPr>
-            <a:endParaRPr kumimoji="0" lang="en-GB" sz="1800" b="0" i="0" u="none" strike="noStrike" kern="1200" cap="none" spc="0" normalizeH="0" baseline="0" noProof="0">
-              <a:ln>
-                <a:noFill/>
-              </a:ln>
-              <a:solidFill>
-                <a:prstClr val="white"/>
-              </a:solidFill>
-              <a:effectLst/>
-              <a:uLnTx/>
-              <a:uFillTx/>
-              <a:latin typeface="Calibri" panose="020F0502020204030204"/>
-              <a:ea typeface="+mn-ea"/>
-              <a:cs typeface="+mn-cs"/>
-            </a:endParaRPr>
-          </a:p>
-        </p:txBody>
-      </p:sp>
-      <p:sp>
-        <p:nvSpPr>
-          <p:cNvPr id="12" name="TextBox 11">
-            <a:extLst>
-              <a:ext uri="{FF2B5EF4-FFF2-40B4-BE49-F238E27FC236}">
-                <a16:creationId xmlns:a16="http://schemas.microsoft.com/office/drawing/2014/main" id="{C513D881-0220-76B0-816B-8195BE703C0D}"/>
-              </a:ext>
-            </a:extLst>
-          </p:cNvPr>
-          <p:cNvSpPr txBox="1"/>
-          <p:nvPr/>
-        </p:nvSpPr>
-        <p:spPr>
-          <a:xfrm>
-            <a:off x="5490181" y="2010988"/>
-            <a:ext cx="652743" cy="215444"/>
-          </a:xfrm>
-          <a:prstGeom prst="rect">
-            <a:avLst/>
-          </a:prstGeom>
-          <a:noFill/>
-        </p:spPr>
-        <p:txBody>
-          <a:bodyPr wrap="none" rtlCol="0">
-            <a:spAutoFit/>
-          </a:bodyPr>
-          <a:lstStyle/>
-          <a:p>
-            <a:pPr marL="0" marR="0" lvl="0" indent="0" algn="l" defTabSz="914400" rtl="0" eaLnBrk="1" fontAlgn="auto" latinLnBrk="0" hangingPunct="1">
-              <a:lnSpc>
-                <a:spcPct val="100000"/>
-              </a:lnSpc>
-              <a:spcBef>
-                <a:spcPts val="0"/>
-              </a:spcBef>
-              <a:spcAft>
-                <a:spcPts val="0"/>
-              </a:spcAft>
-              <a:buClrTx/>
-              <a:buSzTx/>
-              <a:buFontTx/>
-              <a:buNone/>
-              <a:tabLst/>
-              <a:defRPr/>
-            </a:pPr>
-            <a:r>
-              <a:rPr kumimoji="0" lang="en-US" sz="800" b="0" i="0" u="none" strike="noStrike" kern="1200" cap="none" spc="0" normalizeH="0" baseline="0" noProof="0" dirty="0">
-                <a:ln>
-                  <a:noFill/>
-                </a:ln>
-                <a:solidFill>
-                  <a:prstClr val="black"/>
-                </a:solidFill>
-                <a:effectLst/>
-                <a:uLnTx/>
-                <a:uFillTx/>
-                <a:latin typeface="Calibri" panose="020F0502020204030204"/>
-                <a:ea typeface="+mn-ea"/>
-                <a:cs typeface="+mn-cs"/>
-              </a:rPr>
-              <a:t>association</a:t>
-            </a:r>
-            <a:endParaRPr kumimoji="0" lang="en-GB" sz="800" b="0" i="0" u="none" strike="noStrike" kern="1200" cap="none" spc="0" normalizeH="0" baseline="0" noProof="0" dirty="0">
-              <a:ln>
-                <a:noFill/>
-              </a:ln>
-              <a:solidFill>
-                <a:prstClr val="black"/>
-              </a:solidFill>
-              <a:effectLst/>
-              <a:uLnTx/>
-              <a:uFillTx/>
-              <a:latin typeface="Calibri" panose="020F0502020204030204"/>
-              <a:ea typeface="+mn-ea"/>
-              <a:cs typeface="+mn-cs"/>
-            </a:endParaRPr>
-          </a:p>
-        </p:txBody>
-      </p:sp>
-      <p:sp>
-        <p:nvSpPr>
-          <p:cNvPr id="18" name="Freeform: Shape 17">
-            <a:extLst>
-              <a:ext uri="{FF2B5EF4-FFF2-40B4-BE49-F238E27FC236}">
-                <a16:creationId xmlns:a16="http://schemas.microsoft.com/office/drawing/2014/main" id="{1904DF43-5EC4-5228-7163-692F60FEDAB0}"/>
-              </a:ext>
-            </a:extLst>
-          </p:cNvPr>
-          <p:cNvSpPr/>
-          <p:nvPr/>
-        </p:nvSpPr>
-        <p:spPr>
-          <a:xfrm>
-            <a:off x="5048485" y="2955196"/>
-            <a:ext cx="354991" cy="227783"/>
-          </a:xfrm>
-          <a:custGeom>
-            <a:avLst/>
-            <a:gdLst>
-              <a:gd name="connsiteX0" fmla="*/ 354991 w 354991"/>
-              <a:gd name="connsiteY0" fmla="*/ 0 h 227783"/>
-              <a:gd name="connsiteX1" fmla="*/ 5368 w 354991"/>
-              <a:gd name="connsiteY1" fmla="*/ 197224 h 227783"/>
-              <a:gd name="connsiteX2" fmla="*/ 175697 w 354991"/>
-              <a:gd name="connsiteY2" fmla="*/ 224118 h 227783"/>
-            </a:gdLst>
-            <a:ahLst/>
-            <a:cxnLst>
-              <a:cxn ang="0">
-                <a:pos x="connsiteX0" y="connsiteY0"/>
-              </a:cxn>
-              <a:cxn ang="0">
-                <a:pos x="connsiteX1" y="connsiteY1"/>
-              </a:cxn>
-              <a:cxn ang="0">
-                <a:pos x="connsiteX2" y="connsiteY2"/>
-              </a:cxn>
-            </a:cxnLst>
-            <a:rect l="l" t="t" r="r" b="b"/>
-            <a:pathLst>
-              <a:path w="354991" h="227783">
-                <a:moveTo>
-                  <a:pt x="354991" y="0"/>
-                </a:moveTo>
-                <a:cubicBezTo>
-                  <a:pt x="195120" y="79935"/>
-                  <a:pt x="35250" y="159871"/>
-                  <a:pt x="5368" y="197224"/>
-                </a:cubicBezTo>
-                <a:cubicBezTo>
-                  <a:pt x="-24514" y="234577"/>
-                  <a:pt x="75591" y="229347"/>
-                  <a:pt x="175697" y="224118"/>
-                </a:cubicBezTo>
-              </a:path>
-            </a:pathLst>
-          </a:custGeom>
-          <a:noFill/>
-          <a:ln>
-            <a:headEnd type="triangle"/>
-            <a:tailEnd type="triangle"/>
-          </a:ln>
-        </p:spPr>
-        <p:style>
-          <a:lnRef idx="2">
-            <a:schemeClr val="accent1">
-              <a:shade val="15000"/>
-            </a:schemeClr>
-          </a:lnRef>
-          <a:fillRef idx="1">
-            <a:schemeClr val="accent1"/>
-          </a:fillRef>
-          <a:effectRef idx="0">
-            <a:schemeClr val="accent1"/>
-          </a:effectRef>
-          <a:fontRef idx="minor">
-            <a:schemeClr val="lt1"/>
-          </a:fontRef>
-        </p:style>
-        <p:txBody>
-          <a:bodyPr rtlCol="0" anchor="ctr"/>
-          <a:lstStyle/>
-          <a:p>
-            <a:pPr marL="0" marR="0" lvl="0" indent="0" algn="ctr" defTabSz="914400" rtl="0" eaLnBrk="1" fontAlgn="auto" latinLnBrk="0" hangingPunct="1">
-              <a:lnSpc>
-                <a:spcPct val="100000"/>
-              </a:lnSpc>
-              <a:spcBef>
-                <a:spcPts val="0"/>
-              </a:spcBef>
-              <a:spcAft>
-                <a:spcPts val="0"/>
-              </a:spcAft>
-              <a:buClrTx/>
-              <a:buSzTx/>
-              <a:buFontTx/>
-              <a:buNone/>
-              <a:tabLst/>
-              <a:defRPr/>
-            </a:pPr>
-            <a:endParaRPr kumimoji="0" lang="en-GB" sz="1800" b="0" i="0" u="none" strike="noStrike" kern="1200" cap="none" spc="0" normalizeH="0" baseline="0" noProof="0">
-              <a:ln>
-                <a:noFill/>
-              </a:ln>
-              <a:solidFill>
-                <a:prstClr val="white"/>
-              </a:solidFill>
-              <a:effectLst/>
-              <a:uLnTx/>
-              <a:uFillTx/>
-              <a:latin typeface="Calibri" panose="020F0502020204030204"/>
-              <a:ea typeface="+mn-ea"/>
-              <a:cs typeface="+mn-cs"/>
-            </a:endParaRPr>
-          </a:p>
-        </p:txBody>
-      </p:sp>
-      <p:sp>
-        <p:nvSpPr>
-          <p:cNvPr id="20" name="TextBox 19">
-            <a:extLst>
-              <a:ext uri="{FF2B5EF4-FFF2-40B4-BE49-F238E27FC236}">
-                <a16:creationId xmlns:a16="http://schemas.microsoft.com/office/drawing/2014/main" id="{32E89090-35C2-D0F6-4EE6-494B6BA40F07}"/>
-              </a:ext>
-            </a:extLst>
-          </p:cNvPr>
-          <p:cNvSpPr txBox="1"/>
-          <p:nvPr/>
-        </p:nvSpPr>
-        <p:spPr>
-          <a:xfrm>
-            <a:off x="4750733" y="3190902"/>
-            <a:ext cx="652743" cy="215444"/>
-          </a:xfrm>
-          <a:prstGeom prst="rect">
-            <a:avLst/>
-          </a:prstGeom>
-          <a:noFill/>
-        </p:spPr>
-        <p:txBody>
-          <a:bodyPr wrap="none" rtlCol="0">
-            <a:spAutoFit/>
-          </a:bodyPr>
-          <a:lstStyle/>
-          <a:p>
-            <a:pPr marL="0" marR="0" lvl="0" indent="0" algn="l" defTabSz="914400" rtl="0" eaLnBrk="1" fontAlgn="auto" latinLnBrk="0" hangingPunct="1">
-              <a:lnSpc>
-                <a:spcPct val="100000"/>
-              </a:lnSpc>
-              <a:spcBef>
-                <a:spcPts val="0"/>
-              </a:spcBef>
-              <a:spcAft>
-                <a:spcPts val="0"/>
-              </a:spcAft>
-              <a:buClrTx/>
-              <a:buSzTx/>
-              <a:buFontTx/>
-              <a:buNone/>
-              <a:tabLst/>
-              <a:defRPr/>
-            </a:pPr>
-            <a:r>
-              <a:rPr kumimoji="0" lang="en-US" sz="800" b="0" i="0" u="none" strike="noStrike" kern="1200" cap="none" spc="0" normalizeH="0" baseline="0" noProof="0" dirty="0">
-                <a:ln>
-                  <a:noFill/>
-                </a:ln>
-                <a:solidFill>
-                  <a:prstClr val="black"/>
-                </a:solidFill>
-                <a:effectLst/>
-                <a:uLnTx/>
-                <a:uFillTx/>
-                <a:latin typeface="Calibri" panose="020F0502020204030204"/>
-                <a:ea typeface="+mn-ea"/>
-                <a:cs typeface="+mn-cs"/>
-              </a:rPr>
-              <a:t>association</a:t>
-            </a:r>
-            <a:endParaRPr kumimoji="0" lang="en-GB" sz="800" b="0" i="0" u="none" strike="noStrike" kern="1200" cap="none" spc="0" normalizeH="0" baseline="0" noProof="0" dirty="0">
-              <a:ln>
-                <a:noFill/>
-              </a:ln>
-              <a:solidFill>
-                <a:prstClr val="black"/>
-              </a:solidFill>
-              <a:effectLst/>
-              <a:uLnTx/>
-              <a:uFillTx/>
-              <a:latin typeface="Calibri" panose="020F0502020204030204"/>
-              <a:ea typeface="+mn-ea"/>
-              <a:cs typeface="+mn-cs"/>
-            </a:endParaRPr>
-          </a:p>
-        </p:txBody>
-      </p:sp>
-    </p:spTree>
-    <p:extLst>
-      <p:ext uri="{BB962C8B-B14F-4D97-AF65-F5344CB8AC3E}">
-        <p14:creationId xmlns:p14="http://schemas.microsoft.com/office/powerpoint/2010/main" val="2109836617"/>
       </p:ext>
     </p:extLst>
   </p:cSld>
